--- a/Chapitre_01_Correction/Cy_03_01_TD_Synthese_01_Hoeken/images/Figures.pptx
+++ b/Chapitre_01_Correction/Cy_03_01_TD_Synthese_01_Hoeken/images/Figures.pptx
@@ -6,14 +6,16 @@
   </p:sldMasterIdLst>
   <p:sldIdLst>
     <p:sldId id="256" r:id="rId2"/>
-    <p:sldId id="257" r:id="rId3"/>
-    <p:sldId id="261" r:id="rId4"/>
-    <p:sldId id="262" r:id="rId5"/>
-    <p:sldId id="259" r:id="rId6"/>
-    <p:sldId id="258" r:id="rId7"/>
-    <p:sldId id="265" r:id="rId8"/>
-    <p:sldId id="266" r:id="rId9"/>
-    <p:sldId id="263" r:id="rId10"/>
+    <p:sldId id="267" r:id="rId3"/>
+    <p:sldId id="268" r:id="rId4"/>
+    <p:sldId id="257" r:id="rId5"/>
+    <p:sldId id="261" r:id="rId6"/>
+    <p:sldId id="262" r:id="rId7"/>
+    <p:sldId id="259" r:id="rId8"/>
+    <p:sldId id="258" r:id="rId9"/>
+    <p:sldId id="265" r:id="rId10"/>
+    <p:sldId id="266" r:id="rId11"/>
+    <p:sldId id="263" r:id="rId12"/>
   </p:sldIdLst>
   <p:sldSz cx="9144000" cy="6858000" type="screen4x3"/>
   <p:notesSz cx="6858000" cy="9144000"/>
@@ -312,7 +314,7 @@
           <a:p>
             <a:fld id="{AA309A6D-C09C-4548-B29A-6CF363A7E532}" type="datetimeFigureOut">
               <a:rPr lang="fr-FR" smtClean="0"/>
-              <a:t>20/04/2020</a:t>
+              <a:t>09/06/2020</a:t>
             </a:fld>
             <a:endParaRPr lang="fr-BE"/>
           </a:p>
@@ -477,7 +479,7 @@
           <a:p>
             <a:fld id="{AA309A6D-C09C-4548-B29A-6CF363A7E532}" type="datetimeFigureOut">
               <a:rPr lang="fr-FR" smtClean="0"/>
-              <a:t>20/04/2020</a:t>
+              <a:t>09/06/2020</a:t>
             </a:fld>
             <a:endParaRPr lang="fr-BE"/>
           </a:p>
@@ -652,7 +654,7 @@
           <a:p>
             <a:fld id="{AA309A6D-C09C-4548-B29A-6CF363A7E532}" type="datetimeFigureOut">
               <a:rPr lang="fr-FR" smtClean="0"/>
-              <a:t>20/04/2020</a:t>
+              <a:t>09/06/2020</a:t>
             </a:fld>
             <a:endParaRPr lang="fr-BE"/>
           </a:p>
@@ -817,7 +819,7 @@
           <a:p>
             <a:fld id="{AA309A6D-C09C-4548-B29A-6CF363A7E532}" type="datetimeFigureOut">
               <a:rPr lang="fr-FR" smtClean="0"/>
-              <a:t>20/04/2020</a:t>
+              <a:t>09/06/2020</a:t>
             </a:fld>
             <a:endParaRPr lang="fr-BE"/>
           </a:p>
@@ -1058,7 +1060,7 @@
           <a:p>
             <a:fld id="{AA309A6D-C09C-4548-B29A-6CF363A7E532}" type="datetimeFigureOut">
               <a:rPr lang="fr-FR" smtClean="0"/>
-              <a:t>20/04/2020</a:t>
+              <a:t>09/06/2020</a:t>
             </a:fld>
             <a:endParaRPr lang="fr-BE"/>
           </a:p>
@@ -1341,7 +1343,7 @@
           <a:p>
             <a:fld id="{AA309A6D-C09C-4548-B29A-6CF363A7E532}" type="datetimeFigureOut">
               <a:rPr lang="fr-FR" smtClean="0"/>
-              <a:t>20/04/2020</a:t>
+              <a:t>09/06/2020</a:t>
             </a:fld>
             <a:endParaRPr lang="fr-BE"/>
           </a:p>
@@ -1758,7 +1760,7 @@
           <a:p>
             <a:fld id="{AA309A6D-C09C-4548-B29A-6CF363A7E532}" type="datetimeFigureOut">
               <a:rPr lang="fr-FR" smtClean="0"/>
-              <a:t>20/04/2020</a:t>
+              <a:t>09/06/2020</a:t>
             </a:fld>
             <a:endParaRPr lang="fr-BE"/>
           </a:p>
@@ -1871,7 +1873,7 @@
           <a:p>
             <a:fld id="{AA309A6D-C09C-4548-B29A-6CF363A7E532}" type="datetimeFigureOut">
               <a:rPr lang="fr-FR" smtClean="0"/>
-              <a:t>20/04/2020</a:t>
+              <a:t>09/06/2020</a:t>
             </a:fld>
             <a:endParaRPr lang="fr-BE"/>
           </a:p>
@@ -1961,7 +1963,7 @@
           <a:p>
             <a:fld id="{AA309A6D-C09C-4548-B29A-6CF363A7E532}" type="datetimeFigureOut">
               <a:rPr lang="fr-FR" smtClean="0"/>
-              <a:t>20/04/2020</a:t>
+              <a:t>09/06/2020</a:t>
             </a:fld>
             <a:endParaRPr lang="fr-BE"/>
           </a:p>
@@ -2233,7 +2235,7 @@
           <a:p>
             <a:fld id="{AA309A6D-C09C-4548-B29A-6CF363A7E532}" type="datetimeFigureOut">
               <a:rPr lang="fr-FR" smtClean="0"/>
-              <a:t>20/04/2020</a:t>
+              <a:t>09/06/2020</a:t>
             </a:fld>
             <a:endParaRPr lang="fr-BE"/>
           </a:p>
@@ -2481,7 +2483,7 @@
           <a:p>
             <a:fld id="{AA309A6D-C09C-4548-B29A-6CF363A7E532}" type="datetimeFigureOut">
               <a:rPr lang="fr-FR" smtClean="0"/>
-              <a:t>20/04/2020</a:t>
+              <a:t>09/06/2020</a:t>
             </a:fld>
             <a:endParaRPr lang="fr-BE"/>
           </a:p>
@@ -2689,7 +2691,7 @@
           <a:p>
             <a:fld id="{AA309A6D-C09C-4548-B29A-6CF363A7E532}" type="datetimeFigureOut">
               <a:rPr lang="fr-FR" smtClean="0"/>
-              <a:t>20/04/2020</a:t>
+              <a:t>09/06/2020</a:t>
             </a:fld>
             <a:endParaRPr lang="fr-BE"/>
           </a:p>
@@ -3753,8 +3755,8 @@
           </p:sp>
         </p:grpSp>
       </p:grpSp>
-      <mc:AlternateContent xmlns:mc="http://schemas.openxmlformats.org/markup-compatibility/2006">
-        <mc:Choice xmlns:a14="http://schemas.microsoft.com/office/drawing/2010/main" Requires="a14">
+      <mc:AlternateContent xmlns:mc="http://schemas.openxmlformats.org/markup-compatibility/2006" xmlns:a14="http://schemas.microsoft.com/office/drawing/2010/main">
+        <mc:Choice Requires="a14">
           <p:sp>
             <p:nvSpPr>
               <p:cNvPr id="58" name="ZoneTexte 57"/>
@@ -3829,7 +3831,7 @@
             </p:txBody>
           </p:sp>
         </mc:Choice>
-        <mc:Fallback>
+        <mc:Fallback xmlns="">
           <p:sp>
             <p:nvSpPr>
               <p:cNvPr id="58" name="ZoneTexte 57"/>
@@ -3868,8 +3870,8 @@
           </p:sp>
         </mc:Fallback>
       </mc:AlternateContent>
-      <mc:AlternateContent xmlns:mc="http://schemas.openxmlformats.org/markup-compatibility/2006">
-        <mc:Choice xmlns:a14="http://schemas.microsoft.com/office/drawing/2010/main" Requires="a14">
+      <mc:AlternateContent xmlns:mc="http://schemas.openxmlformats.org/markup-compatibility/2006" xmlns:a14="http://schemas.microsoft.com/office/drawing/2010/main">
+        <mc:Choice Requires="a14">
           <p:sp>
             <p:nvSpPr>
               <p:cNvPr id="60" name="ZoneTexte 59"/>
@@ -3944,7 +3946,7 @@
             </p:txBody>
           </p:sp>
         </mc:Choice>
-        <mc:Fallback>
+        <mc:Fallback xmlns="">
           <p:sp>
             <p:nvSpPr>
               <p:cNvPr id="60" name="ZoneTexte 59"/>
@@ -3983,8 +3985,8 @@
           </p:sp>
         </mc:Fallback>
       </mc:AlternateContent>
-      <mc:AlternateContent xmlns:mc="http://schemas.openxmlformats.org/markup-compatibility/2006">
-        <mc:Choice xmlns:a14="http://schemas.microsoft.com/office/drawing/2010/main" Requires="a14">
+      <mc:AlternateContent xmlns:mc="http://schemas.openxmlformats.org/markup-compatibility/2006" xmlns:a14="http://schemas.microsoft.com/office/drawing/2010/main">
+        <mc:Choice Requires="a14">
           <p:sp>
             <p:nvSpPr>
               <p:cNvPr id="61" name="ZoneTexte 60"/>
@@ -4102,7 +4104,7 @@
             </p:txBody>
           </p:sp>
         </mc:Choice>
-        <mc:Fallback>
+        <mc:Fallback xmlns="">
           <p:sp>
             <p:nvSpPr>
               <p:cNvPr id="61" name="ZoneTexte 60"/>
@@ -4141,8 +4143,8 @@
           </p:sp>
         </mc:Fallback>
       </mc:AlternateContent>
-      <mc:AlternateContent xmlns:mc="http://schemas.openxmlformats.org/markup-compatibility/2006">
-        <mc:Choice xmlns:a14="http://schemas.microsoft.com/office/drawing/2010/main" Requires="a14">
+      <mc:AlternateContent xmlns:mc="http://schemas.openxmlformats.org/markup-compatibility/2006" xmlns:a14="http://schemas.microsoft.com/office/drawing/2010/main">
+        <mc:Choice Requires="a14">
           <p:sp>
             <p:nvSpPr>
               <p:cNvPr id="62" name="ZoneTexte 61"/>
@@ -4217,7 +4219,7 @@
             </p:txBody>
           </p:sp>
         </mc:Choice>
-        <mc:Fallback>
+        <mc:Fallback xmlns="">
           <p:sp>
             <p:nvSpPr>
               <p:cNvPr id="62" name="ZoneTexte 61"/>
@@ -4256,8 +4258,8 @@
           </p:sp>
         </mc:Fallback>
       </mc:AlternateContent>
-      <mc:AlternateContent xmlns:mc="http://schemas.openxmlformats.org/markup-compatibility/2006">
-        <mc:Choice xmlns:a14="http://schemas.microsoft.com/office/drawing/2010/main" Requires="a14">
+      <mc:AlternateContent xmlns:mc="http://schemas.openxmlformats.org/markup-compatibility/2006" xmlns:a14="http://schemas.microsoft.com/office/drawing/2010/main">
+        <mc:Choice Requires="a14">
           <p:sp>
             <p:nvSpPr>
               <p:cNvPr id="63" name="ZoneTexte 62"/>
@@ -4332,7 +4334,7 @@
             </p:txBody>
           </p:sp>
         </mc:Choice>
-        <mc:Fallback>
+        <mc:Fallback xmlns="">
           <p:sp>
             <p:nvSpPr>
               <p:cNvPr id="63" name="ZoneTexte 62"/>
@@ -4371,8 +4373,8 @@
           </p:sp>
         </mc:Fallback>
       </mc:AlternateContent>
-      <mc:AlternateContent xmlns:mc="http://schemas.openxmlformats.org/markup-compatibility/2006">
-        <mc:Choice xmlns:a14="http://schemas.microsoft.com/office/drawing/2010/main" Requires="a14">
+      <mc:AlternateContent xmlns:mc="http://schemas.openxmlformats.org/markup-compatibility/2006" xmlns:a14="http://schemas.microsoft.com/office/drawing/2010/main">
+        <mc:Choice Requires="a14">
           <p:sp>
             <p:nvSpPr>
               <p:cNvPr id="64" name="ZoneTexte 63"/>
@@ -4447,7 +4449,7 @@
             </p:txBody>
           </p:sp>
         </mc:Choice>
-        <mc:Fallback>
+        <mc:Fallback xmlns="">
           <p:sp>
             <p:nvSpPr>
               <p:cNvPr id="64" name="ZoneTexte 63"/>
@@ -4486,8 +4488,8 @@
           </p:sp>
         </mc:Fallback>
       </mc:AlternateContent>
-      <mc:AlternateContent xmlns:mc="http://schemas.openxmlformats.org/markup-compatibility/2006">
-        <mc:Choice xmlns:a14="http://schemas.microsoft.com/office/drawing/2010/main" Requires="a14">
+      <mc:AlternateContent xmlns:mc="http://schemas.openxmlformats.org/markup-compatibility/2006" xmlns:a14="http://schemas.microsoft.com/office/drawing/2010/main">
+        <mc:Choice Requires="a14">
           <p:sp>
             <p:nvSpPr>
               <p:cNvPr id="65" name="ZoneTexte 64"/>
@@ -4562,7 +4564,7 @@
             </p:txBody>
           </p:sp>
         </mc:Choice>
-        <mc:Fallback>
+        <mc:Fallback xmlns="">
           <p:sp>
             <p:nvSpPr>
               <p:cNvPr id="65" name="ZoneTexte 64"/>
@@ -4601,8 +4603,8 @@
           </p:sp>
         </mc:Fallback>
       </mc:AlternateContent>
-      <mc:AlternateContent xmlns:mc="http://schemas.openxmlformats.org/markup-compatibility/2006">
-        <mc:Choice xmlns:a14="http://schemas.microsoft.com/office/drawing/2010/main" Requires="a14">
+      <mc:AlternateContent xmlns:mc="http://schemas.openxmlformats.org/markup-compatibility/2006" xmlns:a14="http://schemas.microsoft.com/office/drawing/2010/main">
+        <mc:Choice Requires="a14">
           <p:sp>
             <p:nvSpPr>
               <p:cNvPr id="66" name="ZoneTexte 65"/>
@@ -4677,7 +4679,7 @@
             </p:txBody>
           </p:sp>
         </mc:Choice>
-        <mc:Fallback>
+        <mc:Fallback xmlns="">
           <p:sp>
             <p:nvSpPr>
               <p:cNvPr id="66" name="ZoneTexte 65"/>
@@ -4831,8 +4833,8 @@
           </p:sp>
         </mc:Fallback>
       </mc:AlternateContent>
-      <mc:AlternateContent xmlns:mc="http://schemas.openxmlformats.org/markup-compatibility/2006">
-        <mc:Choice xmlns:a14="http://schemas.microsoft.com/office/drawing/2010/main" Requires="a14">
+      <mc:AlternateContent xmlns:mc="http://schemas.openxmlformats.org/markup-compatibility/2006" xmlns:a14="http://schemas.microsoft.com/office/drawing/2010/main">
+        <mc:Choice Requires="a14">
           <p:sp>
             <p:nvSpPr>
               <p:cNvPr id="70" name="ZoneTexte 69"/>
@@ -4907,7 +4909,7 @@
             </p:txBody>
           </p:sp>
         </mc:Choice>
-        <mc:Fallback>
+        <mc:Fallback xmlns="">
           <p:sp>
             <p:nvSpPr>
               <p:cNvPr id="70" name="ZoneTexte 69"/>
@@ -4946,8 +4948,8 @@
           </p:sp>
         </mc:Fallback>
       </mc:AlternateContent>
-      <mc:AlternateContent xmlns:mc="http://schemas.openxmlformats.org/markup-compatibility/2006">
-        <mc:Choice xmlns:a14="http://schemas.microsoft.com/office/drawing/2010/main" Requires="a14">
+      <mc:AlternateContent xmlns:mc="http://schemas.openxmlformats.org/markup-compatibility/2006" xmlns:a14="http://schemas.microsoft.com/office/drawing/2010/main">
+        <mc:Choice Requires="a14">
           <p:sp>
             <p:nvSpPr>
               <p:cNvPr id="71" name="ZoneTexte 70"/>
@@ -5010,7 +5012,7 @@
             </p:txBody>
           </p:sp>
         </mc:Choice>
-        <mc:Fallback>
+        <mc:Fallback xmlns="">
           <p:sp>
             <p:nvSpPr>
               <p:cNvPr id="71" name="ZoneTexte 70"/>
@@ -5049,8 +5051,8 @@
           </p:sp>
         </mc:Fallback>
       </mc:AlternateContent>
-      <mc:AlternateContent xmlns:mc="http://schemas.openxmlformats.org/markup-compatibility/2006">
-        <mc:Choice xmlns:a14="http://schemas.microsoft.com/office/drawing/2010/main" Requires="a14">
+      <mc:AlternateContent xmlns:mc="http://schemas.openxmlformats.org/markup-compatibility/2006" xmlns:a14="http://schemas.microsoft.com/office/drawing/2010/main">
+        <mc:Choice Requires="a14">
           <p:sp>
             <p:nvSpPr>
               <p:cNvPr id="72" name="ZoneTexte 71"/>
@@ -5113,7 +5115,7 @@
             </p:txBody>
           </p:sp>
         </mc:Choice>
-        <mc:Fallback>
+        <mc:Fallback xmlns="">
           <p:sp>
             <p:nvSpPr>
               <p:cNvPr id="72" name="ZoneTexte 71"/>
@@ -5607,8 +5609,8 @@
           </p:sp>
         </p:grpSp>
       </p:grpSp>
-      <mc:AlternateContent xmlns:mc="http://schemas.openxmlformats.org/markup-compatibility/2006">
-        <mc:Choice xmlns:a14="http://schemas.microsoft.com/office/drawing/2010/main" Requires="a14">
+      <mc:AlternateContent xmlns:mc="http://schemas.openxmlformats.org/markup-compatibility/2006" xmlns:a14="http://schemas.microsoft.com/office/drawing/2010/main">
+        <mc:Choice Requires="a14">
           <p:sp>
             <p:nvSpPr>
               <p:cNvPr id="109" name="ZoneTexte 108">
@@ -5689,7 +5691,7 @@
             </p:txBody>
           </p:sp>
         </mc:Choice>
-        <mc:Fallback>
+        <mc:Fallback xmlns="">
           <p:sp>
             <p:nvSpPr>
               <p:cNvPr id="109" name="ZoneTexte 108">
@@ -5734,8 +5736,8 @@
           </p:sp>
         </mc:Fallback>
       </mc:AlternateContent>
-      <mc:AlternateContent xmlns:mc="http://schemas.openxmlformats.org/markup-compatibility/2006">
-        <mc:Choice xmlns:a14="http://schemas.microsoft.com/office/drawing/2010/main" Requires="a14">
+      <mc:AlternateContent xmlns:mc="http://schemas.openxmlformats.org/markup-compatibility/2006" xmlns:a14="http://schemas.microsoft.com/office/drawing/2010/main">
+        <mc:Choice Requires="a14">
           <p:sp>
             <p:nvSpPr>
               <p:cNvPr id="110" name="ZoneTexte 109">
@@ -5816,7 +5818,7 @@
             </p:txBody>
           </p:sp>
         </mc:Choice>
-        <mc:Fallback>
+        <mc:Fallback xmlns="">
           <p:sp>
             <p:nvSpPr>
               <p:cNvPr id="110" name="ZoneTexte 109">
@@ -5861,8 +5863,8 @@
           </p:sp>
         </mc:Fallback>
       </mc:AlternateContent>
-      <mc:AlternateContent xmlns:mc="http://schemas.openxmlformats.org/markup-compatibility/2006">
-        <mc:Choice xmlns:a14="http://schemas.microsoft.com/office/drawing/2010/main" Requires="a14">
+      <mc:AlternateContent xmlns:mc="http://schemas.openxmlformats.org/markup-compatibility/2006" xmlns:a14="http://schemas.microsoft.com/office/drawing/2010/main">
+        <mc:Choice Requires="a14">
           <p:sp>
             <p:nvSpPr>
               <p:cNvPr id="112" name="ZoneTexte 111">
@@ -5943,7 +5945,7 @@
             </p:txBody>
           </p:sp>
         </mc:Choice>
-        <mc:Fallback>
+        <mc:Fallback xmlns="">
           <p:sp>
             <p:nvSpPr>
               <p:cNvPr id="112" name="ZoneTexte 111">
@@ -5988,8 +5990,8 @@
           </p:sp>
         </mc:Fallback>
       </mc:AlternateContent>
-      <mc:AlternateContent xmlns:mc="http://schemas.openxmlformats.org/markup-compatibility/2006">
-        <mc:Choice xmlns:a14="http://schemas.microsoft.com/office/drawing/2010/main" Requires="a14">
+      <mc:AlternateContent xmlns:mc="http://schemas.openxmlformats.org/markup-compatibility/2006" xmlns:a14="http://schemas.microsoft.com/office/drawing/2010/main">
+        <mc:Choice Requires="a14">
           <p:sp>
             <p:nvSpPr>
               <p:cNvPr id="113" name="ZoneTexte 112">
@@ -6070,7 +6072,7 @@
             </p:txBody>
           </p:sp>
         </mc:Choice>
-        <mc:Fallback>
+        <mc:Fallback xmlns="">
           <p:sp>
             <p:nvSpPr>
               <p:cNvPr id="113" name="ZoneTexte 112">
@@ -6115,8 +6117,8 @@
           </p:sp>
         </mc:Fallback>
       </mc:AlternateContent>
-      <mc:AlternateContent xmlns:mc="http://schemas.openxmlformats.org/markup-compatibility/2006">
-        <mc:Choice xmlns:a14="http://schemas.microsoft.com/office/drawing/2010/main" Requires="a14">
+      <mc:AlternateContent xmlns:mc="http://schemas.openxmlformats.org/markup-compatibility/2006" xmlns:a14="http://schemas.microsoft.com/office/drawing/2010/main">
+        <mc:Choice Requires="a14">
           <p:sp>
             <p:nvSpPr>
               <p:cNvPr id="114" name="ZoneTexte 113">
@@ -6197,7 +6199,7 @@
             </p:txBody>
           </p:sp>
         </mc:Choice>
-        <mc:Fallback>
+        <mc:Fallback xmlns="">
           <p:sp>
             <p:nvSpPr>
               <p:cNvPr id="114" name="ZoneTexte 113">
@@ -6242,8 +6244,8 @@
           </p:sp>
         </mc:Fallback>
       </mc:AlternateContent>
-      <mc:AlternateContent xmlns:mc="http://schemas.openxmlformats.org/markup-compatibility/2006">
-        <mc:Choice xmlns:a14="http://schemas.microsoft.com/office/drawing/2010/main" Requires="a14">
+      <mc:AlternateContent xmlns:mc="http://schemas.openxmlformats.org/markup-compatibility/2006" xmlns:a14="http://schemas.microsoft.com/office/drawing/2010/main">
+        <mc:Choice Requires="a14">
           <p:sp>
             <p:nvSpPr>
               <p:cNvPr id="119" name="ZoneTexte 118">
@@ -6312,7 +6314,7 @@
             </p:txBody>
           </p:sp>
         </mc:Choice>
-        <mc:Fallback>
+        <mc:Fallback xmlns="">
           <p:sp>
             <p:nvSpPr>
               <p:cNvPr id="119" name="ZoneTexte 118">
@@ -6370,7 +6372,3276 @@
 </p:sld>
 </file>
 
+<file path=ppt/slides/slide10.xml><?xml version="1.0" encoding="utf-8"?>
+<p:sld xmlns:a="http://schemas.openxmlformats.org/drawingml/2006/main" xmlns:r="http://schemas.openxmlformats.org/officeDocument/2006/relationships" xmlns:p="http://schemas.openxmlformats.org/presentationml/2006/main">
+  <p:cSld>
+    <p:spTree>
+      <p:nvGrpSpPr>
+        <p:cNvPr id="1" name=""/>
+        <p:cNvGrpSpPr/>
+        <p:nvPr/>
+      </p:nvGrpSpPr>
+      <p:grpSpPr>
+        <a:xfrm>
+          <a:off x="0" y="0"/>
+          <a:ext cx="0" cy="0"/>
+          <a:chOff x="0" y="0"/>
+          <a:chExt cx="0" cy="0"/>
+        </a:xfrm>
+      </p:grpSpPr>
+      <p:sp>
+        <p:nvSpPr>
+          <p:cNvPr id="4" name="Ellipse 3"/>
+          <p:cNvSpPr/>
+          <p:nvPr/>
+        </p:nvSpPr>
+        <p:spPr>
+          <a:xfrm>
+            <a:off x="1691680" y="2409245"/>
+            <a:ext cx="288032" cy="288032"/>
+          </a:xfrm>
+          <a:prstGeom prst="ellipse">
+            <a:avLst/>
+          </a:prstGeom>
+          <a:solidFill>
+            <a:schemeClr val="accent4">
+              <a:lumMod val="20000"/>
+              <a:lumOff val="80000"/>
+            </a:schemeClr>
+          </a:solidFill>
+          <a:ln w="19050">
+            <a:solidFill>
+              <a:schemeClr val="accent4"/>
+            </a:solidFill>
+          </a:ln>
+        </p:spPr>
+        <p:style>
+          <a:lnRef idx="2">
+            <a:schemeClr val="accent1">
+              <a:shade val="50000"/>
+            </a:schemeClr>
+          </a:lnRef>
+          <a:fillRef idx="1">
+            <a:schemeClr val="accent1"/>
+          </a:fillRef>
+          <a:effectRef idx="0">
+            <a:schemeClr val="accent1"/>
+          </a:effectRef>
+          <a:fontRef idx="minor">
+            <a:schemeClr val="lt1"/>
+          </a:fontRef>
+        </p:style>
+        <p:txBody>
+          <a:bodyPr lIns="0" tIns="0" rIns="0" bIns="0" rtlCol="0" anchor="ctr"/>
+          <a:lstStyle/>
+          <a:p>
+            <a:pPr algn="ctr"/>
+            <a:r>
+              <a:rPr lang="fr-FR" sz="1400" b="1" dirty="0">
+                <a:solidFill>
+                  <a:schemeClr val="accent4"/>
+                </a:solidFill>
+              </a:rPr>
+              <a:t>1</a:t>
+            </a:r>
+            <a:r>
+              <a:rPr lang="fr-FR" sz="1400" b="1" baseline="-25000" dirty="0">
+                <a:solidFill>
+                  <a:schemeClr val="accent4"/>
+                </a:solidFill>
+              </a:rPr>
+              <a:t>c</a:t>
+            </a:r>
+          </a:p>
+        </p:txBody>
+      </p:sp>
+      <p:sp>
+        <p:nvSpPr>
+          <p:cNvPr id="8" name="Ellipse 7"/>
+          <p:cNvSpPr/>
+          <p:nvPr/>
+        </p:nvSpPr>
+        <p:spPr>
+          <a:xfrm>
+            <a:off x="323528" y="1813199"/>
+            <a:ext cx="288032" cy="288032"/>
+          </a:xfrm>
+          <a:prstGeom prst="ellipse">
+            <a:avLst/>
+          </a:prstGeom>
+          <a:solidFill>
+            <a:schemeClr val="accent6">
+              <a:lumMod val="20000"/>
+              <a:lumOff val="80000"/>
+            </a:schemeClr>
+          </a:solidFill>
+          <a:ln w="19050">
+            <a:solidFill>
+              <a:schemeClr val="accent6">
+                <a:lumMod val="50000"/>
+              </a:schemeClr>
+            </a:solidFill>
+          </a:ln>
+        </p:spPr>
+        <p:style>
+          <a:lnRef idx="2">
+            <a:schemeClr val="accent1">
+              <a:shade val="50000"/>
+            </a:schemeClr>
+          </a:lnRef>
+          <a:fillRef idx="1">
+            <a:schemeClr val="accent1"/>
+          </a:fillRef>
+          <a:effectRef idx="0">
+            <a:schemeClr val="accent1"/>
+          </a:effectRef>
+          <a:fontRef idx="minor">
+            <a:schemeClr val="lt1"/>
+          </a:fontRef>
+        </p:style>
+        <p:txBody>
+          <a:bodyPr rtlCol="0" anchor="ctr"/>
+          <a:lstStyle/>
+          <a:p>
+            <a:pPr algn="ctr"/>
+            <a:r>
+              <a:rPr lang="fr-FR" sz="1400" b="1" dirty="0">
+                <a:solidFill>
+                  <a:schemeClr val="accent6">
+                    <a:lumMod val="50000"/>
+                  </a:schemeClr>
+                </a:solidFill>
+              </a:rPr>
+              <a:t>0</a:t>
+            </a:r>
+          </a:p>
+        </p:txBody>
+      </p:sp>
+      <p:cxnSp>
+        <p:nvCxnSpPr>
+          <p:cNvPr id="10" name="Connecteur droit 9"/>
+          <p:cNvCxnSpPr>
+            <a:stCxn id="8" idx="5"/>
+            <a:endCxn id="4" idx="2"/>
+          </p:cNvCxnSpPr>
+          <p:nvPr/>
+        </p:nvCxnSpPr>
+        <p:spPr>
+          <a:xfrm>
+            <a:off x="569379" y="2059050"/>
+            <a:ext cx="1122301" cy="494211"/>
+          </a:xfrm>
+          <a:prstGeom prst="line">
+            <a:avLst/>
+          </a:prstGeom>
+          <a:ln w="19050">
+            <a:solidFill>
+              <a:schemeClr val="tx1"/>
+            </a:solidFill>
+          </a:ln>
+        </p:spPr>
+        <p:style>
+          <a:lnRef idx="1">
+            <a:schemeClr val="accent1"/>
+          </a:lnRef>
+          <a:fillRef idx="0">
+            <a:schemeClr val="accent1"/>
+          </a:fillRef>
+          <a:effectRef idx="0">
+            <a:schemeClr val="accent1"/>
+          </a:effectRef>
+          <a:fontRef idx="minor">
+            <a:schemeClr val="tx1"/>
+          </a:fontRef>
+        </p:style>
+      </p:cxnSp>
+      <mc:AlternateContent xmlns:mc="http://schemas.openxmlformats.org/markup-compatibility/2006" xmlns:a14="http://schemas.microsoft.com/office/drawing/2010/main">
+        <mc:Choice Requires="a14">
+          <p:sp>
+            <p:nvSpPr>
+              <p:cNvPr id="31" name="ZoneTexte 30"/>
+              <p:cNvSpPr txBox="1"/>
+              <p:nvPr/>
+            </p:nvSpPr>
+            <p:spPr>
+              <a:xfrm rot="20294915">
+                <a:off x="701499" y="1429981"/>
+                <a:ext cx="777842" cy="246221"/>
+              </a:xfrm>
+              <a:prstGeom prst="rect">
+                <a:avLst/>
+              </a:prstGeom>
+              <a:noFill/>
+            </p:spPr>
+            <p:txBody>
+              <a:bodyPr wrap="none" rtlCol="0">
+                <a:spAutoFit/>
+              </a:bodyPr>
+              <a:lstStyle/>
+              <a:p>
+                <a:r>
+                  <a:rPr lang="fr-FR" sz="1000" b="0" dirty="0"/>
+                  <a:t>Pivot </a:t>
+                </a:r>
+                <a14:m>
+                  <m:oMath xmlns:m="http://schemas.openxmlformats.org/officeDocument/2006/math">
+                    <m:d>
+                      <m:dPr>
+                        <m:ctrlPr>
+                          <a:rPr lang="fr-FR" sz="1000" b="0" i="1" smtClean="0">
+                            <a:latin typeface="Cambria Math" panose="02040503050406030204" pitchFamily="18" charset="0"/>
+                          </a:rPr>
+                        </m:ctrlPr>
+                      </m:dPr>
+                      <m:e>
+                        <m:r>
+                          <a:rPr lang="fr-FR" sz="1000" b="0" i="1" smtClean="0">
+                            <a:latin typeface="Cambria Math"/>
+                          </a:rPr>
+                          <m:t>𝑃</m:t>
+                        </m:r>
+                        <m:r>
+                          <a:rPr lang="fr-FR" sz="1000" b="0" i="1" smtClean="0">
+                            <a:latin typeface="Cambria Math"/>
+                          </a:rPr>
+                          <m:t>,</m:t>
+                        </m:r>
+                        <m:acc>
+                          <m:accPr>
+                            <m:chr m:val="⃗"/>
+                            <m:ctrlPr>
+                              <a:rPr lang="fr-FR" sz="1000" b="0" i="1" smtClean="0">
+                                <a:latin typeface="Cambria Math" panose="02040503050406030204" pitchFamily="18" charset="0"/>
+                              </a:rPr>
+                            </m:ctrlPr>
+                          </m:accPr>
+                          <m:e>
+                            <m:r>
+                              <a:rPr lang="fr-FR" sz="1000" b="0" i="1" smtClean="0">
+                                <a:latin typeface="Cambria Math"/>
+                              </a:rPr>
+                              <m:t>𝑧</m:t>
+                            </m:r>
+                          </m:e>
+                        </m:acc>
+                      </m:e>
+                    </m:d>
+                  </m:oMath>
+                </a14:m>
+                <a:endParaRPr lang="fr-FR" sz="1000" dirty="0"/>
+              </a:p>
+            </p:txBody>
+          </p:sp>
+        </mc:Choice>
+        <mc:Fallback xmlns="">
+          <p:sp>
+            <p:nvSpPr>
+              <p:cNvPr id="31" name="ZoneTexte 30"/>
+              <p:cNvSpPr txBox="1">
+                <a:spLocks noRot="1" noChangeAspect="1" noMove="1" noResize="1" noEditPoints="1" noAdjustHandles="1" noChangeArrowheads="1" noChangeShapeType="1" noTextEdit="1"/>
+              </p:cNvSpPr>
+              <p:nvPr/>
+            </p:nvSpPr>
+            <p:spPr>
+              <a:xfrm rot="20294915">
+                <a:off x="701499" y="1429981"/>
+                <a:ext cx="777842" cy="246221"/>
+              </a:xfrm>
+              <a:prstGeom prst="rect">
+                <a:avLst/>
+              </a:prstGeom>
+              <a:blipFill rotWithShape="1">
+                <a:blip r:embed="rId2"/>
+                <a:stretch>
+                  <a:fillRect t="-5814" r="-5224" b="-3488"/>
+                </a:stretch>
+              </a:blipFill>
+            </p:spPr>
+            <p:txBody>
+              <a:bodyPr/>
+              <a:lstStyle/>
+              <a:p>
+                <a:r>
+                  <a:rPr lang="fr-FR">
+                    <a:noFill/>
+                  </a:rPr>
+                  <a:t> </a:t>
+                </a:r>
+              </a:p>
+            </p:txBody>
+          </p:sp>
+        </mc:Fallback>
+      </mc:AlternateContent>
+      <mc:AlternateContent xmlns:mc="http://schemas.openxmlformats.org/markup-compatibility/2006" xmlns:a14="http://schemas.microsoft.com/office/drawing/2010/main">
+        <mc:Choice Requires="a14">
+          <p:sp>
+            <p:nvSpPr>
+              <p:cNvPr id="37" name="Rectangle 36"/>
+              <p:cNvSpPr/>
+              <p:nvPr/>
+            </p:nvSpPr>
+            <p:spPr>
+              <a:xfrm rot="20302500">
+                <a:off x="884171" y="1583938"/>
+                <a:ext cx="548548" cy="246221"/>
+              </a:xfrm>
+              <a:prstGeom prst="rect">
+                <a:avLst/>
+              </a:prstGeom>
+            </p:spPr>
+            <p:txBody>
+              <a:bodyPr wrap="none">
+                <a:spAutoFit/>
+              </a:bodyPr>
+              <a:lstStyle/>
+              <a:p>
+                <a:pPr/>
+                <a14:m>
+                  <m:oMathPara xmlns:m="http://schemas.openxmlformats.org/officeDocument/2006/math">
+                    <m:oMathParaPr>
+                      <m:jc m:val="centerGroup"/>
+                    </m:oMathParaPr>
+                    <m:oMath xmlns:m="http://schemas.openxmlformats.org/officeDocument/2006/math">
+                      <m:sSub>
+                        <m:sSubPr>
+                          <m:ctrlPr>
+                            <a:rPr lang="fr-FR" sz="1000" i="1" smtClean="0">
+                              <a:latin typeface="Cambria Math" panose="02040503050406030204" pitchFamily="18" charset="0"/>
+                            </a:rPr>
+                          </m:ctrlPr>
+                        </m:sSubPr>
+                        <m:e>
+                          <m:r>
+                            <a:rPr lang="fr-FR" sz="1000" b="0" i="1" smtClean="0">
+                              <a:latin typeface="Cambria Math"/>
+                            </a:rPr>
+                            <m:t>𝐶</m:t>
+                          </m:r>
+                        </m:e>
+                        <m:sub>
+                          <m:r>
+                            <m:rPr>
+                              <m:sty m:val="p"/>
+                            </m:rPr>
+                            <a:rPr lang="fr-FR" sz="1000" b="0" i="0" smtClean="0">
+                              <a:latin typeface="Cambria Math"/>
+                            </a:rPr>
+                            <m:t>m</m:t>
+                          </m:r>
+                          <m:r>
+                            <a:rPr lang="fr-FR" sz="1000" b="0" i="0" smtClean="0">
+                              <a:latin typeface="Cambria Math"/>
+                            </a:rPr>
+                            <m:t>0</m:t>
+                          </m:r>
+                          <m:r>
+                            <a:rPr lang="fr-FR" sz="1000" b="0" i="1" smtClean="0">
+                              <a:latin typeface="Cambria Math"/>
+                            </a:rPr>
+                            <m:t>1</m:t>
+                          </m:r>
+                        </m:sub>
+                      </m:sSub>
+                      <m:acc>
+                        <m:accPr>
+                          <m:chr m:val="⃗"/>
+                          <m:ctrlPr>
+                            <a:rPr lang="fr-FR" sz="1000" i="1">
+                              <a:latin typeface="Cambria Math" panose="02040503050406030204" pitchFamily="18" charset="0"/>
+                            </a:rPr>
+                          </m:ctrlPr>
+                        </m:accPr>
+                        <m:e>
+                          <m:r>
+                            <a:rPr lang="fr-FR" sz="1000" i="1" smtClean="0">
+                              <a:latin typeface="Cambria Math"/>
+                            </a:rPr>
+                            <m:t>𝑧</m:t>
+                          </m:r>
+                        </m:e>
+                      </m:acc>
+                    </m:oMath>
+                  </m:oMathPara>
+                </a14:m>
+                <a:endParaRPr lang="fr-FR" sz="1000" dirty="0"/>
+              </a:p>
+            </p:txBody>
+          </p:sp>
+        </mc:Choice>
+        <mc:Fallback xmlns="">
+          <p:sp>
+            <p:nvSpPr>
+              <p:cNvPr id="37" name="Rectangle 36"/>
+              <p:cNvSpPr>
+                <a:spLocks noRot="1" noChangeAspect="1" noMove="1" noResize="1" noEditPoints="1" noAdjustHandles="1" noChangeArrowheads="1" noChangeShapeType="1" noTextEdit="1"/>
+              </p:cNvSpPr>
+              <p:nvPr/>
+            </p:nvSpPr>
+            <p:spPr>
+              <a:xfrm rot="20302500">
+                <a:off x="884171" y="1583938"/>
+                <a:ext cx="548548" cy="246221"/>
+              </a:xfrm>
+              <a:prstGeom prst="rect">
+                <a:avLst/>
+              </a:prstGeom>
+              <a:blipFill rotWithShape="1">
+                <a:blip r:embed="rId3"/>
+                <a:stretch>
+                  <a:fillRect t="-11111" r="-14000"/>
+                </a:stretch>
+              </a:blipFill>
+            </p:spPr>
+            <p:txBody>
+              <a:bodyPr/>
+              <a:lstStyle/>
+              <a:p>
+                <a:r>
+                  <a:rPr lang="fr-FR">
+                    <a:noFill/>
+                  </a:rPr>
+                  <a:t> </a:t>
+                </a:r>
+              </a:p>
+            </p:txBody>
+          </p:sp>
+        </mc:Fallback>
+      </mc:AlternateContent>
+      <mc:AlternateContent xmlns:mc="http://schemas.openxmlformats.org/markup-compatibility/2006" xmlns:a14="http://schemas.microsoft.com/office/drawing/2010/main">
+        <mc:Choice Requires="a14">
+          <p:sp>
+            <p:nvSpPr>
+              <p:cNvPr id="41" name="ZoneTexte 40"/>
+              <p:cNvSpPr txBox="1"/>
+              <p:nvPr/>
+            </p:nvSpPr>
+            <p:spPr>
+              <a:xfrm rot="1457902">
+                <a:off x="692947" y="2254771"/>
+                <a:ext cx="777842" cy="246221"/>
+              </a:xfrm>
+              <a:prstGeom prst="rect">
+                <a:avLst/>
+              </a:prstGeom>
+              <a:noFill/>
+            </p:spPr>
+            <p:txBody>
+              <a:bodyPr wrap="none" rtlCol="0">
+                <a:spAutoFit/>
+              </a:bodyPr>
+              <a:lstStyle/>
+              <a:p>
+                <a:r>
+                  <a:rPr lang="fr-FR" sz="1000" b="0" dirty="0"/>
+                  <a:t>Pivot </a:t>
+                </a:r>
+                <a14:m>
+                  <m:oMath xmlns:m="http://schemas.openxmlformats.org/officeDocument/2006/math">
+                    <m:d>
+                      <m:dPr>
+                        <m:ctrlPr>
+                          <a:rPr lang="fr-FR" sz="1000" b="0" i="1" smtClean="0">
+                            <a:latin typeface="Cambria Math" panose="02040503050406030204" pitchFamily="18" charset="0"/>
+                          </a:rPr>
+                        </m:ctrlPr>
+                      </m:dPr>
+                      <m:e>
+                        <m:r>
+                          <a:rPr lang="fr-FR" sz="1000" b="0" i="1" smtClean="0">
+                            <a:latin typeface="Cambria Math"/>
+                          </a:rPr>
+                          <m:t>𝑃</m:t>
+                        </m:r>
+                        <m:r>
+                          <a:rPr lang="fr-FR" sz="1000" b="0" i="1" smtClean="0">
+                            <a:latin typeface="Cambria Math"/>
+                          </a:rPr>
+                          <m:t>,</m:t>
+                        </m:r>
+                        <m:acc>
+                          <m:accPr>
+                            <m:chr m:val="⃗"/>
+                            <m:ctrlPr>
+                              <a:rPr lang="fr-FR" sz="1000" b="0" i="1" smtClean="0">
+                                <a:latin typeface="Cambria Math" panose="02040503050406030204" pitchFamily="18" charset="0"/>
+                              </a:rPr>
+                            </m:ctrlPr>
+                          </m:accPr>
+                          <m:e>
+                            <m:r>
+                              <a:rPr lang="fr-FR" sz="1000" b="0" i="1" smtClean="0">
+                                <a:latin typeface="Cambria Math"/>
+                              </a:rPr>
+                              <m:t>𝑧</m:t>
+                            </m:r>
+                          </m:e>
+                        </m:acc>
+                      </m:e>
+                    </m:d>
+                  </m:oMath>
+                </a14:m>
+                <a:endParaRPr lang="fr-FR" sz="1000" dirty="0"/>
+              </a:p>
+            </p:txBody>
+          </p:sp>
+        </mc:Choice>
+        <mc:Fallback xmlns="">
+          <p:sp>
+            <p:nvSpPr>
+              <p:cNvPr id="41" name="ZoneTexte 40"/>
+              <p:cNvSpPr txBox="1">
+                <a:spLocks noRot="1" noChangeAspect="1" noMove="1" noResize="1" noEditPoints="1" noAdjustHandles="1" noChangeArrowheads="1" noChangeShapeType="1" noTextEdit="1"/>
+              </p:cNvSpPr>
+              <p:nvPr/>
+            </p:nvSpPr>
+            <p:spPr>
+              <a:xfrm rot="1457902">
+                <a:off x="692947" y="2254771"/>
+                <a:ext cx="777842" cy="246221"/>
+              </a:xfrm>
+              <a:prstGeom prst="rect">
+                <a:avLst/>
+              </a:prstGeom>
+              <a:blipFill rotWithShape="1">
+                <a:blip r:embed="rId4"/>
+                <a:stretch>
+                  <a:fillRect r="-8271"/>
+                </a:stretch>
+              </a:blipFill>
+            </p:spPr>
+            <p:txBody>
+              <a:bodyPr/>
+              <a:lstStyle/>
+              <a:p>
+                <a:r>
+                  <a:rPr lang="fr-FR">
+                    <a:noFill/>
+                  </a:rPr>
+                  <a:t> </a:t>
+                </a:r>
+              </a:p>
+            </p:txBody>
+          </p:sp>
+        </mc:Fallback>
+      </mc:AlternateContent>
+      <p:sp>
+        <p:nvSpPr>
+          <p:cNvPr id="43" name="Rectangle 42"/>
+          <p:cNvSpPr/>
+          <p:nvPr/>
+        </p:nvSpPr>
+        <p:spPr>
+          <a:xfrm>
+            <a:off x="0" y="1813200"/>
+            <a:ext cx="152400" cy="286396"/>
+          </a:xfrm>
+          <a:prstGeom prst="rect">
+            <a:avLst/>
+          </a:prstGeom>
+          <a:solidFill>
+            <a:schemeClr val="accent6">
+              <a:lumMod val="20000"/>
+              <a:lumOff val="80000"/>
+            </a:schemeClr>
+          </a:solidFill>
+          <a:ln w="19050">
+            <a:noFill/>
+          </a:ln>
+        </p:spPr>
+        <p:style>
+          <a:lnRef idx="2">
+            <a:schemeClr val="accent1">
+              <a:shade val="50000"/>
+            </a:schemeClr>
+          </a:lnRef>
+          <a:fillRef idx="1">
+            <a:schemeClr val="accent1"/>
+          </a:fillRef>
+          <a:effectRef idx="0">
+            <a:schemeClr val="accent1"/>
+          </a:effectRef>
+          <a:fontRef idx="minor">
+            <a:schemeClr val="lt1"/>
+          </a:fontRef>
+        </p:style>
+        <p:txBody>
+          <a:bodyPr rtlCol="0" anchor="ctr"/>
+          <a:lstStyle/>
+          <a:p>
+            <a:pPr algn="ctr"/>
+            <a:endParaRPr lang="fr-FR" sz="1400" b="1">
+              <a:solidFill>
+                <a:schemeClr val="accent6">
+                  <a:lumMod val="50000"/>
+                </a:schemeClr>
+              </a:solidFill>
+            </a:endParaRPr>
+          </a:p>
+        </p:txBody>
+      </p:sp>
+      <p:cxnSp>
+        <p:nvCxnSpPr>
+          <p:cNvPr id="44" name="Connecteur droit 43"/>
+          <p:cNvCxnSpPr/>
+          <p:nvPr/>
+        </p:nvCxnSpPr>
+        <p:spPr>
+          <a:xfrm>
+            <a:off x="152400" y="1957215"/>
+            <a:ext cx="171128" cy="0"/>
+          </a:xfrm>
+          <a:prstGeom prst="line">
+            <a:avLst/>
+          </a:prstGeom>
+          <a:solidFill>
+            <a:schemeClr val="accent6">
+              <a:lumMod val="20000"/>
+              <a:lumOff val="80000"/>
+            </a:schemeClr>
+          </a:solidFill>
+          <a:ln w="19050">
+            <a:solidFill>
+              <a:schemeClr val="accent6">
+                <a:lumMod val="50000"/>
+              </a:schemeClr>
+            </a:solidFill>
+          </a:ln>
+        </p:spPr>
+        <p:style>
+          <a:lnRef idx="2">
+            <a:schemeClr val="accent1">
+              <a:shade val="50000"/>
+            </a:schemeClr>
+          </a:lnRef>
+          <a:fillRef idx="1">
+            <a:schemeClr val="accent1"/>
+          </a:fillRef>
+          <a:effectRef idx="0">
+            <a:schemeClr val="accent1"/>
+          </a:effectRef>
+          <a:fontRef idx="minor">
+            <a:schemeClr val="lt1"/>
+          </a:fontRef>
+        </p:style>
+      </p:cxnSp>
+      <p:cxnSp>
+        <p:nvCxnSpPr>
+          <p:cNvPr id="45" name="Connecteur droit 44"/>
+          <p:cNvCxnSpPr/>
+          <p:nvPr/>
+        </p:nvCxnSpPr>
+        <p:spPr>
+          <a:xfrm flipV="1">
+            <a:off x="152400" y="1813200"/>
+            <a:ext cx="0" cy="288031"/>
+          </a:xfrm>
+          <a:prstGeom prst="line">
+            <a:avLst/>
+          </a:prstGeom>
+          <a:solidFill>
+            <a:schemeClr val="accent6">
+              <a:lumMod val="20000"/>
+              <a:lumOff val="80000"/>
+            </a:schemeClr>
+          </a:solidFill>
+          <a:ln w="19050">
+            <a:solidFill>
+              <a:schemeClr val="accent6">
+                <a:lumMod val="50000"/>
+              </a:schemeClr>
+            </a:solidFill>
+          </a:ln>
+        </p:spPr>
+        <p:style>
+          <a:lnRef idx="2">
+            <a:schemeClr val="accent1">
+              <a:shade val="50000"/>
+            </a:schemeClr>
+          </a:lnRef>
+          <a:fillRef idx="1">
+            <a:schemeClr val="accent1"/>
+          </a:fillRef>
+          <a:effectRef idx="0">
+            <a:schemeClr val="accent1"/>
+          </a:effectRef>
+          <a:fontRef idx="minor">
+            <a:schemeClr val="lt1"/>
+          </a:fontRef>
+        </p:style>
+      </p:cxnSp>
+      <p:sp>
+        <p:nvSpPr>
+          <p:cNvPr id="13" name="Ellipse 12"/>
+          <p:cNvSpPr/>
+          <p:nvPr/>
+        </p:nvSpPr>
+        <p:spPr>
+          <a:xfrm>
+            <a:off x="1691680" y="1268760"/>
+            <a:ext cx="288032" cy="288032"/>
+          </a:xfrm>
+          <a:prstGeom prst="ellipse">
+            <a:avLst/>
+          </a:prstGeom>
+          <a:solidFill>
+            <a:schemeClr val="accent4">
+              <a:lumMod val="20000"/>
+              <a:lumOff val="80000"/>
+            </a:schemeClr>
+          </a:solidFill>
+          <a:ln w="19050">
+            <a:solidFill>
+              <a:schemeClr val="accent4"/>
+            </a:solidFill>
+          </a:ln>
+        </p:spPr>
+        <p:style>
+          <a:lnRef idx="2">
+            <a:schemeClr val="accent1">
+              <a:shade val="50000"/>
+            </a:schemeClr>
+          </a:lnRef>
+          <a:fillRef idx="1">
+            <a:schemeClr val="accent1"/>
+          </a:fillRef>
+          <a:effectRef idx="0">
+            <a:schemeClr val="accent1"/>
+          </a:effectRef>
+          <a:fontRef idx="minor">
+            <a:schemeClr val="lt1"/>
+          </a:fontRef>
+        </p:style>
+        <p:txBody>
+          <a:bodyPr lIns="0" tIns="0" rIns="0" bIns="0" rtlCol="0" anchor="ctr"/>
+          <a:lstStyle/>
+          <a:p>
+            <a:pPr algn="ctr"/>
+            <a:r>
+              <a:rPr lang="fr-FR" sz="1400" b="1" dirty="0">
+                <a:solidFill>
+                  <a:schemeClr val="accent4"/>
+                </a:solidFill>
+              </a:rPr>
+              <a:t>1</a:t>
+            </a:r>
+            <a:r>
+              <a:rPr lang="fr-FR" sz="1400" b="1" baseline="-25000" dirty="0">
+                <a:solidFill>
+                  <a:schemeClr val="accent4"/>
+                </a:solidFill>
+              </a:rPr>
+              <a:t>a</a:t>
+            </a:r>
+          </a:p>
+        </p:txBody>
+      </p:sp>
+      <p:cxnSp>
+        <p:nvCxnSpPr>
+          <p:cNvPr id="15" name="Connecteur droit 14"/>
+          <p:cNvCxnSpPr>
+            <a:stCxn id="8" idx="7"/>
+            <a:endCxn id="13" idx="2"/>
+          </p:cNvCxnSpPr>
+          <p:nvPr/>
+        </p:nvCxnSpPr>
+        <p:spPr>
+          <a:xfrm flipV="1">
+            <a:off x="569379" y="1412776"/>
+            <a:ext cx="1122301" cy="442604"/>
+          </a:xfrm>
+          <a:prstGeom prst="line">
+            <a:avLst/>
+          </a:prstGeom>
+          <a:ln w="19050">
+            <a:solidFill>
+              <a:schemeClr val="tx1"/>
+            </a:solidFill>
+          </a:ln>
+        </p:spPr>
+        <p:style>
+          <a:lnRef idx="1">
+            <a:schemeClr val="accent1"/>
+          </a:lnRef>
+          <a:fillRef idx="0">
+            <a:schemeClr val="accent1"/>
+          </a:fillRef>
+          <a:effectRef idx="0">
+            <a:schemeClr val="accent1"/>
+          </a:effectRef>
+          <a:fontRef idx="minor">
+            <a:schemeClr val="tx1"/>
+          </a:fontRef>
+        </p:style>
+      </p:cxnSp>
+      <p:cxnSp>
+        <p:nvCxnSpPr>
+          <p:cNvPr id="19" name="Connecteur droit 18"/>
+          <p:cNvCxnSpPr>
+            <a:stCxn id="13" idx="4"/>
+            <a:endCxn id="4" idx="0"/>
+          </p:cNvCxnSpPr>
+          <p:nvPr/>
+        </p:nvCxnSpPr>
+        <p:spPr>
+          <a:xfrm>
+            <a:off x="1835696" y="1556792"/>
+            <a:ext cx="0" cy="852453"/>
+          </a:xfrm>
+          <a:prstGeom prst="line">
+            <a:avLst/>
+          </a:prstGeom>
+          <a:ln w="19050">
+            <a:solidFill>
+              <a:schemeClr val="tx1"/>
+            </a:solidFill>
+          </a:ln>
+        </p:spPr>
+        <p:style>
+          <a:lnRef idx="1">
+            <a:schemeClr val="accent1"/>
+          </a:lnRef>
+          <a:fillRef idx="0">
+            <a:schemeClr val="accent1"/>
+          </a:fillRef>
+          <a:effectRef idx="0">
+            <a:schemeClr val="accent1"/>
+          </a:effectRef>
+          <a:fontRef idx="minor">
+            <a:schemeClr val="tx1"/>
+          </a:fontRef>
+        </p:style>
+      </p:cxnSp>
+      <p:sp>
+        <p:nvSpPr>
+          <p:cNvPr id="22" name="Ellipse 21"/>
+          <p:cNvSpPr/>
+          <p:nvPr/>
+        </p:nvSpPr>
+        <p:spPr>
+          <a:xfrm>
+            <a:off x="1691680" y="1811564"/>
+            <a:ext cx="288032" cy="288032"/>
+          </a:xfrm>
+          <a:prstGeom prst="ellipse">
+            <a:avLst/>
+          </a:prstGeom>
+          <a:solidFill>
+            <a:schemeClr val="accent4">
+              <a:lumMod val="20000"/>
+              <a:lumOff val="80000"/>
+            </a:schemeClr>
+          </a:solidFill>
+          <a:ln w="19050">
+            <a:solidFill>
+              <a:schemeClr val="accent4"/>
+            </a:solidFill>
+          </a:ln>
+        </p:spPr>
+        <p:style>
+          <a:lnRef idx="2">
+            <a:schemeClr val="accent1">
+              <a:shade val="50000"/>
+            </a:schemeClr>
+          </a:lnRef>
+          <a:fillRef idx="1">
+            <a:schemeClr val="accent1"/>
+          </a:fillRef>
+          <a:effectRef idx="0">
+            <a:schemeClr val="accent1"/>
+          </a:effectRef>
+          <a:fontRef idx="minor">
+            <a:schemeClr val="lt1"/>
+          </a:fontRef>
+        </p:style>
+        <p:txBody>
+          <a:bodyPr lIns="0" tIns="0" rIns="0" bIns="0" rtlCol="0" anchor="ctr"/>
+          <a:lstStyle/>
+          <a:p>
+            <a:pPr algn="ctr"/>
+            <a:r>
+              <a:rPr lang="fr-FR" sz="1400" b="1" dirty="0">
+                <a:solidFill>
+                  <a:schemeClr val="accent4"/>
+                </a:solidFill>
+              </a:rPr>
+              <a:t>1</a:t>
+            </a:r>
+            <a:r>
+              <a:rPr lang="fr-FR" sz="1400" b="1" baseline="-25000" dirty="0">
+                <a:solidFill>
+                  <a:schemeClr val="accent4"/>
+                </a:solidFill>
+              </a:rPr>
+              <a:t>b</a:t>
+            </a:r>
+          </a:p>
+        </p:txBody>
+      </p:sp>
+      <mc:AlternateContent xmlns:mc="http://schemas.openxmlformats.org/markup-compatibility/2006" xmlns:a14="http://schemas.microsoft.com/office/drawing/2010/main">
+        <mc:Choice Requires="a14">
+          <p:sp>
+            <p:nvSpPr>
+              <p:cNvPr id="16" name="ZoneTexte 15"/>
+              <p:cNvSpPr txBox="1"/>
+              <p:nvPr/>
+            </p:nvSpPr>
+            <p:spPr>
+              <a:xfrm>
+                <a:off x="1979712" y="1407804"/>
+                <a:ext cx="1122550" cy="586956"/>
+              </a:xfrm>
+              <a:prstGeom prst="rect">
+                <a:avLst/>
+              </a:prstGeom>
+              <a:noFill/>
+            </p:spPr>
+            <p:txBody>
+              <a:bodyPr wrap="none" rtlCol="0">
+                <a:spAutoFit/>
+              </a:bodyPr>
+              <a:lstStyle/>
+              <a:p>
+                <a:pPr/>
+                <a14:m>
+                  <m:oMathPara xmlns:m="http://schemas.openxmlformats.org/officeDocument/2006/math">
+                    <m:oMathParaPr>
+                      <m:jc m:val="centerGroup"/>
+                    </m:oMathParaPr>
+                    <m:oMath xmlns:m="http://schemas.openxmlformats.org/officeDocument/2006/math">
+                      <m:sSub>
+                        <m:sSubPr>
+                          <m:ctrlPr>
+                            <a:rPr lang="fr-FR" sz="1050" b="0" i="1" smtClean="0">
+                              <a:latin typeface="Cambria Math" panose="02040503050406030204" pitchFamily="18" charset="0"/>
+                            </a:rPr>
+                          </m:ctrlPr>
+                        </m:sSubPr>
+                        <m:e>
+                          <m:d>
+                            <m:dPr>
+                              <m:begChr m:val="{"/>
+                              <m:endChr m:val="}"/>
+                              <m:ctrlPr>
+                                <a:rPr lang="fr-FR" sz="1050" i="1" smtClean="0">
+                                  <a:latin typeface="Cambria Math" panose="02040503050406030204" pitchFamily="18" charset="0"/>
+                                </a:rPr>
+                              </m:ctrlPr>
+                            </m:dPr>
+                            <m:e>
+                              <m:m>
+                                <m:mPr>
+                                  <m:mcs>
+                                    <m:mc>
+                                      <m:mcPr>
+                                        <m:count m:val="2"/>
+                                        <m:mcJc m:val="center"/>
+                                      </m:mcPr>
+                                    </m:mc>
+                                  </m:mcs>
+                                  <m:ctrlPr>
+                                    <a:rPr lang="fr-FR" sz="1050" i="1">
+                                      <a:latin typeface="Cambria Math" panose="02040503050406030204" pitchFamily="18" charset="0"/>
+                                    </a:rPr>
+                                  </m:ctrlPr>
+                                </m:mPr>
+                                <m:mr>
+                                  <m:e>
+                                    <m:r>
+                                      <m:rPr>
+                                        <m:brk m:alnAt="7"/>
+                                      </m:rPr>
+                                      <a:rPr lang="fr-FR" sz="1050" b="0" i="1" smtClean="0">
+                                        <a:latin typeface="Cambria Math"/>
+                                      </a:rPr>
+                                      <m:t>0</m:t>
+                                    </m:r>
+                                  </m:e>
+                                  <m:e>
+                                    <m:r>
+                                      <a:rPr lang="fr-FR" sz="1050" b="0" i="1" smtClean="0">
+                                        <a:latin typeface="Cambria Math"/>
+                                      </a:rPr>
+                                      <m:t>0</m:t>
+                                    </m:r>
+                                  </m:e>
+                                </m:mr>
+                                <m:mr>
+                                  <m:e>
+                                    <m:r>
+                                      <a:rPr lang="fr-FR" sz="1050" b="0" i="1" smtClean="0">
+                                        <a:latin typeface="Cambria Math"/>
+                                      </a:rPr>
+                                      <m:t>0</m:t>
+                                    </m:r>
+                                  </m:e>
+                                  <m:e>
+                                    <m:r>
+                                      <a:rPr lang="fr-FR" sz="1050" b="0" i="1" smtClean="0">
+                                        <a:latin typeface="Cambria Math"/>
+                                      </a:rPr>
+                                      <m:t>0</m:t>
+                                    </m:r>
+                                  </m:e>
+                                </m:mr>
+                                <m:mr>
+                                  <m:e>
+                                    <m:r>
+                                      <a:rPr lang="fr-FR" sz="1050" b="0" i="1" smtClean="0">
+                                        <a:latin typeface="Cambria Math"/>
+                                      </a:rPr>
+                                      <m:t>0</m:t>
+                                    </m:r>
+                                  </m:e>
+                                  <m:e>
+                                    <m:sSub>
+                                      <m:sSubPr>
+                                        <m:ctrlPr>
+                                          <a:rPr lang="fr-FR" sz="1050" i="1">
+                                            <a:latin typeface="Cambria Math" panose="02040503050406030204" pitchFamily="18" charset="0"/>
+                                          </a:rPr>
+                                        </m:ctrlPr>
+                                      </m:sSubPr>
+                                      <m:e>
+                                        <m:r>
+                                          <a:rPr lang="fr-FR" sz="1050" b="0" i="1" smtClean="0">
+                                            <a:latin typeface="Cambria Math"/>
+                                          </a:rPr>
+                                          <m:t>𝑁</m:t>
+                                        </m:r>
+                                      </m:e>
+                                      <m:sub>
+                                        <m:r>
+                                          <a:rPr lang="fr-FR" sz="1050" i="1">
+                                            <a:latin typeface="Cambria Math"/>
+                                          </a:rPr>
+                                          <m:t>𝑎𝑏</m:t>
+                                        </m:r>
+                                      </m:sub>
+                                    </m:sSub>
+                                  </m:e>
+                                </m:mr>
+                              </m:m>
+                            </m:e>
+                          </m:d>
+                        </m:e>
+                        <m:sub>
+                          <m:r>
+                            <a:rPr lang="fr-FR" sz="1050" b="0" i="1" smtClean="0">
+                              <a:latin typeface="Cambria Math"/>
+                            </a:rPr>
+                            <m:t>𝑃</m:t>
+                          </m:r>
+                          <m:d>
+                            <m:dPr>
+                              <m:ctrlPr>
+                                <a:rPr lang="fr-FR" sz="1050" i="1">
+                                  <a:latin typeface="Cambria Math" panose="02040503050406030204" pitchFamily="18" charset="0"/>
+                                </a:rPr>
+                              </m:ctrlPr>
+                            </m:dPr>
+                            <m:e>
+                              <m:acc>
+                                <m:accPr>
+                                  <m:chr m:val="⃗"/>
+                                  <m:ctrlPr>
+                                    <a:rPr lang="fr-FR" sz="1050" i="1">
+                                      <a:latin typeface="Cambria Math" panose="02040503050406030204" pitchFamily="18" charset="0"/>
+                                    </a:rPr>
+                                  </m:ctrlPr>
+                                </m:accPr>
+                                <m:e>
+                                  <m:r>
+                                    <a:rPr lang="fr-FR" sz="1050" i="1">
+                                      <a:latin typeface="Cambria Math"/>
+                                    </a:rPr>
+                                    <m:t>𝑥</m:t>
+                                  </m:r>
+                                </m:e>
+                              </m:acc>
+                              <m:r>
+                                <a:rPr lang="fr-FR" sz="1050" i="1">
+                                  <a:latin typeface="Cambria Math"/>
+                                </a:rPr>
+                                <m:t>,</m:t>
+                              </m:r>
+                              <m:acc>
+                                <m:accPr>
+                                  <m:chr m:val="⃗"/>
+                                  <m:ctrlPr>
+                                    <a:rPr lang="fr-FR" sz="1050" i="1">
+                                      <a:latin typeface="Cambria Math" panose="02040503050406030204" pitchFamily="18" charset="0"/>
+                                    </a:rPr>
+                                  </m:ctrlPr>
+                                </m:accPr>
+                                <m:e>
+                                  <m:r>
+                                    <a:rPr lang="fr-FR" sz="1050" i="1">
+                                      <a:latin typeface="Cambria Math"/>
+                                    </a:rPr>
+                                    <m:t>𝑦</m:t>
+                                  </m:r>
+                                </m:e>
+                              </m:acc>
+                              <m:r>
+                                <a:rPr lang="fr-FR" sz="1050" i="1">
+                                  <a:latin typeface="Cambria Math"/>
+                                </a:rPr>
+                                <m:t>,</m:t>
+                              </m:r>
+                              <m:acc>
+                                <m:accPr>
+                                  <m:chr m:val="⃗"/>
+                                  <m:ctrlPr>
+                                    <a:rPr lang="fr-FR" sz="1050" i="1">
+                                      <a:latin typeface="Cambria Math" panose="02040503050406030204" pitchFamily="18" charset="0"/>
+                                    </a:rPr>
+                                  </m:ctrlPr>
+                                </m:accPr>
+                                <m:e>
+                                  <m:r>
+                                    <a:rPr lang="fr-FR" sz="1050" i="1">
+                                      <a:latin typeface="Cambria Math"/>
+                                    </a:rPr>
+                                    <m:t>𝑧</m:t>
+                                  </m:r>
+                                </m:e>
+                              </m:acc>
+                            </m:e>
+                          </m:d>
+                        </m:sub>
+                      </m:sSub>
+                    </m:oMath>
+                  </m:oMathPara>
+                </a14:m>
+                <a:endParaRPr lang="fr-FR" sz="1050" dirty="0"/>
+              </a:p>
+            </p:txBody>
+          </p:sp>
+        </mc:Choice>
+        <mc:Fallback xmlns="">
+          <p:sp>
+            <p:nvSpPr>
+              <p:cNvPr id="16" name="ZoneTexte 15"/>
+              <p:cNvSpPr txBox="1">
+                <a:spLocks noRot="1" noChangeAspect="1" noMove="1" noResize="1" noEditPoints="1" noAdjustHandles="1" noChangeArrowheads="1" noChangeShapeType="1" noTextEdit="1"/>
+              </p:cNvSpPr>
+              <p:nvPr/>
+            </p:nvSpPr>
+            <p:spPr>
+              <a:xfrm>
+                <a:off x="1979712" y="1407804"/>
+                <a:ext cx="1122550" cy="586956"/>
+              </a:xfrm>
+              <a:prstGeom prst="rect">
+                <a:avLst/>
+              </a:prstGeom>
+              <a:blipFill rotWithShape="1">
+                <a:blip r:embed="rId5"/>
+                <a:stretch>
+                  <a:fillRect r="-543"/>
+                </a:stretch>
+              </a:blipFill>
+            </p:spPr>
+            <p:txBody>
+              <a:bodyPr/>
+              <a:lstStyle/>
+              <a:p>
+                <a:r>
+                  <a:rPr lang="fr-FR">
+                    <a:noFill/>
+                  </a:rPr>
+                  <a:t> </a:t>
+                </a:r>
+              </a:p>
+            </p:txBody>
+          </p:sp>
+        </mc:Fallback>
+      </mc:AlternateContent>
+      <mc:AlternateContent xmlns:mc="http://schemas.openxmlformats.org/markup-compatibility/2006" xmlns:a14="http://schemas.microsoft.com/office/drawing/2010/main">
+        <mc:Choice Requires="a14">
+          <p:sp>
+            <p:nvSpPr>
+              <p:cNvPr id="27" name="ZoneTexte 26"/>
+              <p:cNvSpPr txBox="1"/>
+              <p:nvPr/>
+            </p:nvSpPr>
+            <p:spPr>
+              <a:xfrm>
+                <a:off x="1979712" y="2013735"/>
+                <a:ext cx="1134734" cy="585545"/>
+              </a:xfrm>
+              <a:prstGeom prst="rect">
+                <a:avLst/>
+              </a:prstGeom>
+              <a:noFill/>
+            </p:spPr>
+            <p:txBody>
+              <a:bodyPr wrap="none" rtlCol="0">
+                <a:spAutoFit/>
+              </a:bodyPr>
+              <a:lstStyle/>
+              <a:p>
+                <a:pPr/>
+                <a14:m>
+                  <m:oMathPara xmlns:m="http://schemas.openxmlformats.org/officeDocument/2006/math">
+                    <m:oMathParaPr>
+                      <m:jc m:val="centerGroup"/>
+                    </m:oMathParaPr>
+                    <m:oMath xmlns:m="http://schemas.openxmlformats.org/officeDocument/2006/math">
+                      <m:sSub>
+                        <m:sSubPr>
+                          <m:ctrlPr>
+                            <a:rPr lang="fr-FR" sz="1050" b="0" i="1" smtClean="0">
+                              <a:latin typeface="Cambria Math" panose="02040503050406030204" pitchFamily="18" charset="0"/>
+                            </a:rPr>
+                          </m:ctrlPr>
+                        </m:sSubPr>
+                        <m:e>
+                          <m:d>
+                            <m:dPr>
+                              <m:begChr m:val="{"/>
+                              <m:endChr m:val="}"/>
+                              <m:ctrlPr>
+                                <a:rPr lang="fr-FR" sz="1050" i="1" smtClean="0">
+                                  <a:latin typeface="Cambria Math" panose="02040503050406030204" pitchFamily="18" charset="0"/>
+                                </a:rPr>
+                              </m:ctrlPr>
+                            </m:dPr>
+                            <m:e>
+                              <m:m>
+                                <m:mPr>
+                                  <m:mcs>
+                                    <m:mc>
+                                      <m:mcPr>
+                                        <m:count m:val="2"/>
+                                        <m:mcJc m:val="center"/>
+                                      </m:mcPr>
+                                    </m:mc>
+                                  </m:mcs>
+                                  <m:ctrlPr>
+                                    <a:rPr lang="fr-FR" sz="1050" i="1">
+                                      <a:latin typeface="Cambria Math" panose="02040503050406030204" pitchFamily="18" charset="0"/>
+                                    </a:rPr>
+                                  </m:ctrlPr>
+                                </m:mPr>
+                                <m:mr>
+                                  <m:e>
+                                    <m:r>
+                                      <m:rPr>
+                                        <m:brk m:alnAt="7"/>
+                                      </m:rPr>
+                                      <a:rPr lang="fr-FR" sz="1050" b="0" i="1" smtClean="0">
+                                        <a:latin typeface="Cambria Math"/>
+                                      </a:rPr>
+                                      <m:t>0</m:t>
+                                    </m:r>
+                                  </m:e>
+                                  <m:e>
+                                    <m:r>
+                                      <a:rPr lang="fr-FR" sz="1050" b="0" i="1" smtClean="0">
+                                        <a:latin typeface="Cambria Math"/>
+                                      </a:rPr>
+                                      <m:t>0</m:t>
+                                    </m:r>
+                                  </m:e>
+                                </m:mr>
+                                <m:mr>
+                                  <m:e>
+                                    <m:r>
+                                      <a:rPr lang="fr-FR" sz="1050" b="0" i="1" smtClean="0">
+                                        <a:latin typeface="Cambria Math"/>
+                                      </a:rPr>
+                                      <m:t>0</m:t>
+                                    </m:r>
+                                  </m:e>
+                                  <m:e>
+                                    <m:r>
+                                      <a:rPr lang="fr-FR" sz="1050" b="0" i="1" smtClean="0">
+                                        <a:latin typeface="Cambria Math"/>
+                                      </a:rPr>
+                                      <m:t>0</m:t>
+                                    </m:r>
+                                  </m:e>
+                                </m:mr>
+                                <m:mr>
+                                  <m:e>
+                                    <m:r>
+                                      <a:rPr lang="fr-FR" sz="1050" b="0" i="1" smtClean="0">
+                                        <a:latin typeface="Cambria Math"/>
+                                      </a:rPr>
+                                      <m:t>0</m:t>
+                                    </m:r>
+                                  </m:e>
+                                  <m:e>
+                                    <m:sSub>
+                                      <m:sSubPr>
+                                        <m:ctrlPr>
+                                          <a:rPr lang="fr-FR" sz="1050" i="1">
+                                            <a:latin typeface="Cambria Math" panose="02040503050406030204" pitchFamily="18" charset="0"/>
+                                          </a:rPr>
+                                        </m:ctrlPr>
+                                      </m:sSubPr>
+                                      <m:e>
+                                        <m:r>
+                                          <a:rPr lang="fr-FR" sz="1050" i="1">
+                                            <a:latin typeface="Cambria Math"/>
+                                          </a:rPr>
+                                          <m:t>𝑁</m:t>
+                                        </m:r>
+                                      </m:e>
+                                      <m:sub>
+                                        <m:r>
+                                          <a:rPr lang="fr-FR" sz="1050" i="1">
+                                            <a:latin typeface="Cambria Math"/>
+                                          </a:rPr>
+                                          <m:t>𝑏</m:t>
+                                        </m:r>
+                                        <m:r>
+                                          <a:rPr lang="fr-FR" sz="1050" b="0" i="1" smtClean="0">
+                                            <a:latin typeface="Cambria Math"/>
+                                          </a:rPr>
+                                          <m:t>𝑐</m:t>
+                                        </m:r>
+                                      </m:sub>
+                                    </m:sSub>
+                                  </m:e>
+                                </m:mr>
+                              </m:m>
+                            </m:e>
+                          </m:d>
+                        </m:e>
+                        <m:sub>
+                          <m:r>
+                            <a:rPr lang="fr-FR" sz="1050" b="0" i="1" smtClean="0">
+                              <a:latin typeface="Cambria Math"/>
+                            </a:rPr>
+                            <m:t>𝑃</m:t>
+                          </m:r>
+                          <m:d>
+                            <m:dPr>
+                              <m:ctrlPr>
+                                <a:rPr lang="fr-FR" sz="1050" b="0" i="1" smtClean="0">
+                                  <a:latin typeface="Cambria Math" panose="02040503050406030204" pitchFamily="18" charset="0"/>
+                                </a:rPr>
+                              </m:ctrlPr>
+                            </m:dPr>
+                            <m:e>
+                              <m:acc>
+                                <m:accPr>
+                                  <m:chr m:val="⃗"/>
+                                  <m:ctrlPr>
+                                    <a:rPr lang="fr-FR" sz="1050" i="1">
+                                      <a:latin typeface="Cambria Math" panose="02040503050406030204" pitchFamily="18" charset="0"/>
+                                    </a:rPr>
+                                  </m:ctrlPr>
+                                </m:accPr>
+                                <m:e>
+                                  <m:r>
+                                    <a:rPr lang="fr-FR" sz="1050" b="0" i="1" smtClean="0">
+                                      <a:latin typeface="Cambria Math"/>
+                                    </a:rPr>
+                                    <m:t>𝑥</m:t>
+                                  </m:r>
+                                </m:e>
+                              </m:acc>
+                              <m:r>
+                                <a:rPr lang="fr-FR" sz="1050" b="0" i="1" smtClean="0">
+                                  <a:latin typeface="Cambria Math"/>
+                                </a:rPr>
+                                <m:t>,</m:t>
+                              </m:r>
+                              <m:acc>
+                                <m:accPr>
+                                  <m:chr m:val="⃗"/>
+                                  <m:ctrlPr>
+                                    <a:rPr lang="fr-FR" sz="1050" i="1">
+                                      <a:latin typeface="Cambria Math" panose="02040503050406030204" pitchFamily="18" charset="0"/>
+                                    </a:rPr>
+                                  </m:ctrlPr>
+                                </m:accPr>
+                                <m:e>
+                                  <m:r>
+                                    <a:rPr lang="fr-FR" sz="1050" b="0" i="1" smtClean="0">
+                                      <a:latin typeface="Cambria Math"/>
+                                    </a:rPr>
+                                    <m:t>𝑦</m:t>
+                                  </m:r>
+                                </m:e>
+                              </m:acc>
+                              <m:r>
+                                <a:rPr lang="fr-FR" sz="1050" i="1">
+                                  <a:latin typeface="Cambria Math"/>
+                                </a:rPr>
+                                <m:t>,</m:t>
+                              </m:r>
+                              <m:acc>
+                                <m:accPr>
+                                  <m:chr m:val="⃗"/>
+                                  <m:ctrlPr>
+                                    <a:rPr lang="fr-FR" sz="1050" i="1">
+                                      <a:latin typeface="Cambria Math" panose="02040503050406030204" pitchFamily="18" charset="0"/>
+                                    </a:rPr>
+                                  </m:ctrlPr>
+                                </m:accPr>
+                                <m:e>
+                                  <m:r>
+                                    <a:rPr lang="fr-FR" sz="1050" b="0" i="1" smtClean="0">
+                                      <a:latin typeface="Cambria Math"/>
+                                    </a:rPr>
+                                    <m:t>𝑧</m:t>
+                                  </m:r>
+                                </m:e>
+                              </m:acc>
+                            </m:e>
+                          </m:d>
+                        </m:sub>
+                      </m:sSub>
+                    </m:oMath>
+                  </m:oMathPara>
+                </a14:m>
+                <a:endParaRPr lang="fr-FR" sz="1050" dirty="0"/>
+              </a:p>
+            </p:txBody>
+          </p:sp>
+        </mc:Choice>
+        <mc:Fallback xmlns="">
+          <p:sp>
+            <p:nvSpPr>
+              <p:cNvPr id="27" name="ZoneTexte 26"/>
+              <p:cNvSpPr txBox="1">
+                <a:spLocks noRot="1" noChangeAspect="1" noMove="1" noResize="1" noEditPoints="1" noAdjustHandles="1" noChangeArrowheads="1" noChangeShapeType="1" noTextEdit="1"/>
+              </p:cNvSpPr>
+              <p:nvPr/>
+            </p:nvSpPr>
+            <p:spPr>
+              <a:xfrm>
+                <a:off x="1979712" y="2013735"/>
+                <a:ext cx="1134734" cy="585545"/>
+              </a:xfrm>
+              <a:prstGeom prst="rect">
+                <a:avLst/>
+              </a:prstGeom>
+              <a:blipFill rotWithShape="1">
+                <a:blip r:embed="rId6"/>
+                <a:stretch>
+                  <a:fillRect/>
+                </a:stretch>
+              </a:blipFill>
+            </p:spPr>
+            <p:txBody>
+              <a:bodyPr/>
+              <a:lstStyle/>
+              <a:p>
+                <a:r>
+                  <a:rPr lang="fr-FR">
+                    <a:noFill/>
+                  </a:rPr>
+                  <a:t> </a:t>
+                </a:r>
+              </a:p>
+            </p:txBody>
+          </p:sp>
+        </mc:Fallback>
+      </mc:AlternateContent>
+    </p:spTree>
+    <p:extLst>
+      <p:ext uri="{BB962C8B-B14F-4D97-AF65-F5344CB8AC3E}">
+        <p14:creationId xmlns:p14="http://schemas.microsoft.com/office/powerpoint/2010/main" val="3581523801"/>
+      </p:ext>
+    </p:extLst>
+  </p:cSld>
+  <p:clrMapOvr>
+    <a:masterClrMapping/>
+  </p:clrMapOvr>
+</p:sld>
+</file>
+
+<file path=ppt/slides/slide11.xml><?xml version="1.0" encoding="utf-8"?>
+<p:sld xmlns:a="http://schemas.openxmlformats.org/drawingml/2006/main" xmlns:r="http://schemas.openxmlformats.org/officeDocument/2006/relationships" xmlns:p="http://schemas.openxmlformats.org/presentationml/2006/main">
+  <p:cSld>
+    <p:spTree>
+      <p:nvGrpSpPr>
+        <p:cNvPr id="1" name=""/>
+        <p:cNvGrpSpPr/>
+        <p:nvPr/>
+      </p:nvGrpSpPr>
+      <p:grpSpPr>
+        <a:xfrm>
+          <a:off x="0" y="0"/>
+          <a:ext cx="0" cy="0"/>
+          <a:chOff x="0" y="0"/>
+          <a:chExt cx="0" cy="0"/>
+        </a:xfrm>
+      </p:grpSpPr>
+      <p:sp>
+        <p:nvSpPr>
+          <p:cNvPr id="15" name="Rectangle 14"/>
+          <p:cNvSpPr/>
+          <p:nvPr/>
+        </p:nvSpPr>
+        <p:spPr>
+          <a:xfrm>
+            <a:off x="0" y="1813200"/>
+            <a:ext cx="152400" cy="286396"/>
+          </a:xfrm>
+          <a:prstGeom prst="rect">
+            <a:avLst/>
+          </a:prstGeom>
+          <a:solidFill>
+            <a:schemeClr val="accent6">
+              <a:lumMod val="20000"/>
+              <a:lumOff val="80000"/>
+            </a:schemeClr>
+          </a:solidFill>
+          <a:ln w="19050">
+            <a:noFill/>
+          </a:ln>
+        </p:spPr>
+        <p:style>
+          <a:lnRef idx="2">
+            <a:schemeClr val="accent1">
+              <a:shade val="50000"/>
+            </a:schemeClr>
+          </a:lnRef>
+          <a:fillRef idx="1">
+            <a:schemeClr val="accent1"/>
+          </a:fillRef>
+          <a:effectRef idx="0">
+            <a:schemeClr val="accent1"/>
+          </a:effectRef>
+          <a:fontRef idx="minor">
+            <a:schemeClr val="lt1"/>
+          </a:fontRef>
+        </p:style>
+        <p:txBody>
+          <a:bodyPr rtlCol="0" anchor="ctr"/>
+          <a:lstStyle/>
+          <a:p>
+            <a:pPr algn="ctr"/>
+            <a:endParaRPr lang="fr-FR" sz="1400" b="1">
+              <a:solidFill>
+                <a:schemeClr val="accent6">
+                  <a:lumMod val="50000"/>
+                </a:schemeClr>
+              </a:solidFill>
+            </a:endParaRPr>
+          </a:p>
+        </p:txBody>
+      </p:sp>
+      <p:sp>
+        <p:nvSpPr>
+          <p:cNvPr id="4" name="Ellipse 3"/>
+          <p:cNvSpPr/>
+          <p:nvPr/>
+        </p:nvSpPr>
+        <p:spPr>
+          <a:xfrm>
+            <a:off x="1061610" y="1813199"/>
+            <a:ext cx="288032" cy="288032"/>
+          </a:xfrm>
+          <a:prstGeom prst="ellipse">
+            <a:avLst/>
+          </a:prstGeom>
+          <a:solidFill>
+            <a:schemeClr val="accent4">
+              <a:lumMod val="20000"/>
+              <a:lumOff val="80000"/>
+            </a:schemeClr>
+          </a:solidFill>
+          <a:ln w="19050">
+            <a:solidFill>
+              <a:schemeClr val="accent4"/>
+            </a:solidFill>
+          </a:ln>
+        </p:spPr>
+        <p:style>
+          <a:lnRef idx="2">
+            <a:schemeClr val="accent1">
+              <a:shade val="50000"/>
+            </a:schemeClr>
+          </a:lnRef>
+          <a:fillRef idx="1">
+            <a:schemeClr val="accent1"/>
+          </a:fillRef>
+          <a:effectRef idx="0">
+            <a:schemeClr val="accent1"/>
+          </a:effectRef>
+          <a:fontRef idx="minor">
+            <a:schemeClr val="lt1"/>
+          </a:fontRef>
+        </p:style>
+        <p:txBody>
+          <a:bodyPr rtlCol="0" anchor="ctr"/>
+          <a:lstStyle/>
+          <a:p>
+            <a:pPr algn="ctr"/>
+            <a:r>
+              <a:rPr lang="fr-FR" sz="1400" b="1" dirty="0">
+                <a:solidFill>
+                  <a:schemeClr val="accent4"/>
+                </a:solidFill>
+              </a:rPr>
+              <a:t>1</a:t>
+            </a:r>
+          </a:p>
+        </p:txBody>
+      </p:sp>
+      <p:sp>
+        <p:nvSpPr>
+          <p:cNvPr id="5" name="Ellipse 4"/>
+          <p:cNvSpPr/>
+          <p:nvPr/>
+        </p:nvSpPr>
+        <p:spPr>
+          <a:xfrm>
+            <a:off x="1799692" y="1813199"/>
+            <a:ext cx="288032" cy="288032"/>
+          </a:xfrm>
+          <a:prstGeom prst="ellipse">
+            <a:avLst/>
+          </a:prstGeom>
+          <a:solidFill>
+            <a:schemeClr val="accent2">
+              <a:lumMod val="20000"/>
+              <a:lumOff val="80000"/>
+            </a:schemeClr>
+          </a:solidFill>
+          <a:ln w="19050">
+            <a:solidFill>
+              <a:schemeClr val="accent2"/>
+            </a:solidFill>
+          </a:ln>
+        </p:spPr>
+        <p:style>
+          <a:lnRef idx="2">
+            <a:schemeClr val="accent1">
+              <a:shade val="50000"/>
+            </a:schemeClr>
+          </a:lnRef>
+          <a:fillRef idx="1">
+            <a:schemeClr val="accent1"/>
+          </a:fillRef>
+          <a:effectRef idx="0">
+            <a:schemeClr val="accent1"/>
+          </a:effectRef>
+          <a:fontRef idx="minor">
+            <a:schemeClr val="lt1"/>
+          </a:fontRef>
+        </p:style>
+        <p:txBody>
+          <a:bodyPr rtlCol="0" anchor="ctr"/>
+          <a:lstStyle/>
+          <a:p>
+            <a:pPr algn="ctr"/>
+            <a:r>
+              <a:rPr lang="fr-FR" sz="1400" b="1" dirty="0">
+                <a:solidFill>
+                  <a:schemeClr val="accent2"/>
+                </a:solidFill>
+              </a:rPr>
+              <a:t>2</a:t>
+            </a:r>
+          </a:p>
+        </p:txBody>
+      </p:sp>
+      <p:sp>
+        <p:nvSpPr>
+          <p:cNvPr id="6" name="Ellipse 5"/>
+          <p:cNvSpPr/>
+          <p:nvPr/>
+        </p:nvSpPr>
+        <p:spPr>
+          <a:xfrm>
+            <a:off x="2537774" y="1813199"/>
+            <a:ext cx="288032" cy="288032"/>
+          </a:xfrm>
+          <a:prstGeom prst="ellipse">
+            <a:avLst/>
+          </a:prstGeom>
+          <a:solidFill>
+            <a:schemeClr val="accent3">
+              <a:lumMod val="20000"/>
+              <a:lumOff val="80000"/>
+            </a:schemeClr>
+          </a:solidFill>
+          <a:ln w="19050">
+            <a:solidFill>
+              <a:schemeClr val="accent3"/>
+            </a:solidFill>
+          </a:ln>
+        </p:spPr>
+        <p:style>
+          <a:lnRef idx="2">
+            <a:schemeClr val="accent1">
+              <a:shade val="50000"/>
+            </a:schemeClr>
+          </a:lnRef>
+          <a:fillRef idx="1">
+            <a:schemeClr val="accent1"/>
+          </a:fillRef>
+          <a:effectRef idx="0">
+            <a:schemeClr val="accent1"/>
+          </a:effectRef>
+          <a:fontRef idx="minor">
+            <a:schemeClr val="lt1"/>
+          </a:fontRef>
+        </p:style>
+        <p:txBody>
+          <a:bodyPr rtlCol="0" anchor="ctr"/>
+          <a:lstStyle/>
+          <a:p>
+            <a:pPr algn="ctr"/>
+            <a:r>
+              <a:rPr lang="fr-FR" sz="1400" b="1" dirty="0">
+                <a:solidFill>
+                  <a:schemeClr val="accent3"/>
+                </a:solidFill>
+              </a:rPr>
+              <a:t>3</a:t>
+            </a:r>
+          </a:p>
+        </p:txBody>
+      </p:sp>
+      <p:sp>
+        <p:nvSpPr>
+          <p:cNvPr id="7" name="Ellipse 6"/>
+          <p:cNvSpPr/>
+          <p:nvPr/>
+        </p:nvSpPr>
+        <p:spPr>
+          <a:xfrm>
+            <a:off x="3275856" y="1813199"/>
+            <a:ext cx="288032" cy="288032"/>
+          </a:xfrm>
+          <a:prstGeom prst="ellipse">
+            <a:avLst/>
+          </a:prstGeom>
+          <a:solidFill>
+            <a:schemeClr val="bg1">
+              <a:lumMod val="85000"/>
+            </a:schemeClr>
+          </a:solidFill>
+          <a:ln w="19050">
+            <a:solidFill>
+              <a:schemeClr val="tx1"/>
+            </a:solidFill>
+          </a:ln>
+        </p:spPr>
+        <p:style>
+          <a:lnRef idx="2">
+            <a:schemeClr val="accent1">
+              <a:shade val="50000"/>
+            </a:schemeClr>
+          </a:lnRef>
+          <a:fillRef idx="1">
+            <a:schemeClr val="accent1"/>
+          </a:fillRef>
+          <a:effectRef idx="0">
+            <a:schemeClr val="accent1"/>
+          </a:effectRef>
+          <a:fontRef idx="minor">
+            <a:schemeClr val="lt1"/>
+          </a:fontRef>
+        </p:style>
+        <p:txBody>
+          <a:bodyPr rtlCol="0" anchor="ctr"/>
+          <a:lstStyle/>
+          <a:p>
+            <a:pPr algn="ctr"/>
+            <a:r>
+              <a:rPr lang="fr-FR" sz="1400" b="1" dirty="0">
+                <a:solidFill>
+                  <a:schemeClr val="tx1"/>
+                </a:solidFill>
+              </a:rPr>
+              <a:t>4</a:t>
+            </a:r>
+          </a:p>
+        </p:txBody>
+      </p:sp>
+      <p:sp>
+        <p:nvSpPr>
+          <p:cNvPr id="8" name="Ellipse 7"/>
+          <p:cNvSpPr/>
+          <p:nvPr/>
+        </p:nvSpPr>
+        <p:spPr>
+          <a:xfrm>
+            <a:off x="323528" y="1813199"/>
+            <a:ext cx="288032" cy="288032"/>
+          </a:xfrm>
+          <a:prstGeom prst="ellipse">
+            <a:avLst/>
+          </a:prstGeom>
+          <a:solidFill>
+            <a:schemeClr val="accent6">
+              <a:lumMod val="20000"/>
+              <a:lumOff val="80000"/>
+            </a:schemeClr>
+          </a:solidFill>
+          <a:ln w="19050">
+            <a:solidFill>
+              <a:schemeClr val="accent6">
+                <a:lumMod val="50000"/>
+              </a:schemeClr>
+            </a:solidFill>
+          </a:ln>
+        </p:spPr>
+        <p:style>
+          <a:lnRef idx="2">
+            <a:schemeClr val="accent1">
+              <a:shade val="50000"/>
+            </a:schemeClr>
+          </a:lnRef>
+          <a:fillRef idx="1">
+            <a:schemeClr val="accent1"/>
+          </a:fillRef>
+          <a:effectRef idx="0">
+            <a:schemeClr val="accent1"/>
+          </a:effectRef>
+          <a:fontRef idx="minor">
+            <a:schemeClr val="lt1"/>
+          </a:fontRef>
+        </p:style>
+        <p:txBody>
+          <a:bodyPr rtlCol="0" anchor="ctr"/>
+          <a:lstStyle/>
+          <a:p>
+            <a:pPr algn="ctr"/>
+            <a:r>
+              <a:rPr lang="fr-FR" sz="1400" b="1" dirty="0">
+                <a:solidFill>
+                  <a:schemeClr val="accent6">
+                    <a:lumMod val="50000"/>
+                  </a:schemeClr>
+                </a:solidFill>
+              </a:rPr>
+              <a:t>0</a:t>
+            </a:r>
+          </a:p>
+        </p:txBody>
+      </p:sp>
+      <p:cxnSp>
+        <p:nvCxnSpPr>
+          <p:cNvPr id="10" name="Connecteur droit 9"/>
+          <p:cNvCxnSpPr>
+            <a:stCxn id="8" idx="6"/>
+            <a:endCxn id="4" idx="2"/>
+          </p:cNvCxnSpPr>
+          <p:nvPr/>
+        </p:nvCxnSpPr>
+        <p:spPr>
+          <a:xfrm>
+            <a:off x="611560" y="1957215"/>
+            <a:ext cx="450050" cy="0"/>
+          </a:xfrm>
+          <a:prstGeom prst="line">
+            <a:avLst/>
+          </a:prstGeom>
+          <a:ln w="19050">
+            <a:solidFill>
+              <a:schemeClr val="tx1"/>
+            </a:solidFill>
+          </a:ln>
+        </p:spPr>
+        <p:style>
+          <a:lnRef idx="1">
+            <a:schemeClr val="accent1"/>
+          </a:lnRef>
+          <a:fillRef idx="0">
+            <a:schemeClr val="accent1"/>
+          </a:fillRef>
+          <a:effectRef idx="0">
+            <a:schemeClr val="accent1"/>
+          </a:effectRef>
+          <a:fontRef idx="minor">
+            <a:schemeClr val="tx1"/>
+          </a:fontRef>
+        </p:style>
+      </p:cxnSp>
+      <p:cxnSp>
+        <p:nvCxnSpPr>
+          <p:cNvPr id="11" name="Connecteur droit 10"/>
+          <p:cNvCxnSpPr>
+            <a:stCxn id="5" idx="2"/>
+            <a:endCxn id="4" idx="6"/>
+          </p:cNvCxnSpPr>
+          <p:nvPr/>
+        </p:nvCxnSpPr>
+        <p:spPr>
+          <a:xfrm flipH="1">
+            <a:off x="1349642" y="1957215"/>
+            <a:ext cx="450050" cy="0"/>
+          </a:xfrm>
+          <a:prstGeom prst="line">
+            <a:avLst/>
+          </a:prstGeom>
+          <a:ln w="19050">
+            <a:solidFill>
+              <a:schemeClr val="tx1"/>
+            </a:solidFill>
+          </a:ln>
+        </p:spPr>
+        <p:style>
+          <a:lnRef idx="1">
+            <a:schemeClr val="accent1"/>
+          </a:lnRef>
+          <a:fillRef idx="0">
+            <a:schemeClr val="accent1"/>
+          </a:fillRef>
+          <a:effectRef idx="0">
+            <a:schemeClr val="accent1"/>
+          </a:effectRef>
+          <a:fontRef idx="minor">
+            <a:schemeClr val="tx1"/>
+          </a:fontRef>
+        </p:style>
+      </p:cxnSp>
+      <p:cxnSp>
+        <p:nvCxnSpPr>
+          <p:cNvPr id="14" name="Connecteur droit 13"/>
+          <p:cNvCxnSpPr>
+            <a:stCxn id="6" idx="2"/>
+            <a:endCxn id="5" idx="6"/>
+          </p:cNvCxnSpPr>
+          <p:nvPr/>
+        </p:nvCxnSpPr>
+        <p:spPr>
+          <a:xfrm flipH="1">
+            <a:off x="2087724" y="1957215"/>
+            <a:ext cx="450050" cy="0"/>
+          </a:xfrm>
+          <a:prstGeom prst="line">
+            <a:avLst/>
+          </a:prstGeom>
+          <a:ln w="19050">
+            <a:solidFill>
+              <a:schemeClr val="tx1"/>
+            </a:solidFill>
+          </a:ln>
+        </p:spPr>
+        <p:style>
+          <a:lnRef idx="1">
+            <a:schemeClr val="accent1"/>
+          </a:lnRef>
+          <a:fillRef idx="0">
+            <a:schemeClr val="accent1"/>
+          </a:fillRef>
+          <a:effectRef idx="0">
+            <a:schemeClr val="accent1"/>
+          </a:effectRef>
+          <a:fontRef idx="minor">
+            <a:schemeClr val="tx1"/>
+          </a:fontRef>
+        </p:style>
+      </p:cxnSp>
+      <p:cxnSp>
+        <p:nvCxnSpPr>
+          <p:cNvPr id="17" name="Connecteur droit 16"/>
+          <p:cNvCxnSpPr>
+            <a:stCxn id="7" idx="2"/>
+            <a:endCxn id="6" idx="6"/>
+          </p:cNvCxnSpPr>
+          <p:nvPr/>
+        </p:nvCxnSpPr>
+        <p:spPr>
+          <a:xfrm flipH="1">
+            <a:off x="2825806" y="1957215"/>
+            <a:ext cx="450050" cy="0"/>
+          </a:xfrm>
+          <a:prstGeom prst="line">
+            <a:avLst/>
+          </a:prstGeom>
+          <a:ln w="19050">
+            <a:solidFill>
+              <a:schemeClr val="tx1"/>
+            </a:solidFill>
+          </a:ln>
+        </p:spPr>
+        <p:style>
+          <a:lnRef idx="1">
+            <a:schemeClr val="accent1"/>
+          </a:lnRef>
+          <a:fillRef idx="0">
+            <a:schemeClr val="accent1"/>
+          </a:fillRef>
+          <a:effectRef idx="0">
+            <a:schemeClr val="accent1"/>
+          </a:effectRef>
+          <a:fontRef idx="minor">
+            <a:schemeClr val="tx1"/>
+          </a:fontRef>
+        </p:style>
+      </p:cxnSp>
+      <mc:AlternateContent xmlns:mc="http://schemas.openxmlformats.org/markup-compatibility/2006" xmlns:a14="http://schemas.microsoft.com/office/drawing/2010/main">
+        <mc:Choice Requires="a14">
+          <p:sp>
+            <p:nvSpPr>
+              <p:cNvPr id="31" name="ZoneTexte 30"/>
+              <p:cNvSpPr txBox="1"/>
+              <p:nvPr/>
+            </p:nvSpPr>
+            <p:spPr>
+              <a:xfrm rot="2700000">
+                <a:off x="583745" y="2358459"/>
+                <a:ext cx="901722" cy="261610"/>
+              </a:xfrm>
+              <a:prstGeom prst="rect">
+                <a:avLst/>
+              </a:prstGeom>
+              <a:noFill/>
+            </p:spPr>
+            <p:txBody>
+              <a:bodyPr wrap="none" rtlCol="0">
+                <a:spAutoFit/>
+              </a:bodyPr>
+              <a:lstStyle/>
+              <a:p>
+                <a:r>
+                  <a:rPr lang="fr-FR" sz="1100" b="0" dirty="0"/>
+                  <a:t>Pivot </a:t>
+                </a:r>
+                <a14:m>
+                  <m:oMath xmlns:m="http://schemas.openxmlformats.org/officeDocument/2006/math">
+                    <m:d>
+                      <m:dPr>
+                        <m:ctrlPr>
+                          <a:rPr lang="fr-FR" sz="1100" b="0" i="1" smtClean="0">
+                            <a:latin typeface="Cambria Math" panose="02040503050406030204" pitchFamily="18" charset="0"/>
+                          </a:rPr>
+                        </m:ctrlPr>
+                      </m:dPr>
+                      <m:e>
+                        <m:r>
+                          <a:rPr lang="fr-FR" sz="1100" b="0" i="1" smtClean="0">
+                            <a:latin typeface="Cambria Math"/>
+                          </a:rPr>
+                          <m:t>𝑂</m:t>
+                        </m:r>
+                        <m:r>
+                          <a:rPr lang="fr-FR" sz="1100" b="0" i="1" smtClean="0">
+                            <a:latin typeface="Cambria Math"/>
+                          </a:rPr>
+                          <m:t>,</m:t>
+                        </m:r>
+                        <m:acc>
+                          <m:accPr>
+                            <m:chr m:val="⃗"/>
+                            <m:ctrlPr>
+                              <a:rPr lang="fr-FR" sz="1100" b="0" i="1" smtClean="0">
+                                <a:latin typeface="Cambria Math" panose="02040503050406030204" pitchFamily="18" charset="0"/>
+                              </a:rPr>
+                            </m:ctrlPr>
+                          </m:accPr>
+                          <m:e>
+                            <m:sSub>
+                              <m:sSubPr>
+                                <m:ctrlPr>
+                                  <a:rPr lang="fr-FR" sz="1100" b="0" i="1" smtClean="0">
+                                    <a:latin typeface="Cambria Math" panose="02040503050406030204" pitchFamily="18" charset="0"/>
+                                  </a:rPr>
+                                </m:ctrlPr>
+                              </m:sSubPr>
+                              <m:e>
+                                <m:r>
+                                  <a:rPr lang="fr-FR" sz="1100" b="0" i="1" smtClean="0">
+                                    <a:latin typeface="Cambria Math"/>
+                                  </a:rPr>
+                                  <m:t>𝑧</m:t>
+                                </m:r>
+                              </m:e>
+                              <m:sub>
+                                <m:r>
+                                  <a:rPr lang="fr-FR" sz="1100" b="0" i="1" smtClean="0">
+                                    <a:latin typeface="Cambria Math"/>
+                                  </a:rPr>
+                                  <m:t>1</m:t>
+                                </m:r>
+                              </m:sub>
+                            </m:sSub>
+                          </m:e>
+                        </m:acc>
+                      </m:e>
+                    </m:d>
+                  </m:oMath>
+                </a14:m>
+                <a:endParaRPr lang="fr-FR" sz="1100" dirty="0"/>
+              </a:p>
+            </p:txBody>
+          </p:sp>
+        </mc:Choice>
+        <mc:Fallback xmlns="">
+          <p:sp>
+            <p:nvSpPr>
+              <p:cNvPr id="31" name="ZoneTexte 30"/>
+              <p:cNvSpPr txBox="1">
+                <a:spLocks noRot="1" noChangeAspect="1" noMove="1" noResize="1" noEditPoints="1" noAdjustHandles="1" noChangeArrowheads="1" noChangeShapeType="1" noTextEdit="1"/>
+              </p:cNvSpPr>
+              <p:nvPr/>
+            </p:nvSpPr>
+            <p:spPr>
+              <a:xfrm rot="2700000">
+                <a:off x="583745" y="2358459"/>
+                <a:ext cx="901722" cy="261610"/>
+              </a:xfrm>
+              <a:prstGeom prst="rect">
+                <a:avLst/>
+              </a:prstGeom>
+              <a:blipFill rotWithShape="1">
+                <a:blip r:embed="rId2"/>
+                <a:stretch>
+                  <a:fillRect l="-2941"/>
+                </a:stretch>
+              </a:blipFill>
+            </p:spPr>
+            <p:txBody>
+              <a:bodyPr/>
+              <a:lstStyle/>
+              <a:p>
+                <a:r>
+                  <a:rPr lang="fr-FR">
+                    <a:noFill/>
+                  </a:rPr>
+                  <a:t> </a:t>
+                </a:r>
+              </a:p>
+            </p:txBody>
+          </p:sp>
+        </mc:Fallback>
+      </mc:AlternateContent>
+      <mc:AlternateContent xmlns:mc="http://schemas.openxmlformats.org/markup-compatibility/2006" xmlns:a14="http://schemas.microsoft.com/office/drawing/2010/main">
+        <mc:Choice Requires="a14">
+          <p:sp>
+            <p:nvSpPr>
+              <p:cNvPr id="32" name="ZoneTexte 31"/>
+              <p:cNvSpPr txBox="1"/>
+              <p:nvPr/>
+            </p:nvSpPr>
+            <p:spPr>
+              <a:xfrm rot="2700000">
+                <a:off x="1329193" y="2358459"/>
+                <a:ext cx="904991" cy="261610"/>
+              </a:xfrm>
+              <a:prstGeom prst="rect">
+                <a:avLst/>
+              </a:prstGeom>
+              <a:noFill/>
+            </p:spPr>
+            <p:txBody>
+              <a:bodyPr wrap="none" rtlCol="0">
+                <a:spAutoFit/>
+              </a:bodyPr>
+              <a:lstStyle/>
+              <a:p>
+                <a:r>
+                  <a:rPr lang="fr-FR" sz="1100" b="0" dirty="0"/>
+                  <a:t>Pivot </a:t>
+                </a:r>
+                <a14:m>
+                  <m:oMath xmlns:m="http://schemas.openxmlformats.org/officeDocument/2006/math">
+                    <m:d>
+                      <m:dPr>
+                        <m:ctrlPr>
+                          <a:rPr lang="fr-FR" sz="1100" b="0" i="1" smtClean="0">
+                            <a:latin typeface="Cambria Math" panose="02040503050406030204" pitchFamily="18" charset="0"/>
+                          </a:rPr>
+                        </m:ctrlPr>
+                      </m:dPr>
+                      <m:e>
+                        <m:r>
+                          <a:rPr lang="fr-FR" sz="1100" b="0" i="1" smtClean="0">
+                            <a:latin typeface="Cambria Math"/>
+                          </a:rPr>
+                          <m:t>𝑂</m:t>
+                        </m:r>
+                        <m:r>
+                          <a:rPr lang="fr-FR" sz="1100" b="0" i="1" smtClean="0">
+                            <a:latin typeface="Cambria Math"/>
+                          </a:rPr>
+                          <m:t>,</m:t>
+                        </m:r>
+                        <m:acc>
+                          <m:accPr>
+                            <m:chr m:val="⃗"/>
+                            <m:ctrlPr>
+                              <a:rPr lang="fr-FR" sz="1100" b="0" i="1" smtClean="0">
+                                <a:latin typeface="Cambria Math" panose="02040503050406030204" pitchFamily="18" charset="0"/>
+                              </a:rPr>
+                            </m:ctrlPr>
+                          </m:accPr>
+                          <m:e>
+                            <m:sSub>
+                              <m:sSubPr>
+                                <m:ctrlPr>
+                                  <a:rPr lang="fr-FR" sz="1100" b="0" i="1" smtClean="0">
+                                    <a:latin typeface="Cambria Math" panose="02040503050406030204" pitchFamily="18" charset="0"/>
+                                  </a:rPr>
+                                </m:ctrlPr>
+                              </m:sSubPr>
+                              <m:e>
+                                <m:r>
+                                  <a:rPr lang="fr-FR" sz="1100" b="0" i="1" smtClean="0">
+                                    <a:latin typeface="Cambria Math"/>
+                                  </a:rPr>
+                                  <m:t>𝑧</m:t>
+                                </m:r>
+                              </m:e>
+                              <m:sub>
+                                <m:r>
+                                  <a:rPr lang="fr-FR" sz="1100" b="0" i="1" smtClean="0">
+                                    <a:latin typeface="Cambria Math"/>
+                                  </a:rPr>
+                                  <m:t>2</m:t>
+                                </m:r>
+                              </m:sub>
+                            </m:sSub>
+                          </m:e>
+                        </m:acc>
+                      </m:e>
+                    </m:d>
+                  </m:oMath>
+                </a14:m>
+                <a:endParaRPr lang="fr-FR" sz="1100" dirty="0"/>
+              </a:p>
+            </p:txBody>
+          </p:sp>
+        </mc:Choice>
+        <mc:Fallback xmlns="">
+          <p:sp>
+            <p:nvSpPr>
+              <p:cNvPr id="32" name="ZoneTexte 31"/>
+              <p:cNvSpPr txBox="1">
+                <a:spLocks noRot="1" noChangeAspect="1" noMove="1" noResize="1" noEditPoints="1" noAdjustHandles="1" noChangeArrowheads="1" noChangeShapeType="1" noTextEdit="1"/>
+              </p:cNvSpPr>
+              <p:nvPr/>
+            </p:nvSpPr>
+            <p:spPr>
+              <a:xfrm rot="2700000">
+                <a:off x="1329193" y="2358459"/>
+                <a:ext cx="904991" cy="261610"/>
+              </a:xfrm>
+              <a:prstGeom prst="rect">
+                <a:avLst/>
+              </a:prstGeom>
+              <a:blipFill rotWithShape="1">
+                <a:blip r:embed="rId3"/>
+                <a:stretch>
+                  <a:fillRect l="-2941"/>
+                </a:stretch>
+              </a:blipFill>
+            </p:spPr>
+            <p:txBody>
+              <a:bodyPr/>
+              <a:lstStyle/>
+              <a:p>
+                <a:r>
+                  <a:rPr lang="fr-FR">
+                    <a:noFill/>
+                  </a:rPr>
+                  <a:t> </a:t>
+                </a:r>
+              </a:p>
+            </p:txBody>
+          </p:sp>
+        </mc:Fallback>
+      </mc:AlternateContent>
+      <mc:AlternateContent xmlns:mc="http://schemas.openxmlformats.org/markup-compatibility/2006" xmlns:a14="http://schemas.microsoft.com/office/drawing/2010/main">
+        <mc:Choice Requires="a14">
+          <p:sp>
+            <p:nvSpPr>
+              <p:cNvPr id="33" name="ZoneTexte 32"/>
+              <p:cNvSpPr txBox="1"/>
+              <p:nvPr/>
+            </p:nvSpPr>
+            <p:spPr>
+              <a:xfrm rot="2700000">
+                <a:off x="2076276" y="2358459"/>
+                <a:ext cx="904991" cy="261610"/>
+              </a:xfrm>
+              <a:prstGeom prst="rect">
+                <a:avLst/>
+              </a:prstGeom>
+              <a:noFill/>
+            </p:spPr>
+            <p:txBody>
+              <a:bodyPr wrap="none" rtlCol="0">
+                <a:spAutoFit/>
+              </a:bodyPr>
+              <a:lstStyle/>
+              <a:p>
+                <a:r>
+                  <a:rPr lang="fr-FR" sz="1100" b="0" dirty="0"/>
+                  <a:t>Pivot </a:t>
+                </a:r>
+                <a14:m>
+                  <m:oMath xmlns:m="http://schemas.openxmlformats.org/officeDocument/2006/math">
+                    <m:d>
+                      <m:dPr>
+                        <m:ctrlPr>
+                          <a:rPr lang="fr-FR" sz="1100" b="0" i="1" smtClean="0">
+                            <a:latin typeface="Cambria Math" panose="02040503050406030204" pitchFamily="18" charset="0"/>
+                          </a:rPr>
+                        </m:ctrlPr>
+                      </m:dPr>
+                      <m:e>
+                        <m:r>
+                          <a:rPr lang="fr-FR" sz="1100" b="0" i="1" smtClean="0">
+                            <a:latin typeface="Cambria Math"/>
+                          </a:rPr>
+                          <m:t>𝑂</m:t>
+                        </m:r>
+                        <m:r>
+                          <a:rPr lang="fr-FR" sz="1100" b="0" i="1" smtClean="0">
+                            <a:latin typeface="Cambria Math"/>
+                          </a:rPr>
+                          <m:t>,</m:t>
+                        </m:r>
+                        <m:acc>
+                          <m:accPr>
+                            <m:chr m:val="⃗"/>
+                            <m:ctrlPr>
+                              <a:rPr lang="fr-FR" sz="1100" b="0" i="1" smtClean="0">
+                                <a:latin typeface="Cambria Math" panose="02040503050406030204" pitchFamily="18" charset="0"/>
+                              </a:rPr>
+                            </m:ctrlPr>
+                          </m:accPr>
+                          <m:e>
+                            <m:sSub>
+                              <m:sSubPr>
+                                <m:ctrlPr>
+                                  <a:rPr lang="fr-FR" sz="1100" b="0" i="1" smtClean="0">
+                                    <a:latin typeface="Cambria Math" panose="02040503050406030204" pitchFamily="18" charset="0"/>
+                                  </a:rPr>
+                                </m:ctrlPr>
+                              </m:sSubPr>
+                              <m:e>
+                                <m:r>
+                                  <a:rPr lang="fr-FR" sz="1100" b="0" i="1" smtClean="0">
+                                    <a:latin typeface="Cambria Math"/>
+                                  </a:rPr>
+                                  <m:t>𝑧</m:t>
+                                </m:r>
+                              </m:e>
+                              <m:sub>
+                                <m:r>
+                                  <a:rPr lang="fr-FR" sz="1100" b="0" i="1" smtClean="0">
+                                    <a:latin typeface="Cambria Math"/>
+                                  </a:rPr>
+                                  <m:t>3</m:t>
+                                </m:r>
+                              </m:sub>
+                            </m:sSub>
+                          </m:e>
+                        </m:acc>
+                      </m:e>
+                    </m:d>
+                  </m:oMath>
+                </a14:m>
+                <a:endParaRPr lang="fr-FR" sz="1100" dirty="0"/>
+              </a:p>
+            </p:txBody>
+          </p:sp>
+        </mc:Choice>
+        <mc:Fallback xmlns="">
+          <p:sp>
+            <p:nvSpPr>
+              <p:cNvPr id="33" name="ZoneTexte 32"/>
+              <p:cNvSpPr txBox="1">
+                <a:spLocks noRot="1" noChangeAspect="1" noMove="1" noResize="1" noEditPoints="1" noAdjustHandles="1" noChangeArrowheads="1" noChangeShapeType="1" noTextEdit="1"/>
+              </p:cNvSpPr>
+              <p:nvPr/>
+            </p:nvSpPr>
+            <p:spPr>
+              <a:xfrm rot="2700000">
+                <a:off x="2076276" y="2358459"/>
+                <a:ext cx="904991" cy="261610"/>
+              </a:xfrm>
+              <a:prstGeom prst="rect">
+                <a:avLst/>
+              </a:prstGeom>
+              <a:blipFill rotWithShape="1">
+                <a:blip r:embed="rId4"/>
+                <a:stretch>
+                  <a:fillRect l="-2941"/>
+                </a:stretch>
+              </a:blipFill>
+            </p:spPr>
+            <p:txBody>
+              <a:bodyPr/>
+              <a:lstStyle/>
+              <a:p>
+                <a:r>
+                  <a:rPr lang="fr-FR">
+                    <a:noFill/>
+                  </a:rPr>
+                  <a:t> </a:t>
+                </a:r>
+              </a:p>
+            </p:txBody>
+          </p:sp>
+        </mc:Fallback>
+      </mc:AlternateContent>
+      <mc:AlternateContent xmlns:mc="http://schemas.openxmlformats.org/markup-compatibility/2006" xmlns:a14="http://schemas.microsoft.com/office/drawing/2010/main">
+        <mc:Choice Requires="a14">
+          <p:sp>
+            <p:nvSpPr>
+              <p:cNvPr id="34" name="ZoneTexte 33"/>
+              <p:cNvSpPr txBox="1"/>
+              <p:nvPr/>
+            </p:nvSpPr>
+            <p:spPr>
+              <a:xfrm rot="2700000">
+                <a:off x="2800789" y="2358459"/>
+                <a:ext cx="950132" cy="261610"/>
+              </a:xfrm>
+              <a:prstGeom prst="rect">
+                <a:avLst/>
+              </a:prstGeom>
+              <a:noFill/>
+            </p:spPr>
+            <p:txBody>
+              <a:bodyPr wrap="none" rtlCol="0">
+                <a:spAutoFit/>
+              </a:bodyPr>
+              <a:lstStyle/>
+              <a:p>
+                <a:r>
+                  <a:rPr lang="fr-FR" sz="1100" b="0" dirty="0"/>
+                  <a:t>Glissière </a:t>
+                </a:r>
+                <a14:m>
+                  <m:oMath xmlns:m="http://schemas.openxmlformats.org/officeDocument/2006/math">
+                    <m:d>
+                      <m:dPr>
+                        <m:ctrlPr>
+                          <a:rPr lang="fr-FR" sz="1100" b="0" i="1" smtClean="0">
+                            <a:latin typeface="Cambria Math" panose="02040503050406030204" pitchFamily="18" charset="0"/>
+                          </a:rPr>
+                        </m:ctrlPr>
+                      </m:dPr>
+                      <m:e>
+                        <m:acc>
+                          <m:accPr>
+                            <m:chr m:val="⃗"/>
+                            <m:ctrlPr>
+                              <a:rPr lang="fr-FR" sz="1100" b="0" i="1" smtClean="0">
+                                <a:latin typeface="Cambria Math" panose="02040503050406030204" pitchFamily="18" charset="0"/>
+                              </a:rPr>
+                            </m:ctrlPr>
+                          </m:accPr>
+                          <m:e>
+                            <m:sSub>
+                              <m:sSubPr>
+                                <m:ctrlPr>
+                                  <a:rPr lang="fr-FR" sz="1100" b="0" i="1" smtClean="0">
+                                    <a:latin typeface="Cambria Math" panose="02040503050406030204" pitchFamily="18" charset="0"/>
+                                  </a:rPr>
+                                </m:ctrlPr>
+                              </m:sSubPr>
+                              <m:e>
+                                <m:r>
+                                  <a:rPr lang="fr-FR" sz="1100" b="0" i="1" smtClean="0">
+                                    <a:latin typeface="Cambria Math"/>
+                                  </a:rPr>
+                                  <m:t>𝑧</m:t>
+                                </m:r>
+                              </m:e>
+                              <m:sub>
+                                <m:r>
+                                  <a:rPr lang="fr-FR" sz="1100" b="0" i="1" smtClean="0">
+                                    <a:latin typeface="Cambria Math"/>
+                                  </a:rPr>
+                                  <m:t>3</m:t>
+                                </m:r>
+                              </m:sub>
+                            </m:sSub>
+                          </m:e>
+                        </m:acc>
+                      </m:e>
+                    </m:d>
+                  </m:oMath>
+                </a14:m>
+                <a:endParaRPr lang="fr-FR" sz="1100" dirty="0"/>
+              </a:p>
+            </p:txBody>
+          </p:sp>
+        </mc:Choice>
+        <mc:Fallback xmlns="">
+          <p:sp>
+            <p:nvSpPr>
+              <p:cNvPr id="34" name="ZoneTexte 33"/>
+              <p:cNvSpPr txBox="1">
+                <a:spLocks noRot="1" noChangeAspect="1" noMove="1" noResize="1" noEditPoints="1" noAdjustHandles="1" noChangeArrowheads="1" noChangeShapeType="1" noTextEdit="1"/>
+              </p:cNvSpPr>
+              <p:nvPr/>
+            </p:nvSpPr>
+            <p:spPr>
+              <a:xfrm rot="2700000">
+                <a:off x="2800789" y="2358459"/>
+                <a:ext cx="950132" cy="261610"/>
+              </a:xfrm>
+              <a:prstGeom prst="rect">
+                <a:avLst/>
+              </a:prstGeom>
+              <a:blipFill rotWithShape="1">
+                <a:blip r:embed="rId5"/>
+                <a:stretch>
+                  <a:fillRect l="-2837"/>
+                </a:stretch>
+              </a:blipFill>
+            </p:spPr>
+            <p:txBody>
+              <a:bodyPr/>
+              <a:lstStyle/>
+              <a:p>
+                <a:r>
+                  <a:rPr lang="fr-FR">
+                    <a:noFill/>
+                  </a:rPr>
+                  <a:t> </a:t>
+                </a:r>
+              </a:p>
+            </p:txBody>
+          </p:sp>
+        </mc:Fallback>
+      </mc:AlternateContent>
+      <p:cxnSp>
+        <p:nvCxnSpPr>
+          <p:cNvPr id="41" name="Connecteur droit 40"/>
+          <p:cNvCxnSpPr/>
+          <p:nvPr/>
+        </p:nvCxnSpPr>
+        <p:spPr>
+          <a:xfrm>
+            <a:off x="152400" y="1957215"/>
+            <a:ext cx="171128" cy="0"/>
+          </a:xfrm>
+          <a:prstGeom prst="line">
+            <a:avLst/>
+          </a:prstGeom>
+          <a:solidFill>
+            <a:schemeClr val="accent6">
+              <a:lumMod val="20000"/>
+              <a:lumOff val="80000"/>
+            </a:schemeClr>
+          </a:solidFill>
+          <a:ln w="19050">
+            <a:solidFill>
+              <a:schemeClr val="accent6">
+                <a:lumMod val="50000"/>
+              </a:schemeClr>
+            </a:solidFill>
+          </a:ln>
+        </p:spPr>
+        <p:style>
+          <a:lnRef idx="2">
+            <a:schemeClr val="accent1">
+              <a:shade val="50000"/>
+            </a:schemeClr>
+          </a:lnRef>
+          <a:fillRef idx="1">
+            <a:schemeClr val="accent1"/>
+          </a:fillRef>
+          <a:effectRef idx="0">
+            <a:schemeClr val="accent1"/>
+          </a:effectRef>
+          <a:fontRef idx="minor">
+            <a:schemeClr val="lt1"/>
+          </a:fontRef>
+        </p:style>
+      </p:cxnSp>
+      <p:cxnSp>
+        <p:nvCxnSpPr>
+          <p:cNvPr id="43" name="Connecteur droit 42"/>
+          <p:cNvCxnSpPr/>
+          <p:nvPr/>
+        </p:nvCxnSpPr>
+        <p:spPr>
+          <a:xfrm flipV="1">
+            <a:off x="152400" y="1813200"/>
+            <a:ext cx="0" cy="288031"/>
+          </a:xfrm>
+          <a:prstGeom prst="line">
+            <a:avLst/>
+          </a:prstGeom>
+          <a:solidFill>
+            <a:schemeClr val="accent6">
+              <a:lumMod val="20000"/>
+              <a:lumOff val="80000"/>
+            </a:schemeClr>
+          </a:solidFill>
+          <a:ln w="19050">
+            <a:solidFill>
+              <a:schemeClr val="accent6">
+                <a:lumMod val="50000"/>
+              </a:schemeClr>
+            </a:solidFill>
+          </a:ln>
+        </p:spPr>
+        <p:style>
+          <a:lnRef idx="2">
+            <a:schemeClr val="accent1">
+              <a:shade val="50000"/>
+            </a:schemeClr>
+          </a:lnRef>
+          <a:fillRef idx="1">
+            <a:schemeClr val="accent1"/>
+          </a:fillRef>
+          <a:effectRef idx="0">
+            <a:schemeClr val="accent1"/>
+          </a:effectRef>
+          <a:fontRef idx="minor">
+            <a:schemeClr val="lt1"/>
+          </a:fontRef>
+        </p:style>
+      </p:cxnSp>
+      <p:cxnSp>
+        <p:nvCxnSpPr>
+          <p:cNvPr id="44" name="Connecteur droit 43"/>
+          <p:cNvCxnSpPr>
+            <a:stCxn id="7" idx="1"/>
+            <a:endCxn id="8" idx="7"/>
+          </p:cNvCxnSpPr>
+          <p:nvPr/>
+        </p:nvCxnSpPr>
+        <p:spPr>
+          <a:xfrm rot="16200000" flipV="1">
+            <a:off x="1943708" y="481051"/>
+            <a:ext cx="12700" cy="2748658"/>
+          </a:xfrm>
+          <a:prstGeom prst="curvedConnector3">
+            <a:avLst>
+              <a:gd name="adj1" fmla="val 2132134"/>
+            </a:avLst>
+          </a:prstGeom>
+          <a:ln w="19050">
+            <a:solidFill>
+              <a:schemeClr val="tx1"/>
+            </a:solidFill>
+            <a:prstDash val="sysDash"/>
+          </a:ln>
+        </p:spPr>
+        <p:style>
+          <a:lnRef idx="1">
+            <a:schemeClr val="accent1"/>
+          </a:lnRef>
+          <a:fillRef idx="0">
+            <a:schemeClr val="accent1"/>
+          </a:fillRef>
+          <a:effectRef idx="0">
+            <a:schemeClr val="accent1"/>
+          </a:effectRef>
+          <a:fontRef idx="minor">
+            <a:schemeClr val="tx1"/>
+          </a:fontRef>
+        </p:style>
+      </p:cxnSp>
+      <p:sp>
+        <p:nvSpPr>
+          <p:cNvPr id="45" name="ZoneTexte 44"/>
+          <p:cNvSpPr txBox="1"/>
+          <p:nvPr/>
+        </p:nvSpPr>
+        <p:spPr>
+          <a:xfrm>
+            <a:off x="1401732" y="1340768"/>
+            <a:ext cx="1083951" cy="261610"/>
+          </a:xfrm>
+          <a:prstGeom prst="rect">
+            <a:avLst/>
+          </a:prstGeom>
+          <a:noFill/>
+        </p:spPr>
+        <p:txBody>
+          <a:bodyPr wrap="none" rtlCol="0">
+            <a:spAutoFit/>
+          </a:bodyPr>
+          <a:lstStyle/>
+          <a:p>
+            <a:r>
+              <a:rPr lang="fr-FR" sz="1100" b="0" dirty="0"/>
+              <a:t>Liaison à définir</a:t>
+            </a:r>
+            <a:endParaRPr lang="fr-FR" sz="1100" dirty="0"/>
+          </a:p>
+        </p:txBody>
+      </p:sp>
+    </p:spTree>
+    <p:extLst>
+      <p:ext uri="{BB962C8B-B14F-4D97-AF65-F5344CB8AC3E}">
+        <p14:creationId xmlns:p14="http://schemas.microsoft.com/office/powerpoint/2010/main" val="1567687556"/>
+      </p:ext>
+    </p:extLst>
+  </p:cSld>
+  <p:clrMapOvr>
+    <a:masterClrMapping/>
+  </p:clrMapOvr>
+</p:sld>
+</file>
+
 <file path=ppt/slides/slide2.xml><?xml version="1.0" encoding="utf-8"?>
+<p:sld xmlns:a="http://schemas.openxmlformats.org/drawingml/2006/main" xmlns:r="http://schemas.openxmlformats.org/officeDocument/2006/relationships" xmlns:p="http://schemas.openxmlformats.org/presentationml/2006/main">
+  <p:cSld>
+    <p:spTree>
+      <p:nvGrpSpPr>
+        <p:cNvPr id="1" name=""/>
+        <p:cNvGrpSpPr/>
+        <p:nvPr/>
+      </p:nvGrpSpPr>
+      <p:grpSpPr>
+        <a:xfrm>
+          <a:off x="0" y="0"/>
+          <a:ext cx="0" cy="0"/>
+          <a:chOff x="0" y="0"/>
+          <a:chExt cx="0" cy="0"/>
+        </a:xfrm>
+      </p:grpSpPr>
+      <p:pic>
+        <p:nvPicPr>
+          <p:cNvPr id="5" name="Image 4">
+            <a:extLst>
+              <a:ext uri="{FF2B5EF4-FFF2-40B4-BE49-F238E27FC236}">
+                <a16:creationId xmlns:a16="http://schemas.microsoft.com/office/drawing/2014/main" id="{84813B19-4F8A-456E-8F94-5AE8FC857658}"/>
+              </a:ext>
+            </a:extLst>
+          </p:cNvPr>
+          <p:cNvPicPr>
+            <a:picLocks noChangeAspect="1"/>
+          </p:cNvPicPr>
+          <p:nvPr/>
+        </p:nvPicPr>
+        <p:blipFill>
+          <a:blip r:embed="rId2">
+            <a:extLst>
+              <a:ext uri="{28A0092B-C50C-407E-A947-70E740481C1C}">
+                <a14:useLocalDpi xmlns:a14="http://schemas.microsoft.com/office/drawing/2010/main" val="0"/>
+              </a:ext>
+            </a:extLst>
+          </a:blip>
+          <a:stretch>
+            <a:fillRect/>
+          </a:stretch>
+        </p:blipFill>
+        <p:spPr>
+          <a:xfrm>
+            <a:off x="755576" y="620688"/>
+            <a:ext cx="7200800" cy="5800123"/>
+          </a:xfrm>
+          <a:prstGeom prst="rect">
+            <a:avLst/>
+          </a:prstGeom>
+        </p:spPr>
+      </p:pic>
+      <p:sp>
+        <p:nvSpPr>
+          <p:cNvPr id="6" name="Rectangle 5">
+            <a:extLst>
+              <a:ext uri="{FF2B5EF4-FFF2-40B4-BE49-F238E27FC236}">
+                <a16:creationId xmlns:a16="http://schemas.microsoft.com/office/drawing/2014/main" id="{A829EA7B-F105-4D9C-B0CE-2020732D7A55}"/>
+              </a:ext>
+            </a:extLst>
+          </p:cNvPr>
+          <p:cNvSpPr/>
+          <p:nvPr/>
+        </p:nvSpPr>
+        <p:spPr>
+          <a:xfrm>
+            <a:off x="4860032" y="692696"/>
+            <a:ext cx="3240360" cy="5256584"/>
+          </a:xfrm>
+          <a:prstGeom prst="rect">
+            <a:avLst/>
+          </a:prstGeom>
+          <a:solidFill>
+            <a:schemeClr val="accent1">
+              <a:lumMod val="20000"/>
+              <a:lumOff val="80000"/>
+              <a:alpha val="77000"/>
+            </a:schemeClr>
+          </a:solidFill>
+          <a:ln>
+            <a:noFill/>
+          </a:ln>
+        </p:spPr>
+        <p:style>
+          <a:lnRef idx="2">
+            <a:schemeClr val="accent1">
+              <a:shade val="50000"/>
+            </a:schemeClr>
+          </a:lnRef>
+          <a:fillRef idx="1">
+            <a:schemeClr val="accent1"/>
+          </a:fillRef>
+          <a:effectRef idx="0">
+            <a:schemeClr val="accent1"/>
+          </a:effectRef>
+          <a:fontRef idx="minor">
+            <a:schemeClr val="lt1"/>
+          </a:fontRef>
+        </p:style>
+        <p:txBody>
+          <a:bodyPr rtlCol="0" anchor="ctr"/>
+          <a:lstStyle/>
+          <a:p>
+            <a:pPr algn="ctr"/>
+            <a:endParaRPr lang="fr-FR"/>
+          </a:p>
+        </p:txBody>
+      </p:sp>
+      <mc:AlternateContent xmlns:mc="http://schemas.openxmlformats.org/markup-compatibility/2006">
+        <mc:Choice xmlns:a14="http://schemas.microsoft.com/office/drawing/2010/main" Requires="a14">
+          <p:sp>
+            <p:nvSpPr>
+              <p:cNvPr id="7" name="ZoneTexte 6">
+                <a:extLst>
+                  <a:ext uri="{FF2B5EF4-FFF2-40B4-BE49-F238E27FC236}">
+                    <a16:creationId xmlns:a16="http://schemas.microsoft.com/office/drawing/2014/main" id="{24CD573B-8AA1-4236-8A64-8ABEEC92E606}"/>
+                  </a:ext>
+                </a:extLst>
+              </p:cNvPr>
+              <p:cNvSpPr txBox="1"/>
+              <p:nvPr/>
+            </p:nvSpPr>
+            <p:spPr>
+              <a:xfrm>
+                <a:off x="4405680" y="6086553"/>
+                <a:ext cx="402674" cy="668516"/>
+              </a:xfrm>
+              <a:prstGeom prst="rect">
+                <a:avLst/>
+              </a:prstGeom>
+              <a:solidFill>
+                <a:schemeClr val="bg1"/>
+              </a:solidFill>
+            </p:spPr>
+            <p:txBody>
+              <a:bodyPr wrap="none" rtlCol="0">
+                <a:spAutoFit/>
+              </a:bodyPr>
+              <a:lstStyle/>
+              <a:p>
+                <a:pPr/>
+                <a14:m>
+                  <m:oMathPara xmlns:m="http://schemas.openxmlformats.org/officeDocument/2006/math">
+                    <m:oMathParaPr>
+                      <m:jc m:val="centerGroup"/>
+                    </m:oMathParaPr>
+                    <m:oMath xmlns:m="http://schemas.openxmlformats.org/officeDocument/2006/math">
+                      <m:f>
+                        <m:fPr>
+                          <m:ctrlPr>
+                            <a:rPr lang="fr-FR" sz="2000" b="1" i="1" smtClean="0">
+                              <a:latin typeface="Cambria Math" panose="02040503050406030204" pitchFamily="18" charset="0"/>
+                            </a:rPr>
+                          </m:ctrlPr>
+                        </m:fPr>
+                        <m:num>
+                          <m:r>
+                            <a:rPr lang="fr-FR" sz="2000" b="1" i="1" smtClean="0">
+                              <a:latin typeface="Cambria Math" panose="02040503050406030204" pitchFamily="18" charset="0"/>
+                            </a:rPr>
+                            <m:t>𝟏</m:t>
+                          </m:r>
+                        </m:num>
+                        <m:den>
+                          <m:r>
+                            <a:rPr lang="fr-FR" sz="2000" b="1" i="1" smtClean="0">
+                              <a:latin typeface="Cambria Math" panose="02040503050406030204" pitchFamily="18" charset="0"/>
+                            </a:rPr>
+                            <m:t>𝑻</m:t>
+                          </m:r>
+                        </m:den>
+                      </m:f>
+                    </m:oMath>
+                  </m:oMathPara>
+                </a14:m>
+                <a:endParaRPr lang="fr-FR" sz="2000" b="1" dirty="0"/>
+              </a:p>
+            </p:txBody>
+          </p:sp>
+        </mc:Choice>
+        <mc:Fallback>
+          <p:sp>
+            <p:nvSpPr>
+              <p:cNvPr id="7" name="ZoneTexte 6">
+                <a:extLst>
+                  <a:ext uri="{FF2B5EF4-FFF2-40B4-BE49-F238E27FC236}">
+                    <a16:creationId xmlns:a16="http://schemas.microsoft.com/office/drawing/2014/main" id="{24CD573B-8AA1-4236-8A64-8ABEEC92E606}"/>
+                  </a:ext>
+                </a:extLst>
+              </p:cNvPr>
+              <p:cNvSpPr txBox="1">
+                <a:spLocks noRot="1" noChangeAspect="1" noMove="1" noResize="1" noEditPoints="1" noAdjustHandles="1" noChangeArrowheads="1" noChangeShapeType="1" noTextEdit="1"/>
+              </p:cNvSpPr>
+              <p:nvPr/>
+            </p:nvSpPr>
+            <p:spPr>
+              <a:xfrm>
+                <a:off x="4405680" y="6086553"/>
+                <a:ext cx="402674" cy="668516"/>
+              </a:xfrm>
+              <a:prstGeom prst="rect">
+                <a:avLst/>
+              </a:prstGeom>
+              <a:blipFill>
+                <a:blip r:embed="rId3"/>
+                <a:stretch>
+                  <a:fillRect/>
+                </a:stretch>
+              </a:blipFill>
+            </p:spPr>
+            <p:txBody>
+              <a:bodyPr/>
+              <a:lstStyle/>
+              <a:p>
+                <a:r>
+                  <a:rPr lang="fr-FR">
+                    <a:noFill/>
+                  </a:rPr>
+                  <a:t> </a:t>
+                </a:r>
+              </a:p>
+            </p:txBody>
+          </p:sp>
+        </mc:Fallback>
+      </mc:AlternateContent>
+      <p:cxnSp>
+        <p:nvCxnSpPr>
+          <p:cNvPr id="9" name="Connecteur droit 8">
+            <a:extLst>
+              <a:ext uri="{FF2B5EF4-FFF2-40B4-BE49-F238E27FC236}">
+                <a16:creationId xmlns:a16="http://schemas.microsoft.com/office/drawing/2014/main" id="{FE385DC6-58E3-4371-A2E2-71F69521D8D0}"/>
+              </a:ext>
+            </a:extLst>
+          </p:cNvPr>
+          <p:cNvCxnSpPr/>
+          <p:nvPr/>
+        </p:nvCxnSpPr>
+        <p:spPr>
+          <a:xfrm flipV="1">
+            <a:off x="4607017" y="692696"/>
+            <a:ext cx="0" cy="5112568"/>
+          </a:xfrm>
+          <a:prstGeom prst="line">
+            <a:avLst/>
+          </a:prstGeom>
+          <a:ln w="38100">
+            <a:solidFill>
+              <a:srgbClr val="C00000"/>
+            </a:solidFill>
+          </a:ln>
+        </p:spPr>
+        <p:style>
+          <a:lnRef idx="1">
+            <a:schemeClr val="accent1"/>
+          </a:lnRef>
+          <a:fillRef idx="0">
+            <a:schemeClr val="accent1"/>
+          </a:fillRef>
+          <a:effectRef idx="0">
+            <a:schemeClr val="accent1"/>
+          </a:effectRef>
+          <a:fontRef idx="minor">
+            <a:schemeClr val="tx1"/>
+          </a:fontRef>
+        </p:style>
+      </p:cxnSp>
+    </p:spTree>
+    <p:extLst>
+      <p:ext uri="{BB962C8B-B14F-4D97-AF65-F5344CB8AC3E}">
+        <p14:creationId xmlns:p14="http://schemas.microsoft.com/office/powerpoint/2010/main" val="2830528636"/>
+      </p:ext>
+    </p:extLst>
+  </p:cSld>
+  <p:clrMapOvr>
+    <a:masterClrMapping/>
+  </p:clrMapOvr>
+</p:sld>
+</file>
+
+<file path=ppt/slides/slide3.xml><?xml version="1.0" encoding="utf-8"?>
+<p:sld xmlns:a="http://schemas.openxmlformats.org/drawingml/2006/main" xmlns:r="http://schemas.openxmlformats.org/officeDocument/2006/relationships" xmlns:p="http://schemas.openxmlformats.org/presentationml/2006/main">
+  <p:cSld>
+    <p:spTree>
+      <p:nvGrpSpPr>
+        <p:cNvPr id="1" name=""/>
+        <p:cNvGrpSpPr/>
+        <p:nvPr/>
+      </p:nvGrpSpPr>
+      <p:grpSpPr>
+        <a:xfrm>
+          <a:off x="0" y="0"/>
+          <a:ext cx="0" cy="0"/>
+          <a:chOff x="0" y="0"/>
+          <a:chExt cx="0" cy="0"/>
+        </a:xfrm>
+      </p:grpSpPr>
+      <p:pic>
+        <p:nvPicPr>
+          <p:cNvPr id="5" name="Image 4">
+            <a:extLst>
+              <a:ext uri="{FF2B5EF4-FFF2-40B4-BE49-F238E27FC236}">
+                <a16:creationId xmlns:a16="http://schemas.microsoft.com/office/drawing/2014/main" id="{84813B19-4F8A-456E-8F94-5AE8FC857658}"/>
+              </a:ext>
+            </a:extLst>
+          </p:cNvPr>
+          <p:cNvPicPr>
+            <a:picLocks noChangeAspect="1"/>
+          </p:cNvPicPr>
+          <p:nvPr/>
+        </p:nvPicPr>
+        <p:blipFill>
+          <a:blip r:embed="rId2">
+            <a:extLst>
+              <a:ext uri="{28A0092B-C50C-407E-A947-70E740481C1C}">
+                <a14:useLocalDpi xmlns:a14="http://schemas.microsoft.com/office/drawing/2010/main" val="0"/>
+              </a:ext>
+            </a:extLst>
+          </a:blip>
+          <a:stretch>
+            <a:fillRect/>
+          </a:stretch>
+        </p:blipFill>
+        <p:spPr>
+          <a:xfrm>
+            <a:off x="755576" y="620688"/>
+            <a:ext cx="7200800" cy="5800123"/>
+          </a:xfrm>
+          <a:prstGeom prst="rect">
+            <a:avLst/>
+          </a:prstGeom>
+        </p:spPr>
+      </p:pic>
+      <p:sp>
+        <p:nvSpPr>
+          <p:cNvPr id="6" name="Rectangle 5">
+            <a:extLst>
+              <a:ext uri="{FF2B5EF4-FFF2-40B4-BE49-F238E27FC236}">
+                <a16:creationId xmlns:a16="http://schemas.microsoft.com/office/drawing/2014/main" id="{A829EA7B-F105-4D9C-B0CE-2020732D7A55}"/>
+              </a:ext>
+            </a:extLst>
+          </p:cNvPr>
+          <p:cNvSpPr/>
+          <p:nvPr/>
+        </p:nvSpPr>
+        <p:spPr>
+          <a:xfrm>
+            <a:off x="4860032" y="692696"/>
+            <a:ext cx="3240360" cy="5256584"/>
+          </a:xfrm>
+          <a:prstGeom prst="rect">
+            <a:avLst/>
+          </a:prstGeom>
+          <a:solidFill>
+            <a:schemeClr val="accent1">
+              <a:lumMod val="20000"/>
+              <a:lumOff val="80000"/>
+              <a:alpha val="77000"/>
+            </a:schemeClr>
+          </a:solidFill>
+          <a:ln>
+            <a:noFill/>
+          </a:ln>
+        </p:spPr>
+        <p:style>
+          <a:lnRef idx="2">
+            <a:schemeClr val="accent1">
+              <a:shade val="50000"/>
+            </a:schemeClr>
+          </a:lnRef>
+          <a:fillRef idx="1">
+            <a:schemeClr val="accent1"/>
+          </a:fillRef>
+          <a:effectRef idx="0">
+            <a:schemeClr val="accent1"/>
+          </a:effectRef>
+          <a:fontRef idx="minor">
+            <a:schemeClr val="lt1"/>
+          </a:fontRef>
+        </p:style>
+        <p:txBody>
+          <a:bodyPr rtlCol="0" anchor="ctr"/>
+          <a:lstStyle/>
+          <a:p>
+            <a:pPr algn="ctr"/>
+            <a:endParaRPr lang="fr-FR"/>
+          </a:p>
+        </p:txBody>
+      </p:sp>
+      <mc:AlternateContent xmlns:mc="http://schemas.openxmlformats.org/markup-compatibility/2006">
+        <mc:Choice xmlns:a14="http://schemas.microsoft.com/office/drawing/2010/main" Requires="a14">
+          <p:sp>
+            <p:nvSpPr>
+              <p:cNvPr id="7" name="ZoneTexte 6">
+                <a:extLst>
+                  <a:ext uri="{FF2B5EF4-FFF2-40B4-BE49-F238E27FC236}">
+                    <a16:creationId xmlns:a16="http://schemas.microsoft.com/office/drawing/2014/main" id="{24CD573B-8AA1-4236-8A64-8ABEEC92E606}"/>
+                  </a:ext>
+                </a:extLst>
+              </p:cNvPr>
+              <p:cNvSpPr txBox="1"/>
+              <p:nvPr/>
+            </p:nvSpPr>
+            <p:spPr>
+              <a:xfrm>
+                <a:off x="4405680" y="6086553"/>
+                <a:ext cx="402674" cy="668516"/>
+              </a:xfrm>
+              <a:prstGeom prst="rect">
+                <a:avLst/>
+              </a:prstGeom>
+              <a:solidFill>
+                <a:schemeClr val="bg1"/>
+              </a:solidFill>
+            </p:spPr>
+            <p:txBody>
+              <a:bodyPr wrap="none" rtlCol="0">
+                <a:spAutoFit/>
+              </a:bodyPr>
+              <a:lstStyle/>
+              <a:p>
+                <a:pPr/>
+                <a14:m>
+                  <m:oMathPara xmlns:m="http://schemas.openxmlformats.org/officeDocument/2006/math">
+                    <m:oMathParaPr>
+                      <m:jc m:val="centerGroup"/>
+                    </m:oMathParaPr>
+                    <m:oMath xmlns:m="http://schemas.openxmlformats.org/officeDocument/2006/math">
+                      <m:f>
+                        <m:fPr>
+                          <m:ctrlPr>
+                            <a:rPr lang="fr-FR" sz="2000" b="1" i="1" smtClean="0">
+                              <a:latin typeface="Cambria Math" panose="02040503050406030204" pitchFamily="18" charset="0"/>
+                            </a:rPr>
+                          </m:ctrlPr>
+                        </m:fPr>
+                        <m:num>
+                          <m:r>
+                            <a:rPr lang="fr-FR" sz="2000" b="1" i="1" smtClean="0">
+                              <a:latin typeface="Cambria Math" panose="02040503050406030204" pitchFamily="18" charset="0"/>
+                            </a:rPr>
+                            <m:t>𝟏</m:t>
+                          </m:r>
+                        </m:num>
+                        <m:den>
+                          <m:r>
+                            <a:rPr lang="fr-FR" sz="2000" b="1" i="1" smtClean="0">
+                              <a:latin typeface="Cambria Math" panose="02040503050406030204" pitchFamily="18" charset="0"/>
+                            </a:rPr>
+                            <m:t>𝑻</m:t>
+                          </m:r>
+                        </m:den>
+                      </m:f>
+                    </m:oMath>
+                  </m:oMathPara>
+                </a14:m>
+                <a:endParaRPr lang="fr-FR" sz="2000" b="1" dirty="0"/>
+              </a:p>
+            </p:txBody>
+          </p:sp>
+        </mc:Choice>
+        <mc:Fallback>
+          <p:sp>
+            <p:nvSpPr>
+              <p:cNvPr id="7" name="ZoneTexte 6">
+                <a:extLst>
+                  <a:ext uri="{FF2B5EF4-FFF2-40B4-BE49-F238E27FC236}">
+                    <a16:creationId xmlns:a16="http://schemas.microsoft.com/office/drawing/2014/main" id="{24CD573B-8AA1-4236-8A64-8ABEEC92E606}"/>
+                  </a:ext>
+                </a:extLst>
+              </p:cNvPr>
+              <p:cNvSpPr txBox="1">
+                <a:spLocks noRot="1" noChangeAspect="1" noMove="1" noResize="1" noEditPoints="1" noAdjustHandles="1" noChangeArrowheads="1" noChangeShapeType="1" noTextEdit="1"/>
+              </p:cNvSpPr>
+              <p:nvPr/>
+            </p:nvSpPr>
+            <p:spPr>
+              <a:xfrm>
+                <a:off x="4405680" y="6086553"/>
+                <a:ext cx="402674" cy="668516"/>
+              </a:xfrm>
+              <a:prstGeom prst="rect">
+                <a:avLst/>
+              </a:prstGeom>
+              <a:blipFill>
+                <a:blip r:embed="rId3"/>
+                <a:stretch>
+                  <a:fillRect/>
+                </a:stretch>
+              </a:blipFill>
+            </p:spPr>
+            <p:txBody>
+              <a:bodyPr/>
+              <a:lstStyle/>
+              <a:p>
+                <a:r>
+                  <a:rPr lang="fr-FR">
+                    <a:noFill/>
+                  </a:rPr>
+                  <a:t> </a:t>
+                </a:r>
+              </a:p>
+            </p:txBody>
+          </p:sp>
+        </mc:Fallback>
+      </mc:AlternateContent>
+      <p:cxnSp>
+        <p:nvCxnSpPr>
+          <p:cNvPr id="9" name="Connecteur droit 8">
+            <a:extLst>
+              <a:ext uri="{FF2B5EF4-FFF2-40B4-BE49-F238E27FC236}">
+                <a16:creationId xmlns:a16="http://schemas.microsoft.com/office/drawing/2014/main" id="{FE385DC6-58E3-4371-A2E2-71F69521D8D0}"/>
+              </a:ext>
+            </a:extLst>
+          </p:cNvPr>
+          <p:cNvCxnSpPr>
+            <a:cxnSpLocks/>
+          </p:cNvCxnSpPr>
+          <p:nvPr/>
+        </p:nvCxnSpPr>
+        <p:spPr>
+          <a:xfrm flipV="1">
+            <a:off x="-1692696" y="692696"/>
+            <a:ext cx="6336704" cy="3942838"/>
+          </a:xfrm>
+          <a:prstGeom prst="line">
+            <a:avLst/>
+          </a:prstGeom>
+          <a:ln w="38100">
+            <a:solidFill>
+              <a:srgbClr val="C00000"/>
+            </a:solidFill>
+          </a:ln>
+        </p:spPr>
+        <p:style>
+          <a:lnRef idx="1">
+            <a:schemeClr val="accent1"/>
+          </a:lnRef>
+          <a:fillRef idx="0">
+            <a:schemeClr val="accent1"/>
+          </a:fillRef>
+          <a:effectRef idx="0">
+            <a:schemeClr val="accent1"/>
+          </a:effectRef>
+          <a:fontRef idx="minor">
+            <a:schemeClr val="tx1"/>
+          </a:fontRef>
+        </p:style>
+      </p:cxnSp>
+    </p:spTree>
+    <p:extLst>
+      <p:ext uri="{BB962C8B-B14F-4D97-AF65-F5344CB8AC3E}">
+        <p14:creationId xmlns:p14="http://schemas.microsoft.com/office/powerpoint/2010/main" val="1292905518"/>
+      </p:ext>
+    </p:extLst>
+  </p:cSld>
+  <p:clrMapOvr>
+    <a:masterClrMapping/>
+  </p:clrMapOvr>
+</p:sld>
+</file>
+
+<file path=ppt/slides/slide4.xml><?xml version="1.0" encoding="utf-8"?>
 <p:sld xmlns:a="http://schemas.openxmlformats.org/drawingml/2006/main" xmlns:r="http://schemas.openxmlformats.org/officeDocument/2006/relationships" xmlns:p="http://schemas.openxmlformats.org/presentationml/2006/main">
   <p:cSld>
     <p:spTree>
@@ -6958,7 +10229,7 @@
 </p:sld>
 </file>
 
-<file path=ppt/slides/slide3.xml><?xml version="1.0" encoding="utf-8"?>
+<file path=ppt/slides/slide5.xml><?xml version="1.0" encoding="utf-8"?>
 <p:sld xmlns:a="http://schemas.openxmlformats.org/drawingml/2006/main" xmlns:r="http://schemas.openxmlformats.org/officeDocument/2006/relationships" xmlns:p="http://schemas.openxmlformats.org/presentationml/2006/main">
   <p:cSld>
     <p:spTree>
@@ -7763,7 +11034,7 @@
 </p:sld>
 </file>
 
-<file path=ppt/slides/slide4.xml><?xml version="1.0" encoding="utf-8"?>
+<file path=ppt/slides/slide6.xml><?xml version="1.0" encoding="utf-8"?>
 <p:sld xmlns:a="http://schemas.openxmlformats.org/drawingml/2006/main" xmlns:r="http://schemas.openxmlformats.org/officeDocument/2006/relationships" xmlns:p="http://schemas.openxmlformats.org/presentationml/2006/main">
   <p:cSld>
     <p:spTree>
@@ -8406,7 +11677,7 @@
 </p:sld>
 </file>
 
-<file path=ppt/slides/slide5.xml><?xml version="1.0" encoding="utf-8"?>
+<file path=ppt/slides/slide7.xml><?xml version="1.0" encoding="utf-8"?>
 <p:sld xmlns:a="http://schemas.openxmlformats.org/drawingml/2006/main" xmlns:r="http://schemas.openxmlformats.org/officeDocument/2006/relationships" xmlns:p="http://schemas.openxmlformats.org/presentationml/2006/main">
   <p:cSld>
     <p:spTree>
@@ -9274,7 +12545,7 @@
 </p:sld>
 </file>
 
-<file path=ppt/slides/slide6.xml><?xml version="1.0" encoding="utf-8"?>
+<file path=ppt/slides/slide8.xml><?xml version="1.0" encoding="utf-8"?>
 <p:sld xmlns:a="http://schemas.openxmlformats.org/drawingml/2006/main" xmlns:r="http://schemas.openxmlformats.org/officeDocument/2006/relationships" xmlns:p="http://schemas.openxmlformats.org/presentationml/2006/main">
   <p:cSld>
     <p:spTree>
@@ -11819,7 +15090,7 @@
 </p:sld>
 </file>
 
-<file path=ppt/slides/slide7.xml><?xml version="1.0" encoding="utf-8"?>
+<file path=ppt/slides/slide9.xml><?xml version="1.0" encoding="utf-8"?>
 <p:sld xmlns:a="http://schemas.openxmlformats.org/drawingml/2006/main" xmlns:r="http://schemas.openxmlformats.org/officeDocument/2006/relationships" xmlns:p="http://schemas.openxmlformats.org/presentationml/2006/main">
   <p:cSld>
     <p:spTree>
@@ -12717,2713 +15988,6 @@
 </p:sld>
 </file>
 
-<file path=ppt/slides/slide8.xml><?xml version="1.0" encoding="utf-8"?>
-<p:sld xmlns:a="http://schemas.openxmlformats.org/drawingml/2006/main" xmlns:r="http://schemas.openxmlformats.org/officeDocument/2006/relationships" xmlns:p="http://schemas.openxmlformats.org/presentationml/2006/main">
-  <p:cSld>
-    <p:spTree>
-      <p:nvGrpSpPr>
-        <p:cNvPr id="1" name=""/>
-        <p:cNvGrpSpPr/>
-        <p:nvPr/>
-      </p:nvGrpSpPr>
-      <p:grpSpPr>
-        <a:xfrm>
-          <a:off x="0" y="0"/>
-          <a:ext cx="0" cy="0"/>
-          <a:chOff x="0" y="0"/>
-          <a:chExt cx="0" cy="0"/>
-        </a:xfrm>
-      </p:grpSpPr>
-      <p:sp>
-        <p:nvSpPr>
-          <p:cNvPr id="4" name="Ellipse 3"/>
-          <p:cNvSpPr/>
-          <p:nvPr/>
-        </p:nvSpPr>
-        <p:spPr>
-          <a:xfrm>
-            <a:off x="1691680" y="2409245"/>
-            <a:ext cx="288032" cy="288032"/>
-          </a:xfrm>
-          <a:prstGeom prst="ellipse">
-            <a:avLst/>
-          </a:prstGeom>
-          <a:solidFill>
-            <a:schemeClr val="accent4">
-              <a:lumMod val="20000"/>
-              <a:lumOff val="80000"/>
-            </a:schemeClr>
-          </a:solidFill>
-          <a:ln w="19050">
-            <a:solidFill>
-              <a:schemeClr val="accent4"/>
-            </a:solidFill>
-          </a:ln>
-        </p:spPr>
-        <p:style>
-          <a:lnRef idx="2">
-            <a:schemeClr val="accent1">
-              <a:shade val="50000"/>
-            </a:schemeClr>
-          </a:lnRef>
-          <a:fillRef idx="1">
-            <a:schemeClr val="accent1"/>
-          </a:fillRef>
-          <a:effectRef idx="0">
-            <a:schemeClr val="accent1"/>
-          </a:effectRef>
-          <a:fontRef idx="minor">
-            <a:schemeClr val="lt1"/>
-          </a:fontRef>
-        </p:style>
-        <p:txBody>
-          <a:bodyPr lIns="0" tIns="0" rIns="0" bIns="0" rtlCol="0" anchor="ctr"/>
-          <a:lstStyle/>
-          <a:p>
-            <a:pPr algn="ctr"/>
-            <a:r>
-              <a:rPr lang="fr-FR" sz="1400" b="1" dirty="0">
-                <a:solidFill>
-                  <a:schemeClr val="accent4"/>
-                </a:solidFill>
-              </a:rPr>
-              <a:t>1</a:t>
-            </a:r>
-            <a:r>
-              <a:rPr lang="fr-FR" sz="1400" b="1" baseline="-25000" dirty="0">
-                <a:solidFill>
-                  <a:schemeClr val="accent4"/>
-                </a:solidFill>
-              </a:rPr>
-              <a:t>c</a:t>
-            </a:r>
-          </a:p>
-        </p:txBody>
-      </p:sp>
-      <p:sp>
-        <p:nvSpPr>
-          <p:cNvPr id="8" name="Ellipse 7"/>
-          <p:cNvSpPr/>
-          <p:nvPr/>
-        </p:nvSpPr>
-        <p:spPr>
-          <a:xfrm>
-            <a:off x="323528" y="1813199"/>
-            <a:ext cx="288032" cy="288032"/>
-          </a:xfrm>
-          <a:prstGeom prst="ellipse">
-            <a:avLst/>
-          </a:prstGeom>
-          <a:solidFill>
-            <a:schemeClr val="accent6">
-              <a:lumMod val="20000"/>
-              <a:lumOff val="80000"/>
-            </a:schemeClr>
-          </a:solidFill>
-          <a:ln w="19050">
-            <a:solidFill>
-              <a:schemeClr val="accent6">
-                <a:lumMod val="50000"/>
-              </a:schemeClr>
-            </a:solidFill>
-          </a:ln>
-        </p:spPr>
-        <p:style>
-          <a:lnRef idx="2">
-            <a:schemeClr val="accent1">
-              <a:shade val="50000"/>
-            </a:schemeClr>
-          </a:lnRef>
-          <a:fillRef idx="1">
-            <a:schemeClr val="accent1"/>
-          </a:fillRef>
-          <a:effectRef idx="0">
-            <a:schemeClr val="accent1"/>
-          </a:effectRef>
-          <a:fontRef idx="minor">
-            <a:schemeClr val="lt1"/>
-          </a:fontRef>
-        </p:style>
-        <p:txBody>
-          <a:bodyPr rtlCol="0" anchor="ctr"/>
-          <a:lstStyle/>
-          <a:p>
-            <a:pPr algn="ctr"/>
-            <a:r>
-              <a:rPr lang="fr-FR" sz="1400" b="1" dirty="0">
-                <a:solidFill>
-                  <a:schemeClr val="accent6">
-                    <a:lumMod val="50000"/>
-                  </a:schemeClr>
-                </a:solidFill>
-              </a:rPr>
-              <a:t>0</a:t>
-            </a:r>
-          </a:p>
-        </p:txBody>
-      </p:sp>
-      <p:cxnSp>
-        <p:nvCxnSpPr>
-          <p:cNvPr id="10" name="Connecteur droit 9"/>
-          <p:cNvCxnSpPr>
-            <a:stCxn id="8" idx="5"/>
-            <a:endCxn id="4" idx="2"/>
-          </p:cNvCxnSpPr>
-          <p:nvPr/>
-        </p:nvCxnSpPr>
-        <p:spPr>
-          <a:xfrm>
-            <a:off x="569379" y="2059050"/>
-            <a:ext cx="1122301" cy="494211"/>
-          </a:xfrm>
-          <a:prstGeom prst="line">
-            <a:avLst/>
-          </a:prstGeom>
-          <a:ln w="19050">
-            <a:solidFill>
-              <a:schemeClr val="tx1"/>
-            </a:solidFill>
-          </a:ln>
-        </p:spPr>
-        <p:style>
-          <a:lnRef idx="1">
-            <a:schemeClr val="accent1"/>
-          </a:lnRef>
-          <a:fillRef idx="0">
-            <a:schemeClr val="accent1"/>
-          </a:fillRef>
-          <a:effectRef idx="0">
-            <a:schemeClr val="accent1"/>
-          </a:effectRef>
-          <a:fontRef idx="minor">
-            <a:schemeClr val="tx1"/>
-          </a:fontRef>
-        </p:style>
-      </p:cxnSp>
-      <mc:AlternateContent xmlns:mc="http://schemas.openxmlformats.org/markup-compatibility/2006" xmlns:a14="http://schemas.microsoft.com/office/drawing/2010/main">
-        <mc:Choice Requires="a14">
-          <p:sp>
-            <p:nvSpPr>
-              <p:cNvPr id="31" name="ZoneTexte 30"/>
-              <p:cNvSpPr txBox="1"/>
-              <p:nvPr/>
-            </p:nvSpPr>
-            <p:spPr>
-              <a:xfrm rot="20294915">
-                <a:off x="701499" y="1429981"/>
-                <a:ext cx="777842" cy="246221"/>
-              </a:xfrm>
-              <a:prstGeom prst="rect">
-                <a:avLst/>
-              </a:prstGeom>
-              <a:noFill/>
-            </p:spPr>
-            <p:txBody>
-              <a:bodyPr wrap="none" rtlCol="0">
-                <a:spAutoFit/>
-              </a:bodyPr>
-              <a:lstStyle/>
-              <a:p>
-                <a:r>
-                  <a:rPr lang="fr-FR" sz="1000" b="0" dirty="0"/>
-                  <a:t>Pivot </a:t>
-                </a:r>
-                <a14:m>
-                  <m:oMath xmlns:m="http://schemas.openxmlformats.org/officeDocument/2006/math">
-                    <m:d>
-                      <m:dPr>
-                        <m:ctrlPr>
-                          <a:rPr lang="fr-FR" sz="1000" b="0" i="1" smtClean="0">
-                            <a:latin typeface="Cambria Math" panose="02040503050406030204" pitchFamily="18" charset="0"/>
-                          </a:rPr>
-                        </m:ctrlPr>
-                      </m:dPr>
-                      <m:e>
-                        <m:r>
-                          <a:rPr lang="fr-FR" sz="1000" b="0" i="1" smtClean="0">
-                            <a:latin typeface="Cambria Math"/>
-                          </a:rPr>
-                          <m:t>𝑃</m:t>
-                        </m:r>
-                        <m:r>
-                          <a:rPr lang="fr-FR" sz="1000" b="0" i="1" smtClean="0">
-                            <a:latin typeface="Cambria Math"/>
-                          </a:rPr>
-                          <m:t>,</m:t>
-                        </m:r>
-                        <m:acc>
-                          <m:accPr>
-                            <m:chr m:val="⃗"/>
-                            <m:ctrlPr>
-                              <a:rPr lang="fr-FR" sz="1000" b="0" i="1" smtClean="0">
-                                <a:latin typeface="Cambria Math" panose="02040503050406030204" pitchFamily="18" charset="0"/>
-                              </a:rPr>
-                            </m:ctrlPr>
-                          </m:accPr>
-                          <m:e>
-                            <m:r>
-                              <a:rPr lang="fr-FR" sz="1000" b="0" i="1" smtClean="0">
-                                <a:latin typeface="Cambria Math"/>
-                              </a:rPr>
-                              <m:t>𝑧</m:t>
-                            </m:r>
-                          </m:e>
-                        </m:acc>
-                      </m:e>
-                    </m:d>
-                  </m:oMath>
-                </a14:m>
-                <a:endParaRPr lang="fr-FR" sz="1000" dirty="0"/>
-              </a:p>
-            </p:txBody>
-          </p:sp>
-        </mc:Choice>
-        <mc:Fallback xmlns="">
-          <p:sp>
-            <p:nvSpPr>
-              <p:cNvPr id="31" name="ZoneTexte 30"/>
-              <p:cNvSpPr txBox="1">
-                <a:spLocks noRot="1" noChangeAspect="1" noMove="1" noResize="1" noEditPoints="1" noAdjustHandles="1" noChangeArrowheads="1" noChangeShapeType="1" noTextEdit="1"/>
-              </p:cNvSpPr>
-              <p:nvPr/>
-            </p:nvSpPr>
-            <p:spPr>
-              <a:xfrm rot="20294915">
-                <a:off x="701499" y="1429981"/>
-                <a:ext cx="777842" cy="246221"/>
-              </a:xfrm>
-              <a:prstGeom prst="rect">
-                <a:avLst/>
-              </a:prstGeom>
-              <a:blipFill rotWithShape="1">
-                <a:blip r:embed="rId2"/>
-                <a:stretch>
-                  <a:fillRect t="-5814" r="-5224" b="-3488"/>
-                </a:stretch>
-              </a:blipFill>
-            </p:spPr>
-            <p:txBody>
-              <a:bodyPr/>
-              <a:lstStyle/>
-              <a:p>
-                <a:r>
-                  <a:rPr lang="fr-FR">
-                    <a:noFill/>
-                  </a:rPr>
-                  <a:t> </a:t>
-                </a:r>
-              </a:p>
-            </p:txBody>
-          </p:sp>
-        </mc:Fallback>
-      </mc:AlternateContent>
-      <mc:AlternateContent xmlns:mc="http://schemas.openxmlformats.org/markup-compatibility/2006" xmlns:a14="http://schemas.microsoft.com/office/drawing/2010/main">
-        <mc:Choice Requires="a14">
-          <p:sp>
-            <p:nvSpPr>
-              <p:cNvPr id="37" name="Rectangle 36"/>
-              <p:cNvSpPr/>
-              <p:nvPr/>
-            </p:nvSpPr>
-            <p:spPr>
-              <a:xfrm rot="20302500">
-                <a:off x="884171" y="1583938"/>
-                <a:ext cx="548548" cy="246221"/>
-              </a:xfrm>
-              <a:prstGeom prst="rect">
-                <a:avLst/>
-              </a:prstGeom>
-            </p:spPr>
-            <p:txBody>
-              <a:bodyPr wrap="none">
-                <a:spAutoFit/>
-              </a:bodyPr>
-              <a:lstStyle/>
-              <a:p>
-                <a:pPr/>
-                <a14:m>
-                  <m:oMathPara xmlns:m="http://schemas.openxmlformats.org/officeDocument/2006/math">
-                    <m:oMathParaPr>
-                      <m:jc m:val="centerGroup"/>
-                    </m:oMathParaPr>
-                    <m:oMath xmlns:m="http://schemas.openxmlformats.org/officeDocument/2006/math">
-                      <m:sSub>
-                        <m:sSubPr>
-                          <m:ctrlPr>
-                            <a:rPr lang="fr-FR" sz="1000" i="1" smtClean="0">
-                              <a:latin typeface="Cambria Math" panose="02040503050406030204" pitchFamily="18" charset="0"/>
-                            </a:rPr>
-                          </m:ctrlPr>
-                        </m:sSubPr>
-                        <m:e>
-                          <m:r>
-                            <a:rPr lang="fr-FR" sz="1000" b="0" i="1" smtClean="0">
-                              <a:latin typeface="Cambria Math"/>
-                            </a:rPr>
-                            <m:t>𝐶</m:t>
-                          </m:r>
-                        </m:e>
-                        <m:sub>
-                          <m:r>
-                            <m:rPr>
-                              <m:sty m:val="p"/>
-                            </m:rPr>
-                            <a:rPr lang="fr-FR" sz="1000" b="0" i="0" smtClean="0">
-                              <a:latin typeface="Cambria Math"/>
-                            </a:rPr>
-                            <m:t>m</m:t>
-                          </m:r>
-                          <m:r>
-                            <a:rPr lang="fr-FR" sz="1000" b="0" i="0" smtClean="0">
-                              <a:latin typeface="Cambria Math"/>
-                            </a:rPr>
-                            <m:t>0</m:t>
-                          </m:r>
-                          <m:r>
-                            <a:rPr lang="fr-FR" sz="1000" b="0" i="1" smtClean="0">
-                              <a:latin typeface="Cambria Math"/>
-                            </a:rPr>
-                            <m:t>1</m:t>
-                          </m:r>
-                        </m:sub>
-                      </m:sSub>
-                      <m:acc>
-                        <m:accPr>
-                          <m:chr m:val="⃗"/>
-                          <m:ctrlPr>
-                            <a:rPr lang="fr-FR" sz="1000" i="1">
-                              <a:latin typeface="Cambria Math" panose="02040503050406030204" pitchFamily="18" charset="0"/>
-                            </a:rPr>
-                          </m:ctrlPr>
-                        </m:accPr>
-                        <m:e>
-                          <m:r>
-                            <a:rPr lang="fr-FR" sz="1000" i="1" smtClean="0">
-                              <a:latin typeface="Cambria Math"/>
-                            </a:rPr>
-                            <m:t>𝑧</m:t>
-                          </m:r>
-                        </m:e>
-                      </m:acc>
-                    </m:oMath>
-                  </m:oMathPara>
-                </a14:m>
-                <a:endParaRPr lang="fr-FR" sz="1000" dirty="0"/>
-              </a:p>
-            </p:txBody>
-          </p:sp>
-        </mc:Choice>
-        <mc:Fallback xmlns="">
-          <p:sp>
-            <p:nvSpPr>
-              <p:cNvPr id="37" name="Rectangle 36"/>
-              <p:cNvSpPr>
-                <a:spLocks noRot="1" noChangeAspect="1" noMove="1" noResize="1" noEditPoints="1" noAdjustHandles="1" noChangeArrowheads="1" noChangeShapeType="1" noTextEdit="1"/>
-              </p:cNvSpPr>
-              <p:nvPr/>
-            </p:nvSpPr>
-            <p:spPr>
-              <a:xfrm rot="20302500">
-                <a:off x="884171" y="1583938"/>
-                <a:ext cx="548548" cy="246221"/>
-              </a:xfrm>
-              <a:prstGeom prst="rect">
-                <a:avLst/>
-              </a:prstGeom>
-              <a:blipFill rotWithShape="1">
-                <a:blip r:embed="rId3"/>
-                <a:stretch>
-                  <a:fillRect t="-11111" r="-14000"/>
-                </a:stretch>
-              </a:blipFill>
-            </p:spPr>
-            <p:txBody>
-              <a:bodyPr/>
-              <a:lstStyle/>
-              <a:p>
-                <a:r>
-                  <a:rPr lang="fr-FR">
-                    <a:noFill/>
-                  </a:rPr>
-                  <a:t> </a:t>
-                </a:r>
-              </a:p>
-            </p:txBody>
-          </p:sp>
-        </mc:Fallback>
-      </mc:AlternateContent>
-      <mc:AlternateContent xmlns:mc="http://schemas.openxmlformats.org/markup-compatibility/2006" xmlns:a14="http://schemas.microsoft.com/office/drawing/2010/main">
-        <mc:Choice Requires="a14">
-          <p:sp>
-            <p:nvSpPr>
-              <p:cNvPr id="41" name="ZoneTexte 40"/>
-              <p:cNvSpPr txBox="1"/>
-              <p:nvPr/>
-            </p:nvSpPr>
-            <p:spPr>
-              <a:xfrm rot="1457902">
-                <a:off x="692947" y="2254771"/>
-                <a:ext cx="777842" cy="246221"/>
-              </a:xfrm>
-              <a:prstGeom prst="rect">
-                <a:avLst/>
-              </a:prstGeom>
-              <a:noFill/>
-            </p:spPr>
-            <p:txBody>
-              <a:bodyPr wrap="none" rtlCol="0">
-                <a:spAutoFit/>
-              </a:bodyPr>
-              <a:lstStyle/>
-              <a:p>
-                <a:r>
-                  <a:rPr lang="fr-FR" sz="1000" b="0" dirty="0"/>
-                  <a:t>Pivot </a:t>
-                </a:r>
-                <a14:m>
-                  <m:oMath xmlns:m="http://schemas.openxmlformats.org/officeDocument/2006/math">
-                    <m:d>
-                      <m:dPr>
-                        <m:ctrlPr>
-                          <a:rPr lang="fr-FR" sz="1000" b="0" i="1" smtClean="0">
-                            <a:latin typeface="Cambria Math" panose="02040503050406030204" pitchFamily="18" charset="0"/>
-                          </a:rPr>
-                        </m:ctrlPr>
-                      </m:dPr>
-                      <m:e>
-                        <m:r>
-                          <a:rPr lang="fr-FR" sz="1000" b="0" i="1" smtClean="0">
-                            <a:latin typeface="Cambria Math"/>
-                          </a:rPr>
-                          <m:t>𝑃</m:t>
-                        </m:r>
-                        <m:r>
-                          <a:rPr lang="fr-FR" sz="1000" b="0" i="1" smtClean="0">
-                            <a:latin typeface="Cambria Math"/>
-                          </a:rPr>
-                          <m:t>,</m:t>
-                        </m:r>
-                        <m:acc>
-                          <m:accPr>
-                            <m:chr m:val="⃗"/>
-                            <m:ctrlPr>
-                              <a:rPr lang="fr-FR" sz="1000" b="0" i="1" smtClean="0">
-                                <a:latin typeface="Cambria Math" panose="02040503050406030204" pitchFamily="18" charset="0"/>
-                              </a:rPr>
-                            </m:ctrlPr>
-                          </m:accPr>
-                          <m:e>
-                            <m:r>
-                              <a:rPr lang="fr-FR" sz="1000" b="0" i="1" smtClean="0">
-                                <a:latin typeface="Cambria Math"/>
-                              </a:rPr>
-                              <m:t>𝑧</m:t>
-                            </m:r>
-                          </m:e>
-                        </m:acc>
-                      </m:e>
-                    </m:d>
-                  </m:oMath>
-                </a14:m>
-                <a:endParaRPr lang="fr-FR" sz="1000" dirty="0"/>
-              </a:p>
-            </p:txBody>
-          </p:sp>
-        </mc:Choice>
-        <mc:Fallback xmlns="">
-          <p:sp>
-            <p:nvSpPr>
-              <p:cNvPr id="41" name="ZoneTexte 40"/>
-              <p:cNvSpPr txBox="1">
-                <a:spLocks noRot="1" noChangeAspect="1" noMove="1" noResize="1" noEditPoints="1" noAdjustHandles="1" noChangeArrowheads="1" noChangeShapeType="1" noTextEdit="1"/>
-              </p:cNvSpPr>
-              <p:nvPr/>
-            </p:nvSpPr>
-            <p:spPr>
-              <a:xfrm rot="1457902">
-                <a:off x="692947" y="2254771"/>
-                <a:ext cx="777842" cy="246221"/>
-              </a:xfrm>
-              <a:prstGeom prst="rect">
-                <a:avLst/>
-              </a:prstGeom>
-              <a:blipFill rotWithShape="1">
-                <a:blip r:embed="rId4"/>
-                <a:stretch>
-                  <a:fillRect r="-8271"/>
-                </a:stretch>
-              </a:blipFill>
-            </p:spPr>
-            <p:txBody>
-              <a:bodyPr/>
-              <a:lstStyle/>
-              <a:p>
-                <a:r>
-                  <a:rPr lang="fr-FR">
-                    <a:noFill/>
-                  </a:rPr>
-                  <a:t> </a:t>
-                </a:r>
-              </a:p>
-            </p:txBody>
-          </p:sp>
-        </mc:Fallback>
-      </mc:AlternateContent>
-      <p:sp>
-        <p:nvSpPr>
-          <p:cNvPr id="43" name="Rectangle 42"/>
-          <p:cNvSpPr/>
-          <p:nvPr/>
-        </p:nvSpPr>
-        <p:spPr>
-          <a:xfrm>
-            <a:off x="0" y="1813200"/>
-            <a:ext cx="152400" cy="286396"/>
-          </a:xfrm>
-          <a:prstGeom prst="rect">
-            <a:avLst/>
-          </a:prstGeom>
-          <a:solidFill>
-            <a:schemeClr val="accent6">
-              <a:lumMod val="20000"/>
-              <a:lumOff val="80000"/>
-            </a:schemeClr>
-          </a:solidFill>
-          <a:ln w="19050">
-            <a:noFill/>
-          </a:ln>
-        </p:spPr>
-        <p:style>
-          <a:lnRef idx="2">
-            <a:schemeClr val="accent1">
-              <a:shade val="50000"/>
-            </a:schemeClr>
-          </a:lnRef>
-          <a:fillRef idx="1">
-            <a:schemeClr val="accent1"/>
-          </a:fillRef>
-          <a:effectRef idx="0">
-            <a:schemeClr val="accent1"/>
-          </a:effectRef>
-          <a:fontRef idx="minor">
-            <a:schemeClr val="lt1"/>
-          </a:fontRef>
-        </p:style>
-        <p:txBody>
-          <a:bodyPr rtlCol="0" anchor="ctr"/>
-          <a:lstStyle/>
-          <a:p>
-            <a:pPr algn="ctr"/>
-            <a:endParaRPr lang="fr-FR" sz="1400" b="1">
-              <a:solidFill>
-                <a:schemeClr val="accent6">
-                  <a:lumMod val="50000"/>
-                </a:schemeClr>
-              </a:solidFill>
-            </a:endParaRPr>
-          </a:p>
-        </p:txBody>
-      </p:sp>
-      <p:cxnSp>
-        <p:nvCxnSpPr>
-          <p:cNvPr id="44" name="Connecteur droit 43"/>
-          <p:cNvCxnSpPr/>
-          <p:nvPr/>
-        </p:nvCxnSpPr>
-        <p:spPr>
-          <a:xfrm>
-            <a:off x="152400" y="1957215"/>
-            <a:ext cx="171128" cy="0"/>
-          </a:xfrm>
-          <a:prstGeom prst="line">
-            <a:avLst/>
-          </a:prstGeom>
-          <a:solidFill>
-            <a:schemeClr val="accent6">
-              <a:lumMod val="20000"/>
-              <a:lumOff val="80000"/>
-            </a:schemeClr>
-          </a:solidFill>
-          <a:ln w="19050">
-            <a:solidFill>
-              <a:schemeClr val="accent6">
-                <a:lumMod val="50000"/>
-              </a:schemeClr>
-            </a:solidFill>
-          </a:ln>
-        </p:spPr>
-        <p:style>
-          <a:lnRef idx="2">
-            <a:schemeClr val="accent1">
-              <a:shade val="50000"/>
-            </a:schemeClr>
-          </a:lnRef>
-          <a:fillRef idx="1">
-            <a:schemeClr val="accent1"/>
-          </a:fillRef>
-          <a:effectRef idx="0">
-            <a:schemeClr val="accent1"/>
-          </a:effectRef>
-          <a:fontRef idx="minor">
-            <a:schemeClr val="lt1"/>
-          </a:fontRef>
-        </p:style>
-      </p:cxnSp>
-      <p:cxnSp>
-        <p:nvCxnSpPr>
-          <p:cNvPr id="45" name="Connecteur droit 44"/>
-          <p:cNvCxnSpPr/>
-          <p:nvPr/>
-        </p:nvCxnSpPr>
-        <p:spPr>
-          <a:xfrm flipV="1">
-            <a:off x="152400" y="1813200"/>
-            <a:ext cx="0" cy="288031"/>
-          </a:xfrm>
-          <a:prstGeom prst="line">
-            <a:avLst/>
-          </a:prstGeom>
-          <a:solidFill>
-            <a:schemeClr val="accent6">
-              <a:lumMod val="20000"/>
-              <a:lumOff val="80000"/>
-            </a:schemeClr>
-          </a:solidFill>
-          <a:ln w="19050">
-            <a:solidFill>
-              <a:schemeClr val="accent6">
-                <a:lumMod val="50000"/>
-              </a:schemeClr>
-            </a:solidFill>
-          </a:ln>
-        </p:spPr>
-        <p:style>
-          <a:lnRef idx="2">
-            <a:schemeClr val="accent1">
-              <a:shade val="50000"/>
-            </a:schemeClr>
-          </a:lnRef>
-          <a:fillRef idx="1">
-            <a:schemeClr val="accent1"/>
-          </a:fillRef>
-          <a:effectRef idx="0">
-            <a:schemeClr val="accent1"/>
-          </a:effectRef>
-          <a:fontRef idx="minor">
-            <a:schemeClr val="lt1"/>
-          </a:fontRef>
-        </p:style>
-      </p:cxnSp>
-      <p:sp>
-        <p:nvSpPr>
-          <p:cNvPr id="13" name="Ellipse 12"/>
-          <p:cNvSpPr/>
-          <p:nvPr/>
-        </p:nvSpPr>
-        <p:spPr>
-          <a:xfrm>
-            <a:off x="1691680" y="1268760"/>
-            <a:ext cx="288032" cy="288032"/>
-          </a:xfrm>
-          <a:prstGeom prst="ellipse">
-            <a:avLst/>
-          </a:prstGeom>
-          <a:solidFill>
-            <a:schemeClr val="accent4">
-              <a:lumMod val="20000"/>
-              <a:lumOff val="80000"/>
-            </a:schemeClr>
-          </a:solidFill>
-          <a:ln w="19050">
-            <a:solidFill>
-              <a:schemeClr val="accent4"/>
-            </a:solidFill>
-          </a:ln>
-        </p:spPr>
-        <p:style>
-          <a:lnRef idx="2">
-            <a:schemeClr val="accent1">
-              <a:shade val="50000"/>
-            </a:schemeClr>
-          </a:lnRef>
-          <a:fillRef idx="1">
-            <a:schemeClr val="accent1"/>
-          </a:fillRef>
-          <a:effectRef idx="0">
-            <a:schemeClr val="accent1"/>
-          </a:effectRef>
-          <a:fontRef idx="minor">
-            <a:schemeClr val="lt1"/>
-          </a:fontRef>
-        </p:style>
-        <p:txBody>
-          <a:bodyPr lIns="0" tIns="0" rIns="0" bIns="0" rtlCol="0" anchor="ctr"/>
-          <a:lstStyle/>
-          <a:p>
-            <a:pPr algn="ctr"/>
-            <a:r>
-              <a:rPr lang="fr-FR" sz="1400" b="1" dirty="0">
-                <a:solidFill>
-                  <a:schemeClr val="accent4"/>
-                </a:solidFill>
-              </a:rPr>
-              <a:t>1</a:t>
-            </a:r>
-            <a:r>
-              <a:rPr lang="fr-FR" sz="1400" b="1" baseline="-25000" dirty="0">
-                <a:solidFill>
-                  <a:schemeClr val="accent4"/>
-                </a:solidFill>
-              </a:rPr>
-              <a:t>a</a:t>
-            </a:r>
-          </a:p>
-        </p:txBody>
-      </p:sp>
-      <p:cxnSp>
-        <p:nvCxnSpPr>
-          <p:cNvPr id="15" name="Connecteur droit 14"/>
-          <p:cNvCxnSpPr>
-            <a:stCxn id="8" idx="7"/>
-            <a:endCxn id="13" idx="2"/>
-          </p:cNvCxnSpPr>
-          <p:nvPr/>
-        </p:nvCxnSpPr>
-        <p:spPr>
-          <a:xfrm flipV="1">
-            <a:off x="569379" y="1412776"/>
-            <a:ext cx="1122301" cy="442604"/>
-          </a:xfrm>
-          <a:prstGeom prst="line">
-            <a:avLst/>
-          </a:prstGeom>
-          <a:ln w="19050">
-            <a:solidFill>
-              <a:schemeClr val="tx1"/>
-            </a:solidFill>
-          </a:ln>
-        </p:spPr>
-        <p:style>
-          <a:lnRef idx="1">
-            <a:schemeClr val="accent1"/>
-          </a:lnRef>
-          <a:fillRef idx="0">
-            <a:schemeClr val="accent1"/>
-          </a:fillRef>
-          <a:effectRef idx="0">
-            <a:schemeClr val="accent1"/>
-          </a:effectRef>
-          <a:fontRef idx="minor">
-            <a:schemeClr val="tx1"/>
-          </a:fontRef>
-        </p:style>
-      </p:cxnSp>
-      <p:cxnSp>
-        <p:nvCxnSpPr>
-          <p:cNvPr id="19" name="Connecteur droit 18"/>
-          <p:cNvCxnSpPr>
-            <a:stCxn id="13" idx="4"/>
-            <a:endCxn id="4" idx="0"/>
-          </p:cNvCxnSpPr>
-          <p:nvPr/>
-        </p:nvCxnSpPr>
-        <p:spPr>
-          <a:xfrm>
-            <a:off x="1835696" y="1556792"/>
-            <a:ext cx="0" cy="852453"/>
-          </a:xfrm>
-          <a:prstGeom prst="line">
-            <a:avLst/>
-          </a:prstGeom>
-          <a:ln w="19050">
-            <a:solidFill>
-              <a:schemeClr val="tx1"/>
-            </a:solidFill>
-          </a:ln>
-        </p:spPr>
-        <p:style>
-          <a:lnRef idx="1">
-            <a:schemeClr val="accent1"/>
-          </a:lnRef>
-          <a:fillRef idx="0">
-            <a:schemeClr val="accent1"/>
-          </a:fillRef>
-          <a:effectRef idx="0">
-            <a:schemeClr val="accent1"/>
-          </a:effectRef>
-          <a:fontRef idx="minor">
-            <a:schemeClr val="tx1"/>
-          </a:fontRef>
-        </p:style>
-      </p:cxnSp>
-      <p:sp>
-        <p:nvSpPr>
-          <p:cNvPr id="22" name="Ellipse 21"/>
-          <p:cNvSpPr/>
-          <p:nvPr/>
-        </p:nvSpPr>
-        <p:spPr>
-          <a:xfrm>
-            <a:off x="1691680" y="1811564"/>
-            <a:ext cx="288032" cy="288032"/>
-          </a:xfrm>
-          <a:prstGeom prst="ellipse">
-            <a:avLst/>
-          </a:prstGeom>
-          <a:solidFill>
-            <a:schemeClr val="accent4">
-              <a:lumMod val="20000"/>
-              <a:lumOff val="80000"/>
-            </a:schemeClr>
-          </a:solidFill>
-          <a:ln w="19050">
-            <a:solidFill>
-              <a:schemeClr val="accent4"/>
-            </a:solidFill>
-          </a:ln>
-        </p:spPr>
-        <p:style>
-          <a:lnRef idx="2">
-            <a:schemeClr val="accent1">
-              <a:shade val="50000"/>
-            </a:schemeClr>
-          </a:lnRef>
-          <a:fillRef idx="1">
-            <a:schemeClr val="accent1"/>
-          </a:fillRef>
-          <a:effectRef idx="0">
-            <a:schemeClr val="accent1"/>
-          </a:effectRef>
-          <a:fontRef idx="minor">
-            <a:schemeClr val="lt1"/>
-          </a:fontRef>
-        </p:style>
-        <p:txBody>
-          <a:bodyPr lIns="0" tIns="0" rIns="0" bIns="0" rtlCol="0" anchor="ctr"/>
-          <a:lstStyle/>
-          <a:p>
-            <a:pPr algn="ctr"/>
-            <a:r>
-              <a:rPr lang="fr-FR" sz="1400" b="1" dirty="0">
-                <a:solidFill>
-                  <a:schemeClr val="accent4"/>
-                </a:solidFill>
-              </a:rPr>
-              <a:t>1</a:t>
-            </a:r>
-            <a:r>
-              <a:rPr lang="fr-FR" sz="1400" b="1" baseline="-25000" dirty="0">
-                <a:solidFill>
-                  <a:schemeClr val="accent4"/>
-                </a:solidFill>
-              </a:rPr>
-              <a:t>b</a:t>
-            </a:r>
-          </a:p>
-        </p:txBody>
-      </p:sp>
-      <mc:AlternateContent xmlns:mc="http://schemas.openxmlformats.org/markup-compatibility/2006" xmlns:a14="http://schemas.microsoft.com/office/drawing/2010/main">
-        <mc:Choice Requires="a14">
-          <p:sp>
-            <p:nvSpPr>
-              <p:cNvPr id="16" name="ZoneTexte 15"/>
-              <p:cNvSpPr txBox="1"/>
-              <p:nvPr/>
-            </p:nvSpPr>
-            <p:spPr>
-              <a:xfrm>
-                <a:off x="1979712" y="1407804"/>
-                <a:ext cx="1122550" cy="586956"/>
-              </a:xfrm>
-              <a:prstGeom prst="rect">
-                <a:avLst/>
-              </a:prstGeom>
-              <a:noFill/>
-            </p:spPr>
-            <p:txBody>
-              <a:bodyPr wrap="none" rtlCol="0">
-                <a:spAutoFit/>
-              </a:bodyPr>
-              <a:lstStyle/>
-              <a:p>
-                <a:pPr/>
-                <a14:m>
-                  <m:oMathPara xmlns:m="http://schemas.openxmlformats.org/officeDocument/2006/math">
-                    <m:oMathParaPr>
-                      <m:jc m:val="centerGroup"/>
-                    </m:oMathParaPr>
-                    <m:oMath xmlns:m="http://schemas.openxmlformats.org/officeDocument/2006/math">
-                      <m:sSub>
-                        <m:sSubPr>
-                          <m:ctrlPr>
-                            <a:rPr lang="fr-FR" sz="1050" b="0" i="1" smtClean="0">
-                              <a:latin typeface="Cambria Math" panose="02040503050406030204" pitchFamily="18" charset="0"/>
-                            </a:rPr>
-                          </m:ctrlPr>
-                        </m:sSubPr>
-                        <m:e>
-                          <m:d>
-                            <m:dPr>
-                              <m:begChr m:val="{"/>
-                              <m:endChr m:val="}"/>
-                              <m:ctrlPr>
-                                <a:rPr lang="fr-FR" sz="1050" i="1" smtClean="0">
-                                  <a:latin typeface="Cambria Math" panose="02040503050406030204" pitchFamily="18" charset="0"/>
-                                </a:rPr>
-                              </m:ctrlPr>
-                            </m:dPr>
-                            <m:e>
-                              <m:m>
-                                <m:mPr>
-                                  <m:mcs>
-                                    <m:mc>
-                                      <m:mcPr>
-                                        <m:count m:val="2"/>
-                                        <m:mcJc m:val="center"/>
-                                      </m:mcPr>
-                                    </m:mc>
-                                  </m:mcs>
-                                  <m:ctrlPr>
-                                    <a:rPr lang="fr-FR" sz="1050" i="1">
-                                      <a:latin typeface="Cambria Math" panose="02040503050406030204" pitchFamily="18" charset="0"/>
-                                    </a:rPr>
-                                  </m:ctrlPr>
-                                </m:mPr>
-                                <m:mr>
-                                  <m:e>
-                                    <m:r>
-                                      <m:rPr>
-                                        <m:brk m:alnAt="7"/>
-                                      </m:rPr>
-                                      <a:rPr lang="fr-FR" sz="1050" b="0" i="1" smtClean="0">
-                                        <a:latin typeface="Cambria Math"/>
-                                      </a:rPr>
-                                      <m:t>0</m:t>
-                                    </m:r>
-                                  </m:e>
-                                  <m:e>
-                                    <m:r>
-                                      <a:rPr lang="fr-FR" sz="1050" b="0" i="1" smtClean="0">
-                                        <a:latin typeface="Cambria Math"/>
-                                      </a:rPr>
-                                      <m:t>0</m:t>
-                                    </m:r>
-                                  </m:e>
-                                </m:mr>
-                                <m:mr>
-                                  <m:e>
-                                    <m:r>
-                                      <a:rPr lang="fr-FR" sz="1050" b="0" i="1" smtClean="0">
-                                        <a:latin typeface="Cambria Math"/>
-                                      </a:rPr>
-                                      <m:t>0</m:t>
-                                    </m:r>
-                                  </m:e>
-                                  <m:e>
-                                    <m:r>
-                                      <a:rPr lang="fr-FR" sz="1050" b="0" i="1" smtClean="0">
-                                        <a:latin typeface="Cambria Math"/>
-                                      </a:rPr>
-                                      <m:t>0</m:t>
-                                    </m:r>
-                                  </m:e>
-                                </m:mr>
-                                <m:mr>
-                                  <m:e>
-                                    <m:r>
-                                      <a:rPr lang="fr-FR" sz="1050" b="0" i="1" smtClean="0">
-                                        <a:latin typeface="Cambria Math"/>
-                                      </a:rPr>
-                                      <m:t>0</m:t>
-                                    </m:r>
-                                  </m:e>
-                                  <m:e>
-                                    <m:sSub>
-                                      <m:sSubPr>
-                                        <m:ctrlPr>
-                                          <a:rPr lang="fr-FR" sz="1050" i="1">
-                                            <a:latin typeface="Cambria Math" panose="02040503050406030204" pitchFamily="18" charset="0"/>
-                                          </a:rPr>
-                                        </m:ctrlPr>
-                                      </m:sSubPr>
-                                      <m:e>
-                                        <m:r>
-                                          <a:rPr lang="fr-FR" sz="1050" b="0" i="1" smtClean="0">
-                                            <a:latin typeface="Cambria Math"/>
-                                          </a:rPr>
-                                          <m:t>𝑁</m:t>
-                                        </m:r>
-                                      </m:e>
-                                      <m:sub>
-                                        <m:r>
-                                          <a:rPr lang="fr-FR" sz="1050" i="1">
-                                            <a:latin typeface="Cambria Math"/>
-                                          </a:rPr>
-                                          <m:t>𝑎𝑏</m:t>
-                                        </m:r>
-                                      </m:sub>
-                                    </m:sSub>
-                                  </m:e>
-                                </m:mr>
-                              </m:m>
-                            </m:e>
-                          </m:d>
-                        </m:e>
-                        <m:sub>
-                          <m:r>
-                            <a:rPr lang="fr-FR" sz="1050" b="0" i="1" smtClean="0">
-                              <a:latin typeface="Cambria Math"/>
-                            </a:rPr>
-                            <m:t>𝑃</m:t>
-                          </m:r>
-                          <m:d>
-                            <m:dPr>
-                              <m:ctrlPr>
-                                <a:rPr lang="fr-FR" sz="1050" i="1">
-                                  <a:latin typeface="Cambria Math" panose="02040503050406030204" pitchFamily="18" charset="0"/>
-                                </a:rPr>
-                              </m:ctrlPr>
-                            </m:dPr>
-                            <m:e>
-                              <m:acc>
-                                <m:accPr>
-                                  <m:chr m:val="⃗"/>
-                                  <m:ctrlPr>
-                                    <a:rPr lang="fr-FR" sz="1050" i="1">
-                                      <a:latin typeface="Cambria Math" panose="02040503050406030204" pitchFamily="18" charset="0"/>
-                                    </a:rPr>
-                                  </m:ctrlPr>
-                                </m:accPr>
-                                <m:e>
-                                  <m:r>
-                                    <a:rPr lang="fr-FR" sz="1050" i="1">
-                                      <a:latin typeface="Cambria Math"/>
-                                    </a:rPr>
-                                    <m:t>𝑥</m:t>
-                                  </m:r>
-                                </m:e>
-                              </m:acc>
-                              <m:r>
-                                <a:rPr lang="fr-FR" sz="1050" i="1">
-                                  <a:latin typeface="Cambria Math"/>
-                                </a:rPr>
-                                <m:t>,</m:t>
-                              </m:r>
-                              <m:acc>
-                                <m:accPr>
-                                  <m:chr m:val="⃗"/>
-                                  <m:ctrlPr>
-                                    <a:rPr lang="fr-FR" sz="1050" i="1">
-                                      <a:latin typeface="Cambria Math" panose="02040503050406030204" pitchFamily="18" charset="0"/>
-                                    </a:rPr>
-                                  </m:ctrlPr>
-                                </m:accPr>
-                                <m:e>
-                                  <m:r>
-                                    <a:rPr lang="fr-FR" sz="1050" i="1">
-                                      <a:latin typeface="Cambria Math"/>
-                                    </a:rPr>
-                                    <m:t>𝑦</m:t>
-                                  </m:r>
-                                </m:e>
-                              </m:acc>
-                              <m:r>
-                                <a:rPr lang="fr-FR" sz="1050" i="1">
-                                  <a:latin typeface="Cambria Math"/>
-                                </a:rPr>
-                                <m:t>,</m:t>
-                              </m:r>
-                              <m:acc>
-                                <m:accPr>
-                                  <m:chr m:val="⃗"/>
-                                  <m:ctrlPr>
-                                    <a:rPr lang="fr-FR" sz="1050" i="1">
-                                      <a:latin typeface="Cambria Math" panose="02040503050406030204" pitchFamily="18" charset="0"/>
-                                    </a:rPr>
-                                  </m:ctrlPr>
-                                </m:accPr>
-                                <m:e>
-                                  <m:r>
-                                    <a:rPr lang="fr-FR" sz="1050" i="1">
-                                      <a:latin typeface="Cambria Math"/>
-                                    </a:rPr>
-                                    <m:t>𝑧</m:t>
-                                  </m:r>
-                                </m:e>
-                              </m:acc>
-                            </m:e>
-                          </m:d>
-                        </m:sub>
-                      </m:sSub>
-                    </m:oMath>
-                  </m:oMathPara>
-                </a14:m>
-                <a:endParaRPr lang="fr-FR" sz="1050" dirty="0"/>
-              </a:p>
-            </p:txBody>
-          </p:sp>
-        </mc:Choice>
-        <mc:Fallback xmlns="">
-          <p:sp>
-            <p:nvSpPr>
-              <p:cNvPr id="16" name="ZoneTexte 15"/>
-              <p:cNvSpPr txBox="1">
-                <a:spLocks noRot="1" noChangeAspect="1" noMove="1" noResize="1" noEditPoints="1" noAdjustHandles="1" noChangeArrowheads="1" noChangeShapeType="1" noTextEdit="1"/>
-              </p:cNvSpPr>
-              <p:nvPr/>
-            </p:nvSpPr>
-            <p:spPr>
-              <a:xfrm>
-                <a:off x="1979712" y="1407804"/>
-                <a:ext cx="1122550" cy="586956"/>
-              </a:xfrm>
-              <a:prstGeom prst="rect">
-                <a:avLst/>
-              </a:prstGeom>
-              <a:blipFill rotWithShape="1">
-                <a:blip r:embed="rId5"/>
-                <a:stretch>
-                  <a:fillRect r="-543"/>
-                </a:stretch>
-              </a:blipFill>
-            </p:spPr>
-            <p:txBody>
-              <a:bodyPr/>
-              <a:lstStyle/>
-              <a:p>
-                <a:r>
-                  <a:rPr lang="fr-FR">
-                    <a:noFill/>
-                  </a:rPr>
-                  <a:t> </a:t>
-                </a:r>
-              </a:p>
-            </p:txBody>
-          </p:sp>
-        </mc:Fallback>
-      </mc:AlternateContent>
-      <mc:AlternateContent xmlns:mc="http://schemas.openxmlformats.org/markup-compatibility/2006" xmlns:a14="http://schemas.microsoft.com/office/drawing/2010/main">
-        <mc:Choice Requires="a14">
-          <p:sp>
-            <p:nvSpPr>
-              <p:cNvPr id="27" name="ZoneTexte 26"/>
-              <p:cNvSpPr txBox="1"/>
-              <p:nvPr/>
-            </p:nvSpPr>
-            <p:spPr>
-              <a:xfrm>
-                <a:off x="1979712" y="2013735"/>
-                <a:ext cx="1134734" cy="585545"/>
-              </a:xfrm>
-              <a:prstGeom prst="rect">
-                <a:avLst/>
-              </a:prstGeom>
-              <a:noFill/>
-            </p:spPr>
-            <p:txBody>
-              <a:bodyPr wrap="none" rtlCol="0">
-                <a:spAutoFit/>
-              </a:bodyPr>
-              <a:lstStyle/>
-              <a:p>
-                <a:pPr/>
-                <a14:m>
-                  <m:oMathPara xmlns:m="http://schemas.openxmlformats.org/officeDocument/2006/math">
-                    <m:oMathParaPr>
-                      <m:jc m:val="centerGroup"/>
-                    </m:oMathParaPr>
-                    <m:oMath xmlns:m="http://schemas.openxmlformats.org/officeDocument/2006/math">
-                      <m:sSub>
-                        <m:sSubPr>
-                          <m:ctrlPr>
-                            <a:rPr lang="fr-FR" sz="1050" b="0" i="1" smtClean="0">
-                              <a:latin typeface="Cambria Math" panose="02040503050406030204" pitchFamily="18" charset="0"/>
-                            </a:rPr>
-                          </m:ctrlPr>
-                        </m:sSubPr>
-                        <m:e>
-                          <m:d>
-                            <m:dPr>
-                              <m:begChr m:val="{"/>
-                              <m:endChr m:val="}"/>
-                              <m:ctrlPr>
-                                <a:rPr lang="fr-FR" sz="1050" i="1" smtClean="0">
-                                  <a:latin typeface="Cambria Math" panose="02040503050406030204" pitchFamily="18" charset="0"/>
-                                </a:rPr>
-                              </m:ctrlPr>
-                            </m:dPr>
-                            <m:e>
-                              <m:m>
-                                <m:mPr>
-                                  <m:mcs>
-                                    <m:mc>
-                                      <m:mcPr>
-                                        <m:count m:val="2"/>
-                                        <m:mcJc m:val="center"/>
-                                      </m:mcPr>
-                                    </m:mc>
-                                  </m:mcs>
-                                  <m:ctrlPr>
-                                    <a:rPr lang="fr-FR" sz="1050" i="1">
-                                      <a:latin typeface="Cambria Math" panose="02040503050406030204" pitchFamily="18" charset="0"/>
-                                    </a:rPr>
-                                  </m:ctrlPr>
-                                </m:mPr>
-                                <m:mr>
-                                  <m:e>
-                                    <m:r>
-                                      <m:rPr>
-                                        <m:brk m:alnAt="7"/>
-                                      </m:rPr>
-                                      <a:rPr lang="fr-FR" sz="1050" b="0" i="1" smtClean="0">
-                                        <a:latin typeface="Cambria Math"/>
-                                      </a:rPr>
-                                      <m:t>0</m:t>
-                                    </m:r>
-                                  </m:e>
-                                  <m:e>
-                                    <m:r>
-                                      <a:rPr lang="fr-FR" sz="1050" b="0" i="1" smtClean="0">
-                                        <a:latin typeface="Cambria Math"/>
-                                      </a:rPr>
-                                      <m:t>0</m:t>
-                                    </m:r>
-                                  </m:e>
-                                </m:mr>
-                                <m:mr>
-                                  <m:e>
-                                    <m:r>
-                                      <a:rPr lang="fr-FR" sz="1050" b="0" i="1" smtClean="0">
-                                        <a:latin typeface="Cambria Math"/>
-                                      </a:rPr>
-                                      <m:t>0</m:t>
-                                    </m:r>
-                                  </m:e>
-                                  <m:e>
-                                    <m:r>
-                                      <a:rPr lang="fr-FR" sz="1050" b="0" i="1" smtClean="0">
-                                        <a:latin typeface="Cambria Math"/>
-                                      </a:rPr>
-                                      <m:t>0</m:t>
-                                    </m:r>
-                                  </m:e>
-                                </m:mr>
-                                <m:mr>
-                                  <m:e>
-                                    <m:r>
-                                      <a:rPr lang="fr-FR" sz="1050" b="0" i="1" smtClean="0">
-                                        <a:latin typeface="Cambria Math"/>
-                                      </a:rPr>
-                                      <m:t>0</m:t>
-                                    </m:r>
-                                  </m:e>
-                                  <m:e>
-                                    <m:sSub>
-                                      <m:sSubPr>
-                                        <m:ctrlPr>
-                                          <a:rPr lang="fr-FR" sz="1050" i="1">
-                                            <a:latin typeface="Cambria Math" panose="02040503050406030204" pitchFamily="18" charset="0"/>
-                                          </a:rPr>
-                                        </m:ctrlPr>
-                                      </m:sSubPr>
-                                      <m:e>
-                                        <m:r>
-                                          <a:rPr lang="fr-FR" sz="1050" i="1">
-                                            <a:latin typeface="Cambria Math"/>
-                                          </a:rPr>
-                                          <m:t>𝑁</m:t>
-                                        </m:r>
-                                      </m:e>
-                                      <m:sub>
-                                        <m:r>
-                                          <a:rPr lang="fr-FR" sz="1050" i="1">
-                                            <a:latin typeface="Cambria Math"/>
-                                          </a:rPr>
-                                          <m:t>𝑏</m:t>
-                                        </m:r>
-                                        <m:r>
-                                          <a:rPr lang="fr-FR" sz="1050" b="0" i="1" smtClean="0">
-                                            <a:latin typeface="Cambria Math"/>
-                                          </a:rPr>
-                                          <m:t>𝑐</m:t>
-                                        </m:r>
-                                      </m:sub>
-                                    </m:sSub>
-                                  </m:e>
-                                </m:mr>
-                              </m:m>
-                            </m:e>
-                          </m:d>
-                        </m:e>
-                        <m:sub>
-                          <m:r>
-                            <a:rPr lang="fr-FR" sz="1050" b="0" i="1" smtClean="0">
-                              <a:latin typeface="Cambria Math"/>
-                            </a:rPr>
-                            <m:t>𝑃</m:t>
-                          </m:r>
-                          <m:d>
-                            <m:dPr>
-                              <m:ctrlPr>
-                                <a:rPr lang="fr-FR" sz="1050" b="0" i="1" smtClean="0">
-                                  <a:latin typeface="Cambria Math" panose="02040503050406030204" pitchFamily="18" charset="0"/>
-                                </a:rPr>
-                              </m:ctrlPr>
-                            </m:dPr>
-                            <m:e>
-                              <m:acc>
-                                <m:accPr>
-                                  <m:chr m:val="⃗"/>
-                                  <m:ctrlPr>
-                                    <a:rPr lang="fr-FR" sz="1050" i="1">
-                                      <a:latin typeface="Cambria Math" panose="02040503050406030204" pitchFamily="18" charset="0"/>
-                                    </a:rPr>
-                                  </m:ctrlPr>
-                                </m:accPr>
-                                <m:e>
-                                  <m:r>
-                                    <a:rPr lang="fr-FR" sz="1050" b="0" i="1" smtClean="0">
-                                      <a:latin typeface="Cambria Math"/>
-                                    </a:rPr>
-                                    <m:t>𝑥</m:t>
-                                  </m:r>
-                                </m:e>
-                              </m:acc>
-                              <m:r>
-                                <a:rPr lang="fr-FR" sz="1050" b="0" i="1" smtClean="0">
-                                  <a:latin typeface="Cambria Math"/>
-                                </a:rPr>
-                                <m:t>,</m:t>
-                              </m:r>
-                              <m:acc>
-                                <m:accPr>
-                                  <m:chr m:val="⃗"/>
-                                  <m:ctrlPr>
-                                    <a:rPr lang="fr-FR" sz="1050" i="1">
-                                      <a:latin typeface="Cambria Math" panose="02040503050406030204" pitchFamily="18" charset="0"/>
-                                    </a:rPr>
-                                  </m:ctrlPr>
-                                </m:accPr>
-                                <m:e>
-                                  <m:r>
-                                    <a:rPr lang="fr-FR" sz="1050" b="0" i="1" smtClean="0">
-                                      <a:latin typeface="Cambria Math"/>
-                                    </a:rPr>
-                                    <m:t>𝑦</m:t>
-                                  </m:r>
-                                </m:e>
-                              </m:acc>
-                              <m:r>
-                                <a:rPr lang="fr-FR" sz="1050" i="1">
-                                  <a:latin typeface="Cambria Math"/>
-                                </a:rPr>
-                                <m:t>,</m:t>
-                              </m:r>
-                              <m:acc>
-                                <m:accPr>
-                                  <m:chr m:val="⃗"/>
-                                  <m:ctrlPr>
-                                    <a:rPr lang="fr-FR" sz="1050" i="1">
-                                      <a:latin typeface="Cambria Math" panose="02040503050406030204" pitchFamily="18" charset="0"/>
-                                    </a:rPr>
-                                  </m:ctrlPr>
-                                </m:accPr>
-                                <m:e>
-                                  <m:r>
-                                    <a:rPr lang="fr-FR" sz="1050" b="0" i="1" smtClean="0">
-                                      <a:latin typeface="Cambria Math"/>
-                                    </a:rPr>
-                                    <m:t>𝑧</m:t>
-                                  </m:r>
-                                </m:e>
-                              </m:acc>
-                            </m:e>
-                          </m:d>
-                        </m:sub>
-                      </m:sSub>
-                    </m:oMath>
-                  </m:oMathPara>
-                </a14:m>
-                <a:endParaRPr lang="fr-FR" sz="1050" dirty="0"/>
-              </a:p>
-            </p:txBody>
-          </p:sp>
-        </mc:Choice>
-        <mc:Fallback xmlns="">
-          <p:sp>
-            <p:nvSpPr>
-              <p:cNvPr id="27" name="ZoneTexte 26"/>
-              <p:cNvSpPr txBox="1">
-                <a:spLocks noRot="1" noChangeAspect="1" noMove="1" noResize="1" noEditPoints="1" noAdjustHandles="1" noChangeArrowheads="1" noChangeShapeType="1" noTextEdit="1"/>
-              </p:cNvSpPr>
-              <p:nvPr/>
-            </p:nvSpPr>
-            <p:spPr>
-              <a:xfrm>
-                <a:off x="1979712" y="2013735"/>
-                <a:ext cx="1134734" cy="585545"/>
-              </a:xfrm>
-              <a:prstGeom prst="rect">
-                <a:avLst/>
-              </a:prstGeom>
-              <a:blipFill rotWithShape="1">
-                <a:blip r:embed="rId6"/>
-                <a:stretch>
-                  <a:fillRect/>
-                </a:stretch>
-              </a:blipFill>
-            </p:spPr>
-            <p:txBody>
-              <a:bodyPr/>
-              <a:lstStyle/>
-              <a:p>
-                <a:r>
-                  <a:rPr lang="fr-FR">
-                    <a:noFill/>
-                  </a:rPr>
-                  <a:t> </a:t>
-                </a:r>
-              </a:p>
-            </p:txBody>
-          </p:sp>
-        </mc:Fallback>
-      </mc:AlternateContent>
-    </p:spTree>
-    <p:extLst>
-      <p:ext uri="{BB962C8B-B14F-4D97-AF65-F5344CB8AC3E}">
-        <p14:creationId xmlns:p14="http://schemas.microsoft.com/office/powerpoint/2010/main" val="3581523801"/>
-      </p:ext>
-    </p:extLst>
-  </p:cSld>
-  <p:clrMapOvr>
-    <a:masterClrMapping/>
-  </p:clrMapOvr>
-</p:sld>
-</file>
-
-<file path=ppt/slides/slide9.xml><?xml version="1.0" encoding="utf-8"?>
-<p:sld xmlns:a="http://schemas.openxmlformats.org/drawingml/2006/main" xmlns:r="http://schemas.openxmlformats.org/officeDocument/2006/relationships" xmlns:p="http://schemas.openxmlformats.org/presentationml/2006/main">
-  <p:cSld>
-    <p:spTree>
-      <p:nvGrpSpPr>
-        <p:cNvPr id="1" name=""/>
-        <p:cNvGrpSpPr/>
-        <p:nvPr/>
-      </p:nvGrpSpPr>
-      <p:grpSpPr>
-        <a:xfrm>
-          <a:off x="0" y="0"/>
-          <a:ext cx="0" cy="0"/>
-          <a:chOff x="0" y="0"/>
-          <a:chExt cx="0" cy="0"/>
-        </a:xfrm>
-      </p:grpSpPr>
-      <p:sp>
-        <p:nvSpPr>
-          <p:cNvPr id="15" name="Rectangle 14"/>
-          <p:cNvSpPr/>
-          <p:nvPr/>
-        </p:nvSpPr>
-        <p:spPr>
-          <a:xfrm>
-            <a:off x="0" y="1813200"/>
-            <a:ext cx="152400" cy="286396"/>
-          </a:xfrm>
-          <a:prstGeom prst="rect">
-            <a:avLst/>
-          </a:prstGeom>
-          <a:solidFill>
-            <a:schemeClr val="accent6">
-              <a:lumMod val="20000"/>
-              <a:lumOff val="80000"/>
-            </a:schemeClr>
-          </a:solidFill>
-          <a:ln w="19050">
-            <a:noFill/>
-          </a:ln>
-        </p:spPr>
-        <p:style>
-          <a:lnRef idx="2">
-            <a:schemeClr val="accent1">
-              <a:shade val="50000"/>
-            </a:schemeClr>
-          </a:lnRef>
-          <a:fillRef idx="1">
-            <a:schemeClr val="accent1"/>
-          </a:fillRef>
-          <a:effectRef idx="0">
-            <a:schemeClr val="accent1"/>
-          </a:effectRef>
-          <a:fontRef idx="minor">
-            <a:schemeClr val="lt1"/>
-          </a:fontRef>
-        </p:style>
-        <p:txBody>
-          <a:bodyPr rtlCol="0" anchor="ctr"/>
-          <a:lstStyle/>
-          <a:p>
-            <a:pPr algn="ctr"/>
-            <a:endParaRPr lang="fr-FR" sz="1400" b="1">
-              <a:solidFill>
-                <a:schemeClr val="accent6">
-                  <a:lumMod val="50000"/>
-                </a:schemeClr>
-              </a:solidFill>
-            </a:endParaRPr>
-          </a:p>
-        </p:txBody>
-      </p:sp>
-      <p:sp>
-        <p:nvSpPr>
-          <p:cNvPr id="4" name="Ellipse 3"/>
-          <p:cNvSpPr/>
-          <p:nvPr/>
-        </p:nvSpPr>
-        <p:spPr>
-          <a:xfrm>
-            <a:off x="1061610" y="1813199"/>
-            <a:ext cx="288032" cy="288032"/>
-          </a:xfrm>
-          <a:prstGeom prst="ellipse">
-            <a:avLst/>
-          </a:prstGeom>
-          <a:solidFill>
-            <a:schemeClr val="accent4">
-              <a:lumMod val="20000"/>
-              <a:lumOff val="80000"/>
-            </a:schemeClr>
-          </a:solidFill>
-          <a:ln w="19050">
-            <a:solidFill>
-              <a:schemeClr val="accent4"/>
-            </a:solidFill>
-          </a:ln>
-        </p:spPr>
-        <p:style>
-          <a:lnRef idx="2">
-            <a:schemeClr val="accent1">
-              <a:shade val="50000"/>
-            </a:schemeClr>
-          </a:lnRef>
-          <a:fillRef idx="1">
-            <a:schemeClr val="accent1"/>
-          </a:fillRef>
-          <a:effectRef idx="0">
-            <a:schemeClr val="accent1"/>
-          </a:effectRef>
-          <a:fontRef idx="minor">
-            <a:schemeClr val="lt1"/>
-          </a:fontRef>
-        </p:style>
-        <p:txBody>
-          <a:bodyPr rtlCol="0" anchor="ctr"/>
-          <a:lstStyle/>
-          <a:p>
-            <a:pPr algn="ctr"/>
-            <a:r>
-              <a:rPr lang="fr-FR" sz="1400" b="1" dirty="0">
-                <a:solidFill>
-                  <a:schemeClr val="accent4"/>
-                </a:solidFill>
-              </a:rPr>
-              <a:t>1</a:t>
-            </a:r>
-          </a:p>
-        </p:txBody>
-      </p:sp>
-      <p:sp>
-        <p:nvSpPr>
-          <p:cNvPr id="5" name="Ellipse 4"/>
-          <p:cNvSpPr/>
-          <p:nvPr/>
-        </p:nvSpPr>
-        <p:spPr>
-          <a:xfrm>
-            <a:off x="1799692" y="1813199"/>
-            <a:ext cx="288032" cy="288032"/>
-          </a:xfrm>
-          <a:prstGeom prst="ellipse">
-            <a:avLst/>
-          </a:prstGeom>
-          <a:solidFill>
-            <a:schemeClr val="accent2">
-              <a:lumMod val="20000"/>
-              <a:lumOff val="80000"/>
-            </a:schemeClr>
-          </a:solidFill>
-          <a:ln w="19050">
-            <a:solidFill>
-              <a:schemeClr val="accent2"/>
-            </a:solidFill>
-          </a:ln>
-        </p:spPr>
-        <p:style>
-          <a:lnRef idx="2">
-            <a:schemeClr val="accent1">
-              <a:shade val="50000"/>
-            </a:schemeClr>
-          </a:lnRef>
-          <a:fillRef idx="1">
-            <a:schemeClr val="accent1"/>
-          </a:fillRef>
-          <a:effectRef idx="0">
-            <a:schemeClr val="accent1"/>
-          </a:effectRef>
-          <a:fontRef idx="minor">
-            <a:schemeClr val="lt1"/>
-          </a:fontRef>
-        </p:style>
-        <p:txBody>
-          <a:bodyPr rtlCol="0" anchor="ctr"/>
-          <a:lstStyle/>
-          <a:p>
-            <a:pPr algn="ctr"/>
-            <a:r>
-              <a:rPr lang="fr-FR" sz="1400" b="1" dirty="0">
-                <a:solidFill>
-                  <a:schemeClr val="accent2"/>
-                </a:solidFill>
-              </a:rPr>
-              <a:t>2</a:t>
-            </a:r>
-          </a:p>
-        </p:txBody>
-      </p:sp>
-      <p:sp>
-        <p:nvSpPr>
-          <p:cNvPr id="6" name="Ellipse 5"/>
-          <p:cNvSpPr/>
-          <p:nvPr/>
-        </p:nvSpPr>
-        <p:spPr>
-          <a:xfrm>
-            <a:off x="2537774" y="1813199"/>
-            <a:ext cx="288032" cy="288032"/>
-          </a:xfrm>
-          <a:prstGeom prst="ellipse">
-            <a:avLst/>
-          </a:prstGeom>
-          <a:solidFill>
-            <a:schemeClr val="accent3">
-              <a:lumMod val="20000"/>
-              <a:lumOff val="80000"/>
-            </a:schemeClr>
-          </a:solidFill>
-          <a:ln w="19050">
-            <a:solidFill>
-              <a:schemeClr val="accent3"/>
-            </a:solidFill>
-          </a:ln>
-        </p:spPr>
-        <p:style>
-          <a:lnRef idx="2">
-            <a:schemeClr val="accent1">
-              <a:shade val="50000"/>
-            </a:schemeClr>
-          </a:lnRef>
-          <a:fillRef idx="1">
-            <a:schemeClr val="accent1"/>
-          </a:fillRef>
-          <a:effectRef idx="0">
-            <a:schemeClr val="accent1"/>
-          </a:effectRef>
-          <a:fontRef idx="minor">
-            <a:schemeClr val="lt1"/>
-          </a:fontRef>
-        </p:style>
-        <p:txBody>
-          <a:bodyPr rtlCol="0" anchor="ctr"/>
-          <a:lstStyle/>
-          <a:p>
-            <a:pPr algn="ctr"/>
-            <a:r>
-              <a:rPr lang="fr-FR" sz="1400" b="1" dirty="0">
-                <a:solidFill>
-                  <a:schemeClr val="accent3"/>
-                </a:solidFill>
-              </a:rPr>
-              <a:t>3</a:t>
-            </a:r>
-          </a:p>
-        </p:txBody>
-      </p:sp>
-      <p:sp>
-        <p:nvSpPr>
-          <p:cNvPr id="7" name="Ellipse 6"/>
-          <p:cNvSpPr/>
-          <p:nvPr/>
-        </p:nvSpPr>
-        <p:spPr>
-          <a:xfrm>
-            <a:off x="3275856" y="1813199"/>
-            <a:ext cx="288032" cy="288032"/>
-          </a:xfrm>
-          <a:prstGeom prst="ellipse">
-            <a:avLst/>
-          </a:prstGeom>
-          <a:solidFill>
-            <a:schemeClr val="bg1">
-              <a:lumMod val="85000"/>
-            </a:schemeClr>
-          </a:solidFill>
-          <a:ln w="19050">
-            <a:solidFill>
-              <a:schemeClr val="tx1"/>
-            </a:solidFill>
-          </a:ln>
-        </p:spPr>
-        <p:style>
-          <a:lnRef idx="2">
-            <a:schemeClr val="accent1">
-              <a:shade val="50000"/>
-            </a:schemeClr>
-          </a:lnRef>
-          <a:fillRef idx="1">
-            <a:schemeClr val="accent1"/>
-          </a:fillRef>
-          <a:effectRef idx="0">
-            <a:schemeClr val="accent1"/>
-          </a:effectRef>
-          <a:fontRef idx="minor">
-            <a:schemeClr val="lt1"/>
-          </a:fontRef>
-        </p:style>
-        <p:txBody>
-          <a:bodyPr rtlCol="0" anchor="ctr"/>
-          <a:lstStyle/>
-          <a:p>
-            <a:pPr algn="ctr"/>
-            <a:r>
-              <a:rPr lang="fr-FR" sz="1400" b="1" dirty="0">
-                <a:solidFill>
-                  <a:schemeClr val="tx1"/>
-                </a:solidFill>
-              </a:rPr>
-              <a:t>4</a:t>
-            </a:r>
-          </a:p>
-        </p:txBody>
-      </p:sp>
-      <p:sp>
-        <p:nvSpPr>
-          <p:cNvPr id="8" name="Ellipse 7"/>
-          <p:cNvSpPr/>
-          <p:nvPr/>
-        </p:nvSpPr>
-        <p:spPr>
-          <a:xfrm>
-            <a:off x="323528" y="1813199"/>
-            <a:ext cx="288032" cy="288032"/>
-          </a:xfrm>
-          <a:prstGeom prst="ellipse">
-            <a:avLst/>
-          </a:prstGeom>
-          <a:solidFill>
-            <a:schemeClr val="accent6">
-              <a:lumMod val="20000"/>
-              <a:lumOff val="80000"/>
-            </a:schemeClr>
-          </a:solidFill>
-          <a:ln w="19050">
-            <a:solidFill>
-              <a:schemeClr val="accent6">
-                <a:lumMod val="50000"/>
-              </a:schemeClr>
-            </a:solidFill>
-          </a:ln>
-        </p:spPr>
-        <p:style>
-          <a:lnRef idx="2">
-            <a:schemeClr val="accent1">
-              <a:shade val="50000"/>
-            </a:schemeClr>
-          </a:lnRef>
-          <a:fillRef idx="1">
-            <a:schemeClr val="accent1"/>
-          </a:fillRef>
-          <a:effectRef idx="0">
-            <a:schemeClr val="accent1"/>
-          </a:effectRef>
-          <a:fontRef idx="minor">
-            <a:schemeClr val="lt1"/>
-          </a:fontRef>
-        </p:style>
-        <p:txBody>
-          <a:bodyPr rtlCol="0" anchor="ctr"/>
-          <a:lstStyle/>
-          <a:p>
-            <a:pPr algn="ctr"/>
-            <a:r>
-              <a:rPr lang="fr-FR" sz="1400" b="1" dirty="0">
-                <a:solidFill>
-                  <a:schemeClr val="accent6">
-                    <a:lumMod val="50000"/>
-                  </a:schemeClr>
-                </a:solidFill>
-              </a:rPr>
-              <a:t>0</a:t>
-            </a:r>
-          </a:p>
-        </p:txBody>
-      </p:sp>
-      <p:cxnSp>
-        <p:nvCxnSpPr>
-          <p:cNvPr id="10" name="Connecteur droit 9"/>
-          <p:cNvCxnSpPr>
-            <a:stCxn id="8" idx="6"/>
-            <a:endCxn id="4" idx="2"/>
-          </p:cNvCxnSpPr>
-          <p:nvPr/>
-        </p:nvCxnSpPr>
-        <p:spPr>
-          <a:xfrm>
-            <a:off x="611560" y="1957215"/>
-            <a:ext cx="450050" cy="0"/>
-          </a:xfrm>
-          <a:prstGeom prst="line">
-            <a:avLst/>
-          </a:prstGeom>
-          <a:ln w="19050">
-            <a:solidFill>
-              <a:schemeClr val="tx1"/>
-            </a:solidFill>
-          </a:ln>
-        </p:spPr>
-        <p:style>
-          <a:lnRef idx="1">
-            <a:schemeClr val="accent1"/>
-          </a:lnRef>
-          <a:fillRef idx="0">
-            <a:schemeClr val="accent1"/>
-          </a:fillRef>
-          <a:effectRef idx="0">
-            <a:schemeClr val="accent1"/>
-          </a:effectRef>
-          <a:fontRef idx="minor">
-            <a:schemeClr val="tx1"/>
-          </a:fontRef>
-        </p:style>
-      </p:cxnSp>
-      <p:cxnSp>
-        <p:nvCxnSpPr>
-          <p:cNvPr id="11" name="Connecteur droit 10"/>
-          <p:cNvCxnSpPr>
-            <a:stCxn id="5" idx="2"/>
-            <a:endCxn id="4" idx="6"/>
-          </p:cNvCxnSpPr>
-          <p:nvPr/>
-        </p:nvCxnSpPr>
-        <p:spPr>
-          <a:xfrm flipH="1">
-            <a:off x="1349642" y="1957215"/>
-            <a:ext cx="450050" cy="0"/>
-          </a:xfrm>
-          <a:prstGeom prst="line">
-            <a:avLst/>
-          </a:prstGeom>
-          <a:ln w="19050">
-            <a:solidFill>
-              <a:schemeClr val="tx1"/>
-            </a:solidFill>
-          </a:ln>
-        </p:spPr>
-        <p:style>
-          <a:lnRef idx="1">
-            <a:schemeClr val="accent1"/>
-          </a:lnRef>
-          <a:fillRef idx="0">
-            <a:schemeClr val="accent1"/>
-          </a:fillRef>
-          <a:effectRef idx="0">
-            <a:schemeClr val="accent1"/>
-          </a:effectRef>
-          <a:fontRef idx="minor">
-            <a:schemeClr val="tx1"/>
-          </a:fontRef>
-        </p:style>
-      </p:cxnSp>
-      <p:cxnSp>
-        <p:nvCxnSpPr>
-          <p:cNvPr id="14" name="Connecteur droit 13"/>
-          <p:cNvCxnSpPr>
-            <a:stCxn id="6" idx="2"/>
-            <a:endCxn id="5" idx="6"/>
-          </p:cNvCxnSpPr>
-          <p:nvPr/>
-        </p:nvCxnSpPr>
-        <p:spPr>
-          <a:xfrm flipH="1">
-            <a:off x="2087724" y="1957215"/>
-            <a:ext cx="450050" cy="0"/>
-          </a:xfrm>
-          <a:prstGeom prst="line">
-            <a:avLst/>
-          </a:prstGeom>
-          <a:ln w="19050">
-            <a:solidFill>
-              <a:schemeClr val="tx1"/>
-            </a:solidFill>
-          </a:ln>
-        </p:spPr>
-        <p:style>
-          <a:lnRef idx="1">
-            <a:schemeClr val="accent1"/>
-          </a:lnRef>
-          <a:fillRef idx="0">
-            <a:schemeClr val="accent1"/>
-          </a:fillRef>
-          <a:effectRef idx="0">
-            <a:schemeClr val="accent1"/>
-          </a:effectRef>
-          <a:fontRef idx="minor">
-            <a:schemeClr val="tx1"/>
-          </a:fontRef>
-        </p:style>
-      </p:cxnSp>
-      <p:cxnSp>
-        <p:nvCxnSpPr>
-          <p:cNvPr id="17" name="Connecteur droit 16"/>
-          <p:cNvCxnSpPr>
-            <a:stCxn id="7" idx="2"/>
-            <a:endCxn id="6" idx="6"/>
-          </p:cNvCxnSpPr>
-          <p:nvPr/>
-        </p:nvCxnSpPr>
-        <p:spPr>
-          <a:xfrm flipH="1">
-            <a:off x="2825806" y="1957215"/>
-            <a:ext cx="450050" cy="0"/>
-          </a:xfrm>
-          <a:prstGeom prst="line">
-            <a:avLst/>
-          </a:prstGeom>
-          <a:ln w="19050">
-            <a:solidFill>
-              <a:schemeClr val="tx1"/>
-            </a:solidFill>
-          </a:ln>
-        </p:spPr>
-        <p:style>
-          <a:lnRef idx="1">
-            <a:schemeClr val="accent1"/>
-          </a:lnRef>
-          <a:fillRef idx="0">
-            <a:schemeClr val="accent1"/>
-          </a:fillRef>
-          <a:effectRef idx="0">
-            <a:schemeClr val="accent1"/>
-          </a:effectRef>
-          <a:fontRef idx="minor">
-            <a:schemeClr val="tx1"/>
-          </a:fontRef>
-        </p:style>
-      </p:cxnSp>
-      <mc:AlternateContent xmlns:mc="http://schemas.openxmlformats.org/markup-compatibility/2006" xmlns:a14="http://schemas.microsoft.com/office/drawing/2010/main">
-        <mc:Choice Requires="a14">
-          <p:sp>
-            <p:nvSpPr>
-              <p:cNvPr id="31" name="ZoneTexte 30"/>
-              <p:cNvSpPr txBox="1"/>
-              <p:nvPr/>
-            </p:nvSpPr>
-            <p:spPr>
-              <a:xfrm rot="2700000">
-                <a:off x="583745" y="2358459"/>
-                <a:ext cx="901722" cy="261610"/>
-              </a:xfrm>
-              <a:prstGeom prst="rect">
-                <a:avLst/>
-              </a:prstGeom>
-              <a:noFill/>
-            </p:spPr>
-            <p:txBody>
-              <a:bodyPr wrap="none" rtlCol="0">
-                <a:spAutoFit/>
-              </a:bodyPr>
-              <a:lstStyle/>
-              <a:p>
-                <a:r>
-                  <a:rPr lang="fr-FR" sz="1100" b="0" dirty="0"/>
-                  <a:t>Pivot </a:t>
-                </a:r>
-                <a14:m>
-                  <m:oMath xmlns:m="http://schemas.openxmlformats.org/officeDocument/2006/math">
-                    <m:d>
-                      <m:dPr>
-                        <m:ctrlPr>
-                          <a:rPr lang="fr-FR" sz="1100" b="0" i="1" smtClean="0">
-                            <a:latin typeface="Cambria Math" panose="02040503050406030204" pitchFamily="18" charset="0"/>
-                          </a:rPr>
-                        </m:ctrlPr>
-                      </m:dPr>
-                      <m:e>
-                        <m:r>
-                          <a:rPr lang="fr-FR" sz="1100" b="0" i="1" smtClean="0">
-                            <a:latin typeface="Cambria Math"/>
-                          </a:rPr>
-                          <m:t>𝑂</m:t>
-                        </m:r>
-                        <m:r>
-                          <a:rPr lang="fr-FR" sz="1100" b="0" i="1" smtClean="0">
-                            <a:latin typeface="Cambria Math"/>
-                          </a:rPr>
-                          <m:t>,</m:t>
-                        </m:r>
-                        <m:acc>
-                          <m:accPr>
-                            <m:chr m:val="⃗"/>
-                            <m:ctrlPr>
-                              <a:rPr lang="fr-FR" sz="1100" b="0" i="1" smtClean="0">
-                                <a:latin typeface="Cambria Math" panose="02040503050406030204" pitchFamily="18" charset="0"/>
-                              </a:rPr>
-                            </m:ctrlPr>
-                          </m:accPr>
-                          <m:e>
-                            <m:sSub>
-                              <m:sSubPr>
-                                <m:ctrlPr>
-                                  <a:rPr lang="fr-FR" sz="1100" b="0" i="1" smtClean="0">
-                                    <a:latin typeface="Cambria Math" panose="02040503050406030204" pitchFamily="18" charset="0"/>
-                                  </a:rPr>
-                                </m:ctrlPr>
-                              </m:sSubPr>
-                              <m:e>
-                                <m:r>
-                                  <a:rPr lang="fr-FR" sz="1100" b="0" i="1" smtClean="0">
-                                    <a:latin typeface="Cambria Math"/>
-                                  </a:rPr>
-                                  <m:t>𝑧</m:t>
-                                </m:r>
-                              </m:e>
-                              <m:sub>
-                                <m:r>
-                                  <a:rPr lang="fr-FR" sz="1100" b="0" i="1" smtClean="0">
-                                    <a:latin typeface="Cambria Math"/>
-                                  </a:rPr>
-                                  <m:t>1</m:t>
-                                </m:r>
-                              </m:sub>
-                            </m:sSub>
-                          </m:e>
-                        </m:acc>
-                      </m:e>
-                    </m:d>
-                  </m:oMath>
-                </a14:m>
-                <a:endParaRPr lang="fr-FR" sz="1100" dirty="0"/>
-              </a:p>
-            </p:txBody>
-          </p:sp>
-        </mc:Choice>
-        <mc:Fallback xmlns="">
-          <p:sp>
-            <p:nvSpPr>
-              <p:cNvPr id="31" name="ZoneTexte 30"/>
-              <p:cNvSpPr txBox="1">
-                <a:spLocks noRot="1" noChangeAspect="1" noMove="1" noResize="1" noEditPoints="1" noAdjustHandles="1" noChangeArrowheads="1" noChangeShapeType="1" noTextEdit="1"/>
-              </p:cNvSpPr>
-              <p:nvPr/>
-            </p:nvSpPr>
-            <p:spPr>
-              <a:xfrm rot="2700000">
-                <a:off x="583745" y="2358459"/>
-                <a:ext cx="901722" cy="261610"/>
-              </a:xfrm>
-              <a:prstGeom prst="rect">
-                <a:avLst/>
-              </a:prstGeom>
-              <a:blipFill rotWithShape="1">
-                <a:blip r:embed="rId2"/>
-                <a:stretch>
-                  <a:fillRect l="-2941"/>
-                </a:stretch>
-              </a:blipFill>
-            </p:spPr>
-            <p:txBody>
-              <a:bodyPr/>
-              <a:lstStyle/>
-              <a:p>
-                <a:r>
-                  <a:rPr lang="fr-FR">
-                    <a:noFill/>
-                  </a:rPr>
-                  <a:t> </a:t>
-                </a:r>
-              </a:p>
-            </p:txBody>
-          </p:sp>
-        </mc:Fallback>
-      </mc:AlternateContent>
-      <mc:AlternateContent xmlns:mc="http://schemas.openxmlformats.org/markup-compatibility/2006" xmlns:a14="http://schemas.microsoft.com/office/drawing/2010/main">
-        <mc:Choice Requires="a14">
-          <p:sp>
-            <p:nvSpPr>
-              <p:cNvPr id="32" name="ZoneTexte 31"/>
-              <p:cNvSpPr txBox="1"/>
-              <p:nvPr/>
-            </p:nvSpPr>
-            <p:spPr>
-              <a:xfrm rot="2700000">
-                <a:off x="1329193" y="2358459"/>
-                <a:ext cx="904991" cy="261610"/>
-              </a:xfrm>
-              <a:prstGeom prst="rect">
-                <a:avLst/>
-              </a:prstGeom>
-              <a:noFill/>
-            </p:spPr>
-            <p:txBody>
-              <a:bodyPr wrap="none" rtlCol="0">
-                <a:spAutoFit/>
-              </a:bodyPr>
-              <a:lstStyle/>
-              <a:p>
-                <a:r>
-                  <a:rPr lang="fr-FR" sz="1100" b="0" dirty="0"/>
-                  <a:t>Pivot </a:t>
-                </a:r>
-                <a14:m>
-                  <m:oMath xmlns:m="http://schemas.openxmlformats.org/officeDocument/2006/math">
-                    <m:d>
-                      <m:dPr>
-                        <m:ctrlPr>
-                          <a:rPr lang="fr-FR" sz="1100" b="0" i="1" smtClean="0">
-                            <a:latin typeface="Cambria Math" panose="02040503050406030204" pitchFamily="18" charset="0"/>
-                          </a:rPr>
-                        </m:ctrlPr>
-                      </m:dPr>
-                      <m:e>
-                        <m:r>
-                          <a:rPr lang="fr-FR" sz="1100" b="0" i="1" smtClean="0">
-                            <a:latin typeface="Cambria Math"/>
-                          </a:rPr>
-                          <m:t>𝑂</m:t>
-                        </m:r>
-                        <m:r>
-                          <a:rPr lang="fr-FR" sz="1100" b="0" i="1" smtClean="0">
-                            <a:latin typeface="Cambria Math"/>
-                          </a:rPr>
-                          <m:t>,</m:t>
-                        </m:r>
-                        <m:acc>
-                          <m:accPr>
-                            <m:chr m:val="⃗"/>
-                            <m:ctrlPr>
-                              <a:rPr lang="fr-FR" sz="1100" b="0" i="1" smtClean="0">
-                                <a:latin typeface="Cambria Math" panose="02040503050406030204" pitchFamily="18" charset="0"/>
-                              </a:rPr>
-                            </m:ctrlPr>
-                          </m:accPr>
-                          <m:e>
-                            <m:sSub>
-                              <m:sSubPr>
-                                <m:ctrlPr>
-                                  <a:rPr lang="fr-FR" sz="1100" b="0" i="1" smtClean="0">
-                                    <a:latin typeface="Cambria Math" panose="02040503050406030204" pitchFamily="18" charset="0"/>
-                                  </a:rPr>
-                                </m:ctrlPr>
-                              </m:sSubPr>
-                              <m:e>
-                                <m:r>
-                                  <a:rPr lang="fr-FR" sz="1100" b="0" i="1" smtClean="0">
-                                    <a:latin typeface="Cambria Math"/>
-                                  </a:rPr>
-                                  <m:t>𝑧</m:t>
-                                </m:r>
-                              </m:e>
-                              <m:sub>
-                                <m:r>
-                                  <a:rPr lang="fr-FR" sz="1100" b="0" i="1" smtClean="0">
-                                    <a:latin typeface="Cambria Math"/>
-                                  </a:rPr>
-                                  <m:t>2</m:t>
-                                </m:r>
-                              </m:sub>
-                            </m:sSub>
-                          </m:e>
-                        </m:acc>
-                      </m:e>
-                    </m:d>
-                  </m:oMath>
-                </a14:m>
-                <a:endParaRPr lang="fr-FR" sz="1100" dirty="0"/>
-              </a:p>
-            </p:txBody>
-          </p:sp>
-        </mc:Choice>
-        <mc:Fallback xmlns="">
-          <p:sp>
-            <p:nvSpPr>
-              <p:cNvPr id="32" name="ZoneTexte 31"/>
-              <p:cNvSpPr txBox="1">
-                <a:spLocks noRot="1" noChangeAspect="1" noMove="1" noResize="1" noEditPoints="1" noAdjustHandles="1" noChangeArrowheads="1" noChangeShapeType="1" noTextEdit="1"/>
-              </p:cNvSpPr>
-              <p:nvPr/>
-            </p:nvSpPr>
-            <p:spPr>
-              <a:xfrm rot="2700000">
-                <a:off x="1329193" y="2358459"/>
-                <a:ext cx="904991" cy="261610"/>
-              </a:xfrm>
-              <a:prstGeom prst="rect">
-                <a:avLst/>
-              </a:prstGeom>
-              <a:blipFill rotWithShape="1">
-                <a:blip r:embed="rId3"/>
-                <a:stretch>
-                  <a:fillRect l="-2941"/>
-                </a:stretch>
-              </a:blipFill>
-            </p:spPr>
-            <p:txBody>
-              <a:bodyPr/>
-              <a:lstStyle/>
-              <a:p>
-                <a:r>
-                  <a:rPr lang="fr-FR">
-                    <a:noFill/>
-                  </a:rPr>
-                  <a:t> </a:t>
-                </a:r>
-              </a:p>
-            </p:txBody>
-          </p:sp>
-        </mc:Fallback>
-      </mc:AlternateContent>
-      <mc:AlternateContent xmlns:mc="http://schemas.openxmlformats.org/markup-compatibility/2006" xmlns:a14="http://schemas.microsoft.com/office/drawing/2010/main">
-        <mc:Choice Requires="a14">
-          <p:sp>
-            <p:nvSpPr>
-              <p:cNvPr id="33" name="ZoneTexte 32"/>
-              <p:cNvSpPr txBox="1"/>
-              <p:nvPr/>
-            </p:nvSpPr>
-            <p:spPr>
-              <a:xfrm rot="2700000">
-                <a:off x="2076276" y="2358459"/>
-                <a:ext cx="904991" cy="261610"/>
-              </a:xfrm>
-              <a:prstGeom prst="rect">
-                <a:avLst/>
-              </a:prstGeom>
-              <a:noFill/>
-            </p:spPr>
-            <p:txBody>
-              <a:bodyPr wrap="none" rtlCol="0">
-                <a:spAutoFit/>
-              </a:bodyPr>
-              <a:lstStyle/>
-              <a:p>
-                <a:r>
-                  <a:rPr lang="fr-FR" sz="1100" b="0" dirty="0"/>
-                  <a:t>Pivot </a:t>
-                </a:r>
-                <a14:m>
-                  <m:oMath xmlns:m="http://schemas.openxmlformats.org/officeDocument/2006/math">
-                    <m:d>
-                      <m:dPr>
-                        <m:ctrlPr>
-                          <a:rPr lang="fr-FR" sz="1100" b="0" i="1" smtClean="0">
-                            <a:latin typeface="Cambria Math" panose="02040503050406030204" pitchFamily="18" charset="0"/>
-                          </a:rPr>
-                        </m:ctrlPr>
-                      </m:dPr>
-                      <m:e>
-                        <m:r>
-                          <a:rPr lang="fr-FR" sz="1100" b="0" i="1" smtClean="0">
-                            <a:latin typeface="Cambria Math"/>
-                          </a:rPr>
-                          <m:t>𝑂</m:t>
-                        </m:r>
-                        <m:r>
-                          <a:rPr lang="fr-FR" sz="1100" b="0" i="1" smtClean="0">
-                            <a:latin typeface="Cambria Math"/>
-                          </a:rPr>
-                          <m:t>,</m:t>
-                        </m:r>
-                        <m:acc>
-                          <m:accPr>
-                            <m:chr m:val="⃗"/>
-                            <m:ctrlPr>
-                              <a:rPr lang="fr-FR" sz="1100" b="0" i="1" smtClean="0">
-                                <a:latin typeface="Cambria Math" panose="02040503050406030204" pitchFamily="18" charset="0"/>
-                              </a:rPr>
-                            </m:ctrlPr>
-                          </m:accPr>
-                          <m:e>
-                            <m:sSub>
-                              <m:sSubPr>
-                                <m:ctrlPr>
-                                  <a:rPr lang="fr-FR" sz="1100" b="0" i="1" smtClean="0">
-                                    <a:latin typeface="Cambria Math" panose="02040503050406030204" pitchFamily="18" charset="0"/>
-                                  </a:rPr>
-                                </m:ctrlPr>
-                              </m:sSubPr>
-                              <m:e>
-                                <m:r>
-                                  <a:rPr lang="fr-FR" sz="1100" b="0" i="1" smtClean="0">
-                                    <a:latin typeface="Cambria Math"/>
-                                  </a:rPr>
-                                  <m:t>𝑧</m:t>
-                                </m:r>
-                              </m:e>
-                              <m:sub>
-                                <m:r>
-                                  <a:rPr lang="fr-FR" sz="1100" b="0" i="1" smtClean="0">
-                                    <a:latin typeface="Cambria Math"/>
-                                  </a:rPr>
-                                  <m:t>3</m:t>
-                                </m:r>
-                              </m:sub>
-                            </m:sSub>
-                          </m:e>
-                        </m:acc>
-                      </m:e>
-                    </m:d>
-                  </m:oMath>
-                </a14:m>
-                <a:endParaRPr lang="fr-FR" sz="1100" dirty="0"/>
-              </a:p>
-            </p:txBody>
-          </p:sp>
-        </mc:Choice>
-        <mc:Fallback xmlns="">
-          <p:sp>
-            <p:nvSpPr>
-              <p:cNvPr id="33" name="ZoneTexte 32"/>
-              <p:cNvSpPr txBox="1">
-                <a:spLocks noRot="1" noChangeAspect="1" noMove="1" noResize="1" noEditPoints="1" noAdjustHandles="1" noChangeArrowheads="1" noChangeShapeType="1" noTextEdit="1"/>
-              </p:cNvSpPr>
-              <p:nvPr/>
-            </p:nvSpPr>
-            <p:spPr>
-              <a:xfrm rot="2700000">
-                <a:off x="2076276" y="2358459"/>
-                <a:ext cx="904991" cy="261610"/>
-              </a:xfrm>
-              <a:prstGeom prst="rect">
-                <a:avLst/>
-              </a:prstGeom>
-              <a:blipFill rotWithShape="1">
-                <a:blip r:embed="rId4"/>
-                <a:stretch>
-                  <a:fillRect l="-2941"/>
-                </a:stretch>
-              </a:blipFill>
-            </p:spPr>
-            <p:txBody>
-              <a:bodyPr/>
-              <a:lstStyle/>
-              <a:p>
-                <a:r>
-                  <a:rPr lang="fr-FR">
-                    <a:noFill/>
-                  </a:rPr>
-                  <a:t> </a:t>
-                </a:r>
-              </a:p>
-            </p:txBody>
-          </p:sp>
-        </mc:Fallback>
-      </mc:AlternateContent>
-      <mc:AlternateContent xmlns:mc="http://schemas.openxmlformats.org/markup-compatibility/2006" xmlns:a14="http://schemas.microsoft.com/office/drawing/2010/main">
-        <mc:Choice Requires="a14">
-          <p:sp>
-            <p:nvSpPr>
-              <p:cNvPr id="34" name="ZoneTexte 33"/>
-              <p:cNvSpPr txBox="1"/>
-              <p:nvPr/>
-            </p:nvSpPr>
-            <p:spPr>
-              <a:xfrm rot="2700000">
-                <a:off x="2800789" y="2358459"/>
-                <a:ext cx="950132" cy="261610"/>
-              </a:xfrm>
-              <a:prstGeom prst="rect">
-                <a:avLst/>
-              </a:prstGeom>
-              <a:noFill/>
-            </p:spPr>
-            <p:txBody>
-              <a:bodyPr wrap="none" rtlCol="0">
-                <a:spAutoFit/>
-              </a:bodyPr>
-              <a:lstStyle/>
-              <a:p>
-                <a:r>
-                  <a:rPr lang="fr-FR" sz="1100" b="0" dirty="0"/>
-                  <a:t>Glissière </a:t>
-                </a:r>
-                <a14:m>
-                  <m:oMath xmlns:m="http://schemas.openxmlformats.org/officeDocument/2006/math">
-                    <m:d>
-                      <m:dPr>
-                        <m:ctrlPr>
-                          <a:rPr lang="fr-FR" sz="1100" b="0" i="1" smtClean="0">
-                            <a:latin typeface="Cambria Math" panose="02040503050406030204" pitchFamily="18" charset="0"/>
-                          </a:rPr>
-                        </m:ctrlPr>
-                      </m:dPr>
-                      <m:e>
-                        <m:acc>
-                          <m:accPr>
-                            <m:chr m:val="⃗"/>
-                            <m:ctrlPr>
-                              <a:rPr lang="fr-FR" sz="1100" b="0" i="1" smtClean="0">
-                                <a:latin typeface="Cambria Math" panose="02040503050406030204" pitchFamily="18" charset="0"/>
-                              </a:rPr>
-                            </m:ctrlPr>
-                          </m:accPr>
-                          <m:e>
-                            <m:sSub>
-                              <m:sSubPr>
-                                <m:ctrlPr>
-                                  <a:rPr lang="fr-FR" sz="1100" b="0" i="1" smtClean="0">
-                                    <a:latin typeface="Cambria Math" panose="02040503050406030204" pitchFamily="18" charset="0"/>
-                                  </a:rPr>
-                                </m:ctrlPr>
-                              </m:sSubPr>
-                              <m:e>
-                                <m:r>
-                                  <a:rPr lang="fr-FR" sz="1100" b="0" i="1" smtClean="0">
-                                    <a:latin typeface="Cambria Math"/>
-                                  </a:rPr>
-                                  <m:t>𝑧</m:t>
-                                </m:r>
-                              </m:e>
-                              <m:sub>
-                                <m:r>
-                                  <a:rPr lang="fr-FR" sz="1100" b="0" i="1" smtClean="0">
-                                    <a:latin typeface="Cambria Math"/>
-                                  </a:rPr>
-                                  <m:t>3</m:t>
-                                </m:r>
-                              </m:sub>
-                            </m:sSub>
-                          </m:e>
-                        </m:acc>
-                      </m:e>
-                    </m:d>
-                  </m:oMath>
-                </a14:m>
-                <a:endParaRPr lang="fr-FR" sz="1100" dirty="0"/>
-              </a:p>
-            </p:txBody>
-          </p:sp>
-        </mc:Choice>
-        <mc:Fallback xmlns="">
-          <p:sp>
-            <p:nvSpPr>
-              <p:cNvPr id="34" name="ZoneTexte 33"/>
-              <p:cNvSpPr txBox="1">
-                <a:spLocks noRot="1" noChangeAspect="1" noMove="1" noResize="1" noEditPoints="1" noAdjustHandles="1" noChangeArrowheads="1" noChangeShapeType="1" noTextEdit="1"/>
-              </p:cNvSpPr>
-              <p:nvPr/>
-            </p:nvSpPr>
-            <p:spPr>
-              <a:xfrm rot="2700000">
-                <a:off x="2800789" y="2358459"/>
-                <a:ext cx="950132" cy="261610"/>
-              </a:xfrm>
-              <a:prstGeom prst="rect">
-                <a:avLst/>
-              </a:prstGeom>
-              <a:blipFill rotWithShape="1">
-                <a:blip r:embed="rId5"/>
-                <a:stretch>
-                  <a:fillRect l="-2837"/>
-                </a:stretch>
-              </a:blipFill>
-            </p:spPr>
-            <p:txBody>
-              <a:bodyPr/>
-              <a:lstStyle/>
-              <a:p>
-                <a:r>
-                  <a:rPr lang="fr-FR">
-                    <a:noFill/>
-                  </a:rPr>
-                  <a:t> </a:t>
-                </a:r>
-              </a:p>
-            </p:txBody>
-          </p:sp>
-        </mc:Fallback>
-      </mc:AlternateContent>
-      <p:cxnSp>
-        <p:nvCxnSpPr>
-          <p:cNvPr id="41" name="Connecteur droit 40"/>
-          <p:cNvCxnSpPr/>
-          <p:nvPr/>
-        </p:nvCxnSpPr>
-        <p:spPr>
-          <a:xfrm>
-            <a:off x="152400" y="1957215"/>
-            <a:ext cx="171128" cy="0"/>
-          </a:xfrm>
-          <a:prstGeom prst="line">
-            <a:avLst/>
-          </a:prstGeom>
-          <a:solidFill>
-            <a:schemeClr val="accent6">
-              <a:lumMod val="20000"/>
-              <a:lumOff val="80000"/>
-            </a:schemeClr>
-          </a:solidFill>
-          <a:ln w="19050">
-            <a:solidFill>
-              <a:schemeClr val="accent6">
-                <a:lumMod val="50000"/>
-              </a:schemeClr>
-            </a:solidFill>
-          </a:ln>
-        </p:spPr>
-        <p:style>
-          <a:lnRef idx="2">
-            <a:schemeClr val="accent1">
-              <a:shade val="50000"/>
-            </a:schemeClr>
-          </a:lnRef>
-          <a:fillRef idx="1">
-            <a:schemeClr val="accent1"/>
-          </a:fillRef>
-          <a:effectRef idx="0">
-            <a:schemeClr val="accent1"/>
-          </a:effectRef>
-          <a:fontRef idx="minor">
-            <a:schemeClr val="lt1"/>
-          </a:fontRef>
-        </p:style>
-      </p:cxnSp>
-      <p:cxnSp>
-        <p:nvCxnSpPr>
-          <p:cNvPr id="43" name="Connecteur droit 42"/>
-          <p:cNvCxnSpPr/>
-          <p:nvPr/>
-        </p:nvCxnSpPr>
-        <p:spPr>
-          <a:xfrm flipV="1">
-            <a:off x="152400" y="1813200"/>
-            <a:ext cx="0" cy="288031"/>
-          </a:xfrm>
-          <a:prstGeom prst="line">
-            <a:avLst/>
-          </a:prstGeom>
-          <a:solidFill>
-            <a:schemeClr val="accent6">
-              <a:lumMod val="20000"/>
-              <a:lumOff val="80000"/>
-            </a:schemeClr>
-          </a:solidFill>
-          <a:ln w="19050">
-            <a:solidFill>
-              <a:schemeClr val="accent6">
-                <a:lumMod val="50000"/>
-              </a:schemeClr>
-            </a:solidFill>
-          </a:ln>
-        </p:spPr>
-        <p:style>
-          <a:lnRef idx="2">
-            <a:schemeClr val="accent1">
-              <a:shade val="50000"/>
-            </a:schemeClr>
-          </a:lnRef>
-          <a:fillRef idx="1">
-            <a:schemeClr val="accent1"/>
-          </a:fillRef>
-          <a:effectRef idx="0">
-            <a:schemeClr val="accent1"/>
-          </a:effectRef>
-          <a:fontRef idx="minor">
-            <a:schemeClr val="lt1"/>
-          </a:fontRef>
-        </p:style>
-      </p:cxnSp>
-      <p:cxnSp>
-        <p:nvCxnSpPr>
-          <p:cNvPr id="44" name="Connecteur droit 43"/>
-          <p:cNvCxnSpPr>
-            <a:stCxn id="7" idx="1"/>
-            <a:endCxn id="8" idx="7"/>
-          </p:cNvCxnSpPr>
-          <p:nvPr/>
-        </p:nvCxnSpPr>
-        <p:spPr>
-          <a:xfrm rot="16200000" flipV="1">
-            <a:off x="1943708" y="481051"/>
-            <a:ext cx="12700" cy="2748658"/>
-          </a:xfrm>
-          <a:prstGeom prst="curvedConnector3">
-            <a:avLst>
-              <a:gd name="adj1" fmla="val 2132134"/>
-            </a:avLst>
-          </a:prstGeom>
-          <a:ln w="19050">
-            <a:solidFill>
-              <a:schemeClr val="tx1"/>
-            </a:solidFill>
-            <a:prstDash val="sysDash"/>
-          </a:ln>
-        </p:spPr>
-        <p:style>
-          <a:lnRef idx="1">
-            <a:schemeClr val="accent1"/>
-          </a:lnRef>
-          <a:fillRef idx="0">
-            <a:schemeClr val="accent1"/>
-          </a:fillRef>
-          <a:effectRef idx="0">
-            <a:schemeClr val="accent1"/>
-          </a:effectRef>
-          <a:fontRef idx="minor">
-            <a:schemeClr val="tx1"/>
-          </a:fontRef>
-        </p:style>
-      </p:cxnSp>
-      <p:sp>
-        <p:nvSpPr>
-          <p:cNvPr id="45" name="ZoneTexte 44"/>
-          <p:cNvSpPr txBox="1"/>
-          <p:nvPr/>
-        </p:nvSpPr>
-        <p:spPr>
-          <a:xfrm>
-            <a:off x="1401732" y="1340768"/>
-            <a:ext cx="1083951" cy="261610"/>
-          </a:xfrm>
-          <a:prstGeom prst="rect">
-            <a:avLst/>
-          </a:prstGeom>
-          <a:noFill/>
-        </p:spPr>
-        <p:txBody>
-          <a:bodyPr wrap="none" rtlCol="0">
-            <a:spAutoFit/>
-          </a:bodyPr>
-          <a:lstStyle/>
-          <a:p>
-            <a:r>
-              <a:rPr lang="fr-FR" sz="1100" b="0" dirty="0"/>
-              <a:t>Liaison à définir</a:t>
-            </a:r>
-            <a:endParaRPr lang="fr-FR" sz="1100" dirty="0"/>
-          </a:p>
-        </p:txBody>
-      </p:sp>
-    </p:spTree>
-    <p:extLst>
-      <p:ext uri="{BB962C8B-B14F-4D97-AF65-F5344CB8AC3E}">
-        <p14:creationId xmlns:p14="http://schemas.microsoft.com/office/powerpoint/2010/main" val="1567687556"/>
-      </p:ext>
-    </p:extLst>
-  </p:cSld>
-  <p:clrMapOvr>
-    <a:masterClrMapping/>
-  </p:clrMapOvr>
-</p:sld>
-</file>
-
 <file path=ppt/theme/theme1.xml><?xml version="1.0" encoding="utf-8"?>
 <a:theme xmlns:a="http://schemas.openxmlformats.org/drawingml/2006/main" name="Thème Office">
   <a:themeElements>
